--- a/trunk/slides/SRIO Demo Overview.pptx
+++ b/trunk/slides/SRIO Demo Overview.pptx
@@ -275,12 +275,12 @@
             <a:pPr>
               <a:defRPr/>
             </a:pPr>
-            <a:fld id="{529E08BB-3F28-44ED-8952-7E87A2643DBA}" type="datetimeFigureOut">
+            <a:fld id="{3AB4474F-6F0D-4B9A-A152-72A163EE83BB}" type="datetimeFigureOut">
               <a:rPr lang="en-US"/>
               <a:pPr>
                 <a:defRPr/>
               </a:pPr>
-              <a:t>3/6/2012</a:t>
+              <a:t>3/7/2012</a:t>
             </a:fld>
             <a:endParaRPr lang="en-US" dirty="0"/>
           </a:p>
@@ -463,7 +463,7 @@
             <a:pPr>
               <a:defRPr/>
             </a:pPr>
-            <a:fld id="{9F9D2893-2024-4A0E-A31A-0AAE45A05408}" type="slidenum">
+            <a:fld id="{2E9257E1-6C82-499E-97AE-5698606E5618}" type="slidenum">
               <a:rPr lang="en-US"/>
               <a:pPr>
                 <a:defRPr/>
@@ -685,7 +685,7 @@
             <a:pPr>
               <a:defRPr/>
             </a:pPr>
-            <a:fld id="{3E7B3A65-EAF7-4A7A-827B-F456D52E73E7}" type="slidenum">
+            <a:fld id="{5F61A04A-1E32-482A-BFE1-E7DBAC9170DF}" type="slidenum">
               <a:rPr lang="en-US" smtClean="0"/>
               <a:pPr>
                 <a:defRPr/>
@@ -846,7 +846,7 @@
             <a:pPr>
               <a:defRPr/>
             </a:pPr>
-            <a:fld id="{9F9D2893-2024-4A0E-A31A-0AAE45A05408}" type="slidenum">
+            <a:fld id="{2E9257E1-6C82-499E-97AE-5698606E5618}" type="slidenum">
               <a:rPr lang="en-US" smtClean="0"/>
               <a:pPr>
                 <a:defRPr/>
@@ -933,7 +933,7 @@
             <a:pPr>
               <a:defRPr/>
             </a:pPr>
-            <a:fld id="{9F9D2893-2024-4A0E-A31A-0AAE45A05408}" type="slidenum">
+            <a:fld id="{2E9257E1-6C82-499E-97AE-5698606E5618}" type="slidenum">
               <a:rPr lang="en-US" smtClean="0"/>
               <a:pPr>
                 <a:defRPr/>
@@ -1020,7 +1020,7 @@
             <a:pPr>
               <a:defRPr/>
             </a:pPr>
-            <a:fld id="{9F9D2893-2024-4A0E-A31A-0AAE45A05408}" type="slidenum">
+            <a:fld id="{2E9257E1-6C82-499E-97AE-5698606E5618}" type="slidenum">
               <a:rPr lang="en-US" smtClean="0"/>
               <a:pPr>
                 <a:defRPr/>
@@ -1107,7 +1107,7 @@
             <a:pPr>
               <a:defRPr/>
             </a:pPr>
-            <a:fld id="{9F9D2893-2024-4A0E-A31A-0AAE45A05408}" type="slidenum">
+            <a:fld id="{2E9257E1-6C82-499E-97AE-5698606E5618}" type="slidenum">
               <a:rPr lang="en-US" smtClean="0"/>
               <a:pPr>
                 <a:defRPr/>
@@ -1194,7 +1194,7 @@
             <a:pPr>
               <a:defRPr/>
             </a:pPr>
-            <a:fld id="{9F9D2893-2024-4A0E-A31A-0AAE45A05408}" type="slidenum">
+            <a:fld id="{2E9257E1-6C82-499E-97AE-5698606E5618}" type="slidenum">
               <a:rPr lang="en-US" smtClean="0"/>
               <a:pPr>
                 <a:defRPr/>
@@ -1296,7 +1296,7 @@
             <a:pPr>
               <a:defRPr/>
             </a:pPr>
-            <a:fld id="{44038077-98A3-41DD-AE0B-48101BBBE377}" type="slidenum">
+            <a:fld id="{48DB65D5-9C36-4639-9D2D-E3E65076C3BD}" type="slidenum">
               <a:rPr lang="en-US" smtClean="0"/>
               <a:pPr>
                 <a:defRPr/>
@@ -1383,7 +1383,7 @@
             <a:pPr>
               <a:defRPr/>
             </a:pPr>
-            <a:fld id="{9F9D2893-2024-4A0E-A31A-0AAE45A05408}" type="slidenum">
+            <a:fld id="{2E9257E1-6C82-499E-97AE-5698606E5618}" type="slidenum">
               <a:rPr lang="en-US" smtClean="0"/>
               <a:pPr>
                 <a:defRPr/>
@@ -1470,7 +1470,7 @@
             <a:pPr>
               <a:defRPr/>
             </a:pPr>
-            <a:fld id="{9F9D2893-2024-4A0E-A31A-0AAE45A05408}" type="slidenum">
+            <a:fld id="{2E9257E1-6C82-499E-97AE-5698606E5618}" type="slidenum">
               <a:rPr lang="en-US" smtClean="0"/>
               <a:pPr>
                 <a:defRPr/>
@@ -1557,7 +1557,7 @@
             <a:pPr>
               <a:defRPr/>
             </a:pPr>
-            <a:fld id="{9F9D2893-2024-4A0E-A31A-0AAE45A05408}" type="slidenum">
+            <a:fld id="{2E9257E1-6C82-499E-97AE-5698606E5618}" type="slidenum">
               <a:rPr lang="en-US" smtClean="0"/>
               <a:pPr>
                 <a:defRPr/>
@@ -1659,7 +1659,7 @@
             <a:pPr>
               <a:defRPr/>
             </a:pPr>
-            <a:fld id="{F4C5778C-D70D-450A-9256-93AB4999FBA4}" type="slidenum">
+            <a:fld id="{9AC9AE62-176D-4000-9FDE-6B56ED047F3E}" type="slidenum">
               <a:rPr lang="en-US" smtClean="0"/>
               <a:pPr>
                 <a:defRPr/>
@@ -1761,7 +1761,7 @@
             <a:pPr>
               <a:defRPr/>
             </a:pPr>
-            <a:fld id="{938DC997-7752-4149-858C-DC889BD0DF8C}" type="slidenum">
+            <a:fld id="{0CC296A5-6BEA-44AC-B5F4-933043190951}" type="slidenum">
               <a:rPr lang="en-US" smtClean="0"/>
               <a:pPr>
                 <a:defRPr/>
@@ -1848,7 +1848,7 @@
             <a:pPr>
               <a:defRPr/>
             </a:pPr>
-            <a:fld id="{9F9D2893-2024-4A0E-A31A-0AAE45A05408}" type="slidenum">
+            <a:fld id="{2E9257E1-6C82-499E-97AE-5698606E5618}" type="slidenum">
               <a:rPr lang="en-US" smtClean="0"/>
               <a:pPr>
                 <a:defRPr/>
@@ -1935,7 +1935,7 @@
             <a:pPr>
               <a:defRPr/>
             </a:pPr>
-            <a:fld id="{9F9D2893-2024-4A0E-A31A-0AAE45A05408}" type="slidenum">
+            <a:fld id="{2E9257E1-6C82-499E-97AE-5698606E5618}" type="slidenum">
               <a:rPr lang="en-US" smtClean="0"/>
               <a:pPr>
                 <a:defRPr/>
@@ -2022,7 +2022,7 @@
             <a:pPr>
               <a:defRPr/>
             </a:pPr>
-            <a:fld id="{9F9D2893-2024-4A0E-A31A-0AAE45A05408}" type="slidenum">
+            <a:fld id="{2E9257E1-6C82-499E-97AE-5698606E5618}" type="slidenum">
               <a:rPr lang="en-US" smtClean="0"/>
               <a:pPr>
                 <a:defRPr/>
@@ -2109,7 +2109,7 @@
             <a:pPr>
               <a:defRPr/>
             </a:pPr>
-            <a:fld id="{9F9D2893-2024-4A0E-A31A-0AAE45A05408}" type="slidenum">
+            <a:fld id="{2E9257E1-6C82-499E-97AE-5698606E5618}" type="slidenum">
               <a:rPr lang="en-US" smtClean="0"/>
               <a:pPr>
                 <a:defRPr/>
@@ -2211,7 +2211,7 @@
             <a:pPr>
               <a:defRPr/>
             </a:pPr>
-            <a:fld id="{11D62A40-0CBB-44D0-B574-64287B16D10D}" type="slidenum">
+            <a:fld id="{0BE01B81-3183-4040-8F14-4E8693397AF3}" type="slidenum">
               <a:rPr lang="en-US" smtClean="0"/>
               <a:pPr>
                 <a:defRPr/>
@@ -2298,7 +2298,7 @@
             <a:pPr>
               <a:defRPr/>
             </a:pPr>
-            <a:fld id="{9F9D2893-2024-4A0E-A31A-0AAE45A05408}" type="slidenum">
+            <a:fld id="{2E9257E1-6C82-499E-97AE-5698606E5618}" type="slidenum">
               <a:rPr lang="en-US" smtClean="0"/>
               <a:pPr>
                 <a:defRPr/>
@@ -2385,7 +2385,7 @@
             <a:pPr>
               <a:defRPr/>
             </a:pPr>
-            <a:fld id="{9F9D2893-2024-4A0E-A31A-0AAE45A05408}" type="slidenum">
+            <a:fld id="{2E9257E1-6C82-499E-97AE-5698606E5618}" type="slidenum">
               <a:rPr lang="en-US" smtClean="0"/>
               <a:pPr>
                 <a:defRPr/>
@@ -2472,7 +2472,7 @@
             <a:pPr>
               <a:defRPr/>
             </a:pPr>
-            <a:fld id="{9F9D2893-2024-4A0E-A31A-0AAE45A05408}" type="slidenum">
+            <a:fld id="{2E9257E1-6C82-499E-97AE-5698606E5618}" type="slidenum">
               <a:rPr lang="en-US" smtClean="0"/>
               <a:pPr>
                 <a:defRPr/>
@@ -2559,7 +2559,7 @@
             <a:pPr>
               <a:defRPr/>
             </a:pPr>
-            <a:fld id="{9F9D2893-2024-4A0E-A31A-0AAE45A05408}" type="slidenum">
+            <a:fld id="{2E9257E1-6C82-499E-97AE-5698606E5618}" type="slidenum">
               <a:rPr lang="en-US" smtClean="0"/>
               <a:pPr>
                 <a:defRPr/>
@@ -2646,7 +2646,7 @@
             <a:pPr>
               <a:defRPr/>
             </a:pPr>
-            <a:fld id="{9F9D2893-2024-4A0E-A31A-0AAE45A05408}" type="slidenum">
+            <a:fld id="{2E9257E1-6C82-499E-97AE-5698606E5618}" type="slidenum">
               <a:rPr lang="en-US" smtClean="0"/>
               <a:pPr>
                 <a:defRPr/>
@@ -2748,7 +2748,7 @@
             <a:pPr>
               <a:defRPr/>
             </a:pPr>
-            <a:fld id="{AFDAF18D-7079-404D-8284-663064561513}" type="slidenum">
+            <a:fld id="{982B36FC-7C0A-4FD4-8975-9C2C2A8E4F22}" type="slidenum">
               <a:rPr lang="en-US" smtClean="0"/>
               <a:pPr>
                 <a:defRPr/>
@@ -2835,7 +2835,7 @@
             <a:pPr>
               <a:defRPr/>
             </a:pPr>
-            <a:fld id="{9F9D2893-2024-4A0E-A31A-0AAE45A05408}" type="slidenum">
+            <a:fld id="{2E9257E1-6C82-499E-97AE-5698606E5618}" type="slidenum">
               <a:rPr lang="en-US" smtClean="0"/>
               <a:pPr>
                 <a:defRPr/>
@@ -2922,7 +2922,7 @@
             <a:pPr>
               <a:defRPr/>
             </a:pPr>
-            <a:fld id="{9F9D2893-2024-4A0E-A31A-0AAE45A05408}" type="slidenum">
+            <a:fld id="{2E9257E1-6C82-499E-97AE-5698606E5618}" type="slidenum">
               <a:rPr lang="en-US" smtClean="0"/>
               <a:pPr>
                 <a:defRPr/>
@@ -3024,7 +3024,7 @@
             <a:pPr>
               <a:defRPr/>
             </a:pPr>
-            <a:fld id="{295973C4-E7B3-4792-A82A-0A053E352F14}" type="slidenum">
+            <a:fld id="{5EB83D9C-BB54-4E54-BC41-13F3DC050FF6}" type="slidenum">
               <a:rPr lang="en-US" smtClean="0"/>
               <a:pPr>
                 <a:defRPr/>
@@ -3111,7 +3111,7 @@
             <a:pPr>
               <a:defRPr/>
             </a:pPr>
-            <a:fld id="{9F9D2893-2024-4A0E-A31A-0AAE45A05408}" type="slidenum">
+            <a:fld id="{2E9257E1-6C82-499E-97AE-5698606E5618}" type="slidenum">
               <a:rPr lang="en-US" smtClean="0"/>
               <a:pPr>
                 <a:defRPr/>
@@ -3233,7 +3233,7 @@
               </a:spcAft>
               <a:defRPr/>
             </a:pPr>
-            <a:fld id="{FC2724A2-6B57-4BFB-BF05-E8B3E99468AA}" type="slidenum">
+            <a:fld id="{37876E09-CB95-43BC-980A-8CD68EAA1BAE}" type="slidenum">
               <a:rPr lang="en-US" smtClean="0">
                 <a:latin typeface="Arial" charset="0"/>
               </a:rPr>

--- a/trunk/slides/SRIO Demo Overview.pptx
+++ b/trunk/slides/SRIO Demo Overview.pptx
@@ -275,7 +275,7 @@
             <a:pPr>
               <a:defRPr/>
             </a:pPr>
-            <a:fld id="{3AB4474F-6F0D-4B9A-A152-72A163EE83BB}" type="datetimeFigureOut">
+            <a:fld id="{7653B5CD-CFB0-4E7F-9EDE-CD711180A8FA}" type="datetimeFigureOut">
               <a:rPr lang="en-US"/>
               <a:pPr>
                 <a:defRPr/>
@@ -463,7 +463,7 @@
             <a:pPr>
               <a:defRPr/>
             </a:pPr>
-            <a:fld id="{2E9257E1-6C82-499E-97AE-5698606E5618}" type="slidenum">
+            <a:fld id="{BC79B970-CE3C-4B70-9E92-ED90B9476987}" type="slidenum">
               <a:rPr lang="en-US"/>
               <a:pPr>
                 <a:defRPr/>
@@ -685,7 +685,7 @@
             <a:pPr>
               <a:defRPr/>
             </a:pPr>
-            <a:fld id="{5F61A04A-1E32-482A-BFE1-E7DBAC9170DF}" type="slidenum">
+            <a:fld id="{C885BA58-B468-44F3-9314-C9A587B73611}" type="slidenum">
               <a:rPr lang="en-US" smtClean="0"/>
               <a:pPr>
                 <a:defRPr/>
@@ -846,7 +846,7 @@
             <a:pPr>
               <a:defRPr/>
             </a:pPr>
-            <a:fld id="{2E9257E1-6C82-499E-97AE-5698606E5618}" type="slidenum">
+            <a:fld id="{BC79B970-CE3C-4B70-9E92-ED90B9476987}" type="slidenum">
               <a:rPr lang="en-US" smtClean="0"/>
               <a:pPr>
                 <a:defRPr/>
@@ -933,7 +933,7 @@
             <a:pPr>
               <a:defRPr/>
             </a:pPr>
-            <a:fld id="{2E9257E1-6C82-499E-97AE-5698606E5618}" type="slidenum">
+            <a:fld id="{BC79B970-CE3C-4B70-9E92-ED90B9476987}" type="slidenum">
               <a:rPr lang="en-US" smtClean="0"/>
               <a:pPr>
                 <a:defRPr/>
@@ -1020,7 +1020,7 @@
             <a:pPr>
               <a:defRPr/>
             </a:pPr>
-            <a:fld id="{2E9257E1-6C82-499E-97AE-5698606E5618}" type="slidenum">
+            <a:fld id="{BC79B970-CE3C-4B70-9E92-ED90B9476987}" type="slidenum">
               <a:rPr lang="en-US" smtClean="0"/>
               <a:pPr>
                 <a:defRPr/>
@@ -1107,7 +1107,7 @@
             <a:pPr>
               <a:defRPr/>
             </a:pPr>
-            <a:fld id="{2E9257E1-6C82-499E-97AE-5698606E5618}" type="slidenum">
+            <a:fld id="{BC79B970-CE3C-4B70-9E92-ED90B9476987}" type="slidenum">
               <a:rPr lang="en-US" smtClean="0"/>
               <a:pPr>
                 <a:defRPr/>
@@ -1194,7 +1194,7 @@
             <a:pPr>
               <a:defRPr/>
             </a:pPr>
-            <a:fld id="{2E9257E1-6C82-499E-97AE-5698606E5618}" type="slidenum">
+            <a:fld id="{BC79B970-CE3C-4B70-9E92-ED90B9476987}" type="slidenum">
               <a:rPr lang="en-US" smtClean="0"/>
               <a:pPr>
                 <a:defRPr/>
@@ -1296,7 +1296,7 @@
             <a:pPr>
               <a:defRPr/>
             </a:pPr>
-            <a:fld id="{48DB65D5-9C36-4639-9D2D-E3E65076C3BD}" type="slidenum">
+            <a:fld id="{853557B6-D3E1-4060-A4D4-DFF1F030C7F5}" type="slidenum">
               <a:rPr lang="en-US" smtClean="0"/>
               <a:pPr>
                 <a:defRPr/>
@@ -1383,7 +1383,7 @@
             <a:pPr>
               <a:defRPr/>
             </a:pPr>
-            <a:fld id="{2E9257E1-6C82-499E-97AE-5698606E5618}" type="slidenum">
+            <a:fld id="{BC79B970-CE3C-4B70-9E92-ED90B9476987}" type="slidenum">
               <a:rPr lang="en-US" smtClean="0"/>
               <a:pPr>
                 <a:defRPr/>
@@ -1470,7 +1470,7 @@
             <a:pPr>
               <a:defRPr/>
             </a:pPr>
-            <a:fld id="{2E9257E1-6C82-499E-97AE-5698606E5618}" type="slidenum">
+            <a:fld id="{BC79B970-CE3C-4B70-9E92-ED90B9476987}" type="slidenum">
               <a:rPr lang="en-US" smtClean="0"/>
               <a:pPr>
                 <a:defRPr/>
@@ -1557,7 +1557,7 @@
             <a:pPr>
               <a:defRPr/>
             </a:pPr>
-            <a:fld id="{2E9257E1-6C82-499E-97AE-5698606E5618}" type="slidenum">
+            <a:fld id="{BC79B970-CE3C-4B70-9E92-ED90B9476987}" type="slidenum">
               <a:rPr lang="en-US" smtClean="0"/>
               <a:pPr>
                 <a:defRPr/>
@@ -1659,7 +1659,7 @@
             <a:pPr>
               <a:defRPr/>
             </a:pPr>
-            <a:fld id="{9AC9AE62-176D-4000-9FDE-6B56ED047F3E}" type="slidenum">
+            <a:fld id="{84AFD75C-4C34-4383-9801-5EC21901BFA9}" type="slidenum">
               <a:rPr lang="en-US" smtClean="0"/>
               <a:pPr>
                 <a:defRPr/>
@@ -1761,7 +1761,7 @@
             <a:pPr>
               <a:defRPr/>
             </a:pPr>
-            <a:fld id="{0CC296A5-6BEA-44AC-B5F4-933043190951}" type="slidenum">
+            <a:fld id="{5A79BDB9-9641-418B-A4EB-48E935EEBE42}" type="slidenum">
               <a:rPr lang="en-US" smtClean="0"/>
               <a:pPr>
                 <a:defRPr/>
@@ -1848,7 +1848,7 @@
             <a:pPr>
               <a:defRPr/>
             </a:pPr>
-            <a:fld id="{2E9257E1-6C82-499E-97AE-5698606E5618}" type="slidenum">
+            <a:fld id="{BC79B970-CE3C-4B70-9E92-ED90B9476987}" type="slidenum">
               <a:rPr lang="en-US" smtClean="0"/>
               <a:pPr>
                 <a:defRPr/>
@@ -1935,7 +1935,7 @@
             <a:pPr>
               <a:defRPr/>
             </a:pPr>
-            <a:fld id="{2E9257E1-6C82-499E-97AE-5698606E5618}" type="slidenum">
+            <a:fld id="{BC79B970-CE3C-4B70-9E92-ED90B9476987}" type="slidenum">
               <a:rPr lang="en-US" smtClean="0"/>
               <a:pPr>
                 <a:defRPr/>
@@ -2022,7 +2022,7 @@
             <a:pPr>
               <a:defRPr/>
             </a:pPr>
-            <a:fld id="{2E9257E1-6C82-499E-97AE-5698606E5618}" type="slidenum">
+            <a:fld id="{BC79B970-CE3C-4B70-9E92-ED90B9476987}" type="slidenum">
               <a:rPr lang="en-US" smtClean="0"/>
               <a:pPr>
                 <a:defRPr/>
@@ -2109,7 +2109,7 @@
             <a:pPr>
               <a:defRPr/>
             </a:pPr>
-            <a:fld id="{2E9257E1-6C82-499E-97AE-5698606E5618}" type="slidenum">
+            <a:fld id="{BC79B970-CE3C-4B70-9E92-ED90B9476987}" type="slidenum">
               <a:rPr lang="en-US" smtClean="0"/>
               <a:pPr>
                 <a:defRPr/>
@@ -2211,7 +2211,7 @@
             <a:pPr>
               <a:defRPr/>
             </a:pPr>
-            <a:fld id="{0BE01B81-3183-4040-8F14-4E8693397AF3}" type="slidenum">
+            <a:fld id="{3022E94C-D6EA-4B66-B396-617C280251CA}" type="slidenum">
               <a:rPr lang="en-US" smtClean="0"/>
               <a:pPr>
                 <a:defRPr/>
@@ -2298,7 +2298,7 @@
             <a:pPr>
               <a:defRPr/>
             </a:pPr>
-            <a:fld id="{2E9257E1-6C82-499E-97AE-5698606E5618}" type="slidenum">
+            <a:fld id="{BC79B970-CE3C-4B70-9E92-ED90B9476987}" type="slidenum">
               <a:rPr lang="en-US" smtClean="0"/>
               <a:pPr>
                 <a:defRPr/>
@@ -2385,7 +2385,7 @@
             <a:pPr>
               <a:defRPr/>
             </a:pPr>
-            <a:fld id="{2E9257E1-6C82-499E-97AE-5698606E5618}" type="slidenum">
+            <a:fld id="{BC79B970-CE3C-4B70-9E92-ED90B9476987}" type="slidenum">
               <a:rPr lang="en-US" smtClean="0"/>
               <a:pPr>
                 <a:defRPr/>
@@ -2472,7 +2472,7 @@
             <a:pPr>
               <a:defRPr/>
             </a:pPr>
-            <a:fld id="{2E9257E1-6C82-499E-97AE-5698606E5618}" type="slidenum">
+            <a:fld id="{BC79B970-CE3C-4B70-9E92-ED90B9476987}" type="slidenum">
               <a:rPr lang="en-US" smtClean="0"/>
               <a:pPr>
                 <a:defRPr/>
@@ -2559,7 +2559,7 @@
             <a:pPr>
               <a:defRPr/>
             </a:pPr>
-            <a:fld id="{2E9257E1-6C82-499E-97AE-5698606E5618}" type="slidenum">
+            <a:fld id="{BC79B970-CE3C-4B70-9E92-ED90B9476987}" type="slidenum">
               <a:rPr lang="en-US" smtClean="0"/>
               <a:pPr>
                 <a:defRPr/>
@@ -2646,7 +2646,7 @@
             <a:pPr>
               <a:defRPr/>
             </a:pPr>
-            <a:fld id="{2E9257E1-6C82-499E-97AE-5698606E5618}" type="slidenum">
+            <a:fld id="{BC79B970-CE3C-4B70-9E92-ED90B9476987}" type="slidenum">
               <a:rPr lang="en-US" smtClean="0"/>
               <a:pPr>
                 <a:defRPr/>
@@ -2748,7 +2748,7 @@
             <a:pPr>
               <a:defRPr/>
             </a:pPr>
-            <a:fld id="{982B36FC-7C0A-4FD4-8975-9C2C2A8E4F22}" type="slidenum">
+            <a:fld id="{A819B648-500A-4D4E-B19A-A5FD000C6EC9}" type="slidenum">
               <a:rPr lang="en-US" smtClean="0"/>
               <a:pPr>
                 <a:defRPr/>
@@ -2835,7 +2835,7 @@
             <a:pPr>
               <a:defRPr/>
             </a:pPr>
-            <a:fld id="{2E9257E1-6C82-499E-97AE-5698606E5618}" type="slidenum">
+            <a:fld id="{BC79B970-CE3C-4B70-9E92-ED90B9476987}" type="slidenum">
               <a:rPr lang="en-US" smtClean="0"/>
               <a:pPr>
                 <a:defRPr/>
@@ -2922,7 +2922,7 @@
             <a:pPr>
               <a:defRPr/>
             </a:pPr>
-            <a:fld id="{2E9257E1-6C82-499E-97AE-5698606E5618}" type="slidenum">
+            <a:fld id="{BC79B970-CE3C-4B70-9E92-ED90B9476987}" type="slidenum">
               <a:rPr lang="en-US" smtClean="0"/>
               <a:pPr>
                 <a:defRPr/>
@@ -3024,7 +3024,7 @@
             <a:pPr>
               <a:defRPr/>
             </a:pPr>
-            <a:fld id="{5EB83D9C-BB54-4E54-BC41-13F3DC050FF6}" type="slidenum">
+            <a:fld id="{4CB4BC81-B0EC-4154-A2B3-B5CB374E6003}" type="slidenum">
               <a:rPr lang="en-US" smtClean="0"/>
               <a:pPr>
                 <a:defRPr/>
@@ -3111,7 +3111,7 @@
             <a:pPr>
               <a:defRPr/>
             </a:pPr>
-            <a:fld id="{2E9257E1-6C82-499E-97AE-5698606E5618}" type="slidenum">
+            <a:fld id="{BC79B970-CE3C-4B70-9E92-ED90B9476987}" type="slidenum">
               <a:rPr lang="en-US" smtClean="0"/>
               <a:pPr>
                 <a:defRPr/>
@@ -3233,7 +3233,7 @@
               </a:spcAft>
               <a:defRPr/>
             </a:pPr>
-            <a:fld id="{37876E09-CB95-43BC-980A-8CD68EAA1BAE}" type="slidenum">
+            <a:fld id="{FEDB6D5F-B5AE-42C6-A55D-9C29CBECF2FC}" type="slidenum">
               <a:rPr lang="en-US" smtClean="0">
                 <a:latin typeface="Arial" charset="0"/>
               </a:rPr>
@@ -5056,8 +5056,8 @@
         </p:nvSpPr>
         <p:spPr>
           <a:xfrm>
-            <a:off x="7930120" y="6498264"/>
-            <a:ext cx="856260" cy="276999"/>
+            <a:off x="7425393" y="6505352"/>
+            <a:ext cx="1357103" cy="276999"/>
           </a:xfrm>
           <a:prstGeom prst="rect">
             <a:avLst/>
@@ -5096,7 +5096,24 @@
                 <a:latin typeface="+mn-lt"/>
                 <a:cs typeface="+mn-cs"/>
               </a:rPr>
-              <a:t>CI Training</a:t>
+              <a:t>Multicore </a:t>
+            </a:r>
+            <a:r>
+              <a:rPr lang="en-US" sz="1200" b="1" dirty="0">
+                <a:ln w="10541" cmpd="sng">
+                  <a:solidFill>
+                    <a:srgbClr val="7D7D7D">
+                      <a:tint val="100000"/>
+                      <a:shade val="100000"/>
+                      <a:satMod val="110000"/>
+                    </a:srgbClr>
+                  </a:solidFill>
+                  <a:prstDash val="solid"/>
+                </a:ln>
+                <a:latin typeface="+mn-lt"/>
+                <a:cs typeface="+mn-cs"/>
+              </a:rPr>
+              <a:t>Training</a:t>
             </a:r>
           </a:p>
         </p:txBody>
@@ -5572,18 +5589,8 @@
               <a:buNone/>
             </a:pPr>
             <a:r>
-              <a:rPr lang="en-US" sz="2000" smtClean="0"/>
-              <a:t>MMI Application Team</a:t>
-            </a:r>
-          </a:p>
-          <a:p>
-            <a:pPr marL="0" indent="0" algn="ctr" eaLnBrk="1" hangingPunct="1">
-              <a:buFont typeface="Arial" charset="0"/>
-              <a:buNone/>
-            </a:pPr>
-            <a:r>
-              <a:rPr lang="en-US" sz="2000" smtClean="0"/>
-              <a:t>December 2011</a:t>
+              <a:rPr lang="en-US" sz="2400" smtClean="0"/>
+              <a:t>Multicore Application Team</a:t>
             </a:r>
           </a:p>
         </p:txBody>

--- a/trunk/slides/SRIO Demo Overview.pptx
+++ b/trunk/slides/SRIO Demo Overview.pptx
@@ -275,12 +275,12 @@
             <a:pPr>
               <a:defRPr/>
             </a:pPr>
-            <a:fld id="{7653B5CD-CFB0-4E7F-9EDE-CD711180A8FA}" type="datetimeFigureOut">
+            <a:fld id="{A9F5455F-D720-470F-9BC1-EA566D1571B2}" type="datetimeFigureOut">
               <a:rPr lang="en-US"/>
               <a:pPr>
                 <a:defRPr/>
               </a:pPr>
-              <a:t>3/7/2012</a:t>
+              <a:t>3/21/2012</a:t>
             </a:fld>
             <a:endParaRPr lang="en-US" dirty="0"/>
           </a:p>
@@ -463,7 +463,7 @@
             <a:pPr>
               <a:defRPr/>
             </a:pPr>
-            <a:fld id="{BC79B970-CE3C-4B70-9E92-ED90B9476987}" type="slidenum">
+            <a:fld id="{B7386310-0D91-4964-B30D-3B2CE4613252}" type="slidenum">
               <a:rPr lang="en-US"/>
               <a:pPr>
                 <a:defRPr/>
@@ -685,7 +685,7 @@
             <a:pPr>
               <a:defRPr/>
             </a:pPr>
-            <a:fld id="{C885BA58-B468-44F3-9314-C9A587B73611}" type="slidenum">
+            <a:fld id="{0FEB5AD9-3EED-44A1-B0BD-803427AD7BBF}" type="slidenum">
               <a:rPr lang="en-US" smtClean="0"/>
               <a:pPr>
                 <a:defRPr/>
@@ -846,7 +846,7 @@
             <a:pPr>
               <a:defRPr/>
             </a:pPr>
-            <a:fld id="{BC79B970-CE3C-4B70-9E92-ED90B9476987}" type="slidenum">
+            <a:fld id="{B7386310-0D91-4964-B30D-3B2CE4613252}" type="slidenum">
               <a:rPr lang="en-US" smtClean="0"/>
               <a:pPr>
                 <a:defRPr/>
@@ -933,7 +933,7 @@
             <a:pPr>
               <a:defRPr/>
             </a:pPr>
-            <a:fld id="{BC79B970-CE3C-4B70-9E92-ED90B9476987}" type="slidenum">
+            <a:fld id="{B7386310-0D91-4964-B30D-3B2CE4613252}" type="slidenum">
               <a:rPr lang="en-US" smtClean="0"/>
               <a:pPr>
                 <a:defRPr/>
@@ -1020,7 +1020,7 @@
             <a:pPr>
               <a:defRPr/>
             </a:pPr>
-            <a:fld id="{BC79B970-CE3C-4B70-9E92-ED90B9476987}" type="slidenum">
+            <a:fld id="{B7386310-0D91-4964-B30D-3B2CE4613252}" type="slidenum">
               <a:rPr lang="en-US" smtClean="0"/>
               <a:pPr>
                 <a:defRPr/>
@@ -1107,7 +1107,7 @@
             <a:pPr>
               <a:defRPr/>
             </a:pPr>
-            <a:fld id="{BC79B970-CE3C-4B70-9E92-ED90B9476987}" type="slidenum">
+            <a:fld id="{B7386310-0D91-4964-B30D-3B2CE4613252}" type="slidenum">
               <a:rPr lang="en-US" smtClean="0"/>
               <a:pPr>
                 <a:defRPr/>
@@ -1194,7 +1194,7 @@
             <a:pPr>
               <a:defRPr/>
             </a:pPr>
-            <a:fld id="{BC79B970-CE3C-4B70-9E92-ED90B9476987}" type="slidenum">
+            <a:fld id="{B7386310-0D91-4964-B30D-3B2CE4613252}" type="slidenum">
               <a:rPr lang="en-US" smtClean="0"/>
               <a:pPr>
                 <a:defRPr/>
@@ -1296,7 +1296,7 @@
             <a:pPr>
               <a:defRPr/>
             </a:pPr>
-            <a:fld id="{853557B6-D3E1-4060-A4D4-DFF1F030C7F5}" type="slidenum">
+            <a:fld id="{ED6711AA-EEF4-41DA-A36A-7A9EF71DBF29}" type="slidenum">
               <a:rPr lang="en-US" smtClean="0"/>
               <a:pPr>
                 <a:defRPr/>
@@ -1383,7 +1383,7 @@
             <a:pPr>
               <a:defRPr/>
             </a:pPr>
-            <a:fld id="{BC79B970-CE3C-4B70-9E92-ED90B9476987}" type="slidenum">
+            <a:fld id="{B7386310-0D91-4964-B30D-3B2CE4613252}" type="slidenum">
               <a:rPr lang="en-US" smtClean="0"/>
               <a:pPr>
                 <a:defRPr/>
@@ -1470,7 +1470,7 @@
             <a:pPr>
               <a:defRPr/>
             </a:pPr>
-            <a:fld id="{BC79B970-CE3C-4B70-9E92-ED90B9476987}" type="slidenum">
+            <a:fld id="{B7386310-0D91-4964-B30D-3B2CE4613252}" type="slidenum">
               <a:rPr lang="en-US" smtClean="0"/>
               <a:pPr>
                 <a:defRPr/>
@@ -1557,7 +1557,7 @@
             <a:pPr>
               <a:defRPr/>
             </a:pPr>
-            <a:fld id="{BC79B970-CE3C-4B70-9E92-ED90B9476987}" type="slidenum">
+            <a:fld id="{B7386310-0D91-4964-B30D-3B2CE4613252}" type="slidenum">
               <a:rPr lang="en-US" smtClean="0"/>
               <a:pPr>
                 <a:defRPr/>
@@ -1659,7 +1659,7 @@
             <a:pPr>
               <a:defRPr/>
             </a:pPr>
-            <a:fld id="{84AFD75C-4C34-4383-9801-5EC21901BFA9}" type="slidenum">
+            <a:fld id="{6328F837-016B-4B78-9489-D9E2BDC95F0C}" type="slidenum">
               <a:rPr lang="en-US" smtClean="0"/>
               <a:pPr>
                 <a:defRPr/>
@@ -1761,7 +1761,7 @@
             <a:pPr>
               <a:defRPr/>
             </a:pPr>
-            <a:fld id="{5A79BDB9-9641-418B-A4EB-48E935EEBE42}" type="slidenum">
+            <a:fld id="{CD82CDE6-85D2-4437-8B83-F18B8569559E}" type="slidenum">
               <a:rPr lang="en-US" smtClean="0"/>
               <a:pPr>
                 <a:defRPr/>
@@ -1848,7 +1848,7 @@
             <a:pPr>
               <a:defRPr/>
             </a:pPr>
-            <a:fld id="{BC79B970-CE3C-4B70-9E92-ED90B9476987}" type="slidenum">
+            <a:fld id="{B7386310-0D91-4964-B30D-3B2CE4613252}" type="slidenum">
               <a:rPr lang="en-US" smtClean="0"/>
               <a:pPr>
                 <a:defRPr/>
@@ -1935,7 +1935,7 @@
             <a:pPr>
               <a:defRPr/>
             </a:pPr>
-            <a:fld id="{BC79B970-CE3C-4B70-9E92-ED90B9476987}" type="slidenum">
+            <a:fld id="{B7386310-0D91-4964-B30D-3B2CE4613252}" type="slidenum">
               <a:rPr lang="en-US" smtClean="0"/>
               <a:pPr>
                 <a:defRPr/>
@@ -2022,7 +2022,7 @@
             <a:pPr>
               <a:defRPr/>
             </a:pPr>
-            <a:fld id="{BC79B970-CE3C-4B70-9E92-ED90B9476987}" type="slidenum">
+            <a:fld id="{B7386310-0D91-4964-B30D-3B2CE4613252}" type="slidenum">
               <a:rPr lang="en-US" smtClean="0"/>
               <a:pPr>
                 <a:defRPr/>
@@ -2109,7 +2109,7 @@
             <a:pPr>
               <a:defRPr/>
             </a:pPr>
-            <a:fld id="{BC79B970-CE3C-4B70-9E92-ED90B9476987}" type="slidenum">
+            <a:fld id="{B7386310-0D91-4964-B30D-3B2CE4613252}" type="slidenum">
               <a:rPr lang="en-US" smtClean="0"/>
               <a:pPr>
                 <a:defRPr/>
@@ -2211,7 +2211,7 @@
             <a:pPr>
               <a:defRPr/>
             </a:pPr>
-            <a:fld id="{3022E94C-D6EA-4B66-B396-617C280251CA}" type="slidenum">
+            <a:fld id="{67E05162-B481-494F-9F79-C41736266140}" type="slidenum">
               <a:rPr lang="en-US" smtClean="0"/>
               <a:pPr>
                 <a:defRPr/>
@@ -2298,7 +2298,7 @@
             <a:pPr>
               <a:defRPr/>
             </a:pPr>
-            <a:fld id="{BC79B970-CE3C-4B70-9E92-ED90B9476987}" type="slidenum">
+            <a:fld id="{B7386310-0D91-4964-B30D-3B2CE4613252}" type="slidenum">
               <a:rPr lang="en-US" smtClean="0"/>
               <a:pPr>
                 <a:defRPr/>
@@ -2385,7 +2385,7 @@
             <a:pPr>
               <a:defRPr/>
             </a:pPr>
-            <a:fld id="{BC79B970-CE3C-4B70-9E92-ED90B9476987}" type="slidenum">
+            <a:fld id="{B7386310-0D91-4964-B30D-3B2CE4613252}" type="slidenum">
               <a:rPr lang="en-US" smtClean="0"/>
               <a:pPr>
                 <a:defRPr/>
@@ -2472,7 +2472,7 @@
             <a:pPr>
               <a:defRPr/>
             </a:pPr>
-            <a:fld id="{BC79B970-CE3C-4B70-9E92-ED90B9476987}" type="slidenum">
+            <a:fld id="{B7386310-0D91-4964-B30D-3B2CE4613252}" type="slidenum">
               <a:rPr lang="en-US" smtClean="0"/>
               <a:pPr>
                 <a:defRPr/>
@@ -2559,7 +2559,7 @@
             <a:pPr>
               <a:defRPr/>
             </a:pPr>
-            <a:fld id="{BC79B970-CE3C-4B70-9E92-ED90B9476987}" type="slidenum">
+            <a:fld id="{B7386310-0D91-4964-B30D-3B2CE4613252}" type="slidenum">
               <a:rPr lang="en-US" smtClean="0"/>
               <a:pPr>
                 <a:defRPr/>
@@ -2646,7 +2646,7 @@
             <a:pPr>
               <a:defRPr/>
             </a:pPr>
-            <a:fld id="{BC79B970-CE3C-4B70-9E92-ED90B9476987}" type="slidenum">
+            <a:fld id="{B7386310-0D91-4964-B30D-3B2CE4613252}" type="slidenum">
               <a:rPr lang="en-US" smtClean="0"/>
               <a:pPr>
                 <a:defRPr/>
@@ -2748,7 +2748,7 @@
             <a:pPr>
               <a:defRPr/>
             </a:pPr>
-            <a:fld id="{A819B648-500A-4D4E-B19A-A5FD000C6EC9}" type="slidenum">
+            <a:fld id="{3005DF91-4865-4D40-8925-C25F5A56D1ED}" type="slidenum">
               <a:rPr lang="en-US" smtClean="0"/>
               <a:pPr>
                 <a:defRPr/>
@@ -2835,7 +2835,7 @@
             <a:pPr>
               <a:defRPr/>
             </a:pPr>
-            <a:fld id="{BC79B970-CE3C-4B70-9E92-ED90B9476987}" type="slidenum">
+            <a:fld id="{B7386310-0D91-4964-B30D-3B2CE4613252}" type="slidenum">
               <a:rPr lang="en-US" smtClean="0"/>
               <a:pPr>
                 <a:defRPr/>
@@ -2922,7 +2922,7 @@
             <a:pPr>
               <a:defRPr/>
             </a:pPr>
-            <a:fld id="{BC79B970-CE3C-4B70-9E92-ED90B9476987}" type="slidenum">
+            <a:fld id="{B7386310-0D91-4964-B30D-3B2CE4613252}" type="slidenum">
               <a:rPr lang="en-US" smtClean="0"/>
               <a:pPr>
                 <a:defRPr/>
@@ -3024,7 +3024,7 @@
             <a:pPr>
               <a:defRPr/>
             </a:pPr>
-            <a:fld id="{4CB4BC81-B0EC-4154-A2B3-B5CB374E6003}" type="slidenum">
+            <a:fld id="{332FF818-9C9F-47DB-A693-1F5221A8F105}" type="slidenum">
               <a:rPr lang="en-US" smtClean="0"/>
               <a:pPr>
                 <a:defRPr/>
@@ -3111,7 +3111,7 @@
             <a:pPr>
               <a:defRPr/>
             </a:pPr>
-            <a:fld id="{BC79B970-CE3C-4B70-9E92-ED90B9476987}" type="slidenum">
+            <a:fld id="{B7386310-0D91-4964-B30D-3B2CE4613252}" type="slidenum">
               <a:rPr lang="en-US" smtClean="0"/>
               <a:pPr>
                 <a:defRPr/>
@@ -3233,7 +3233,7 @@
               </a:spcAft>
               <a:defRPr/>
             </a:pPr>
-            <a:fld id="{FEDB6D5F-B5AE-42C6-A55D-9C29CBECF2FC}" type="slidenum">
+            <a:fld id="{1138E7C9-BEDD-4B45-B359-C3CBA4FE9EFD}" type="slidenum">
               <a:rPr lang="en-US" smtClean="0">
                 <a:latin typeface="Arial" charset="0"/>
               </a:rPr>

--- a/trunk/slides/SRIO Demo Overview.pptx
+++ b/trunk/slides/SRIO Demo Overview.pptx
@@ -275,7 +275,7 @@
             <a:pPr>
               <a:defRPr/>
             </a:pPr>
-            <a:fld id="{A9F5455F-D720-470F-9BC1-EA566D1571B2}" type="datetimeFigureOut">
+            <a:fld id="{6A99F129-832A-4A1B-9AD7-42E3F8ACD167}" type="datetimeFigureOut">
               <a:rPr lang="en-US"/>
               <a:pPr>
                 <a:defRPr/>
@@ -463,7 +463,7 @@
             <a:pPr>
               <a:defRPr/>
             </a:pPr>
-            <a:fld id="{B7386310-0D91-4964-B30D-3B2CE4613252}" type="slidenum">
+            <a:fld id="{5FA95F0A-3D2C-49A4-97F6-571A6215AB1B}" type="slidenum">
               <a:rPr lang="en-US"/>
               <a:pPr>
                 <a:defRPr/>
@@ -685,7 +685,7 @@
             <a:pPr>
               <a:defRPr/>
             </a:pPr>
-            <a:fld id="{0FEB5AD9-3EED-44A1-B0BD-803427AD7BBF}" type="slidenum">
+            <a:fld id="{54A8751E-1CCE-41F3-990C-7ED7E9E266A5}" type="slidenum">
               <a:rPr lang="en-US" smtClean="0"/>
               <a:pPr>
                 <a:defRPr/>
@@ -846,7 +846,7 @@
             <a:pPr>
               <a:defRPr/>
             </a:pPr>
-            <a:fld id="{B7386310-0D91-4964-B30D-3B2CE4613252}" type="slidenum">
+            <a:fld id="{5FA95F0A-3D2C-49A4-97F6-571A6215AB1B}" type="slidenum">
               <a:rPr lang="en-US" smtClean="0"/>
               <a:pPr>
                 <a:defRPr/>
@@ -933,7 +933,7 @@
             <a:pPr>
               <a:defRPr/>
             </a:pPr>
-            <a:fld id="{B7386310-0D91-4964-B30D-3B2CE4613252}" type="slidenum">
+            <a:fld id="{5FA95F0A-3D2C-49A4-97F6-571A6215AB1B}" type="slidenum">
               <a:rPr lang="en-US" smtClean="0"/>
               <a:pPr>
                 <a:defRPr/>
@@ -1020,7 +1020,7 @@
             <a:pPr>
               <a:defRPr/>
             </a:pPr>
-            <a:fld id="{B7386310-0D91-4964-B30D-3B2CE4613252}" type="slidenum">
+            <a:fld id="{5FA95F0A-3D2C-49A4-97F6-571A6215AB1B}" type="slidenum">
               <a:rPr lang="en-US" smtClean="0"/>
               <a:pPr>
                 <a:defRPr/>
@@ -1107,7 +1107,7 @@
             <a:pPr>
               <a:defRPr/>
             </a:pPr>
-            <a:fld id="{B7386310-0D91-4964-B30D-3B2CE4613252}" type="slidenum">
+            <a:fld id="{5FA95F0A-3D2C-49A4-97F6-571A6215AB1B}" type="slidenum">
               <a:rPr lang="en-US" smtClean="0"/>
               <a:pPr>
                 <a:defRPr/>
@@ -1194,7 +1194,7 @@
             <a:pPr>
               <a:defRPr/>
             </a:pPr>
-            <a:fld id="{B7386310-0D91-4964-B30D-3B2CE4613252}" type="slidenum">
+            <a:fld id="{5FA95F0A-3D2C-49A4-97F6-571A6215AB1B}" type="slidenum">
               <a:rPr lang="en-US" smtClean="0"/>
               <a:pPr>
                 <a:defRPr/>
@@ -1296,7 +1296,7 @@
             <a:pPr>
               <a:defRPr/>
             </a:pPr>
-            <a:fld id="{ED6711AA-EEF4-41DA-A36A-7A9EF71DBF29}" type="slidenum">
+            <a:fld id="{73B841C2-5679-448A-A7CA-258D961172C3}" type="slidenum">
               <a:rPr lang="en-US" smtClean="0"/>
               <a:pPr>
                 <a:defRPr/>
@@ -1383,7 +1383,7 @@
             <a:pPr>
               <a:defRPr/>
             </a:pPr>
-            <a:fld id="{B7386310-0D91-4964-B30D-3B2CE4613252}" type="slidenum">
+            <a:fld id="{5FA95F0A-3D2C-49A4-97F6-571A6215AB1B}" type="slidenum">
               <a:rPr lang="en-US" smtClean="0"/>
               <a:pPr>
                 <a:defRPr/>
@@ -1470,7 +1470,7 @@
             <a:pPr>
               <a:defRPr/>
             </a:pPr>
-            <a:fld id="{B7386310-0D91-4964-B30D-3B2CE4613252}" type="slidenum">
+            <a:fld id="{5FA95F0A-3D2C-49A4-97F6-571A6215AB1B}" type="slidenum">
               <a:rPr lang="en-US" smtClean="0"/>
               <a:pPr>
                 <a:defRPr/>
@@ -1557,7 +1557,7 @@
             <a:pPr>
               <a:defRPr/>
             </a:pPr>
-            <a:fld id="{B7386310-0D91-4964-B30D-3B2CE4613252}" type="slidenum">
+            <a:fld id="{5FA95F0A-3D2C-49A4-97F6-571A6215AB1B}" type="slidenum">
               <a:rPr lang="en-US" smtClean="0"/>
               <a:pPr>
                 <a:defRPr/>
@@ -1659,7 +1659,7 @@
             <a:pPr>
               <a:defRPr/>
             </a:pPr>
-            <a:fld id="{6328F837-016B-4B78-9489-D9E2BDC95F0C}" type="slidenum">
+            <a:fld id="{E38FB302-DD31-4871-A147-642016B34F7F}" type="slidenum">
               <a:rPr lang="en-US" smtClean="0"/>
               <a:pPr>
                 <a:defRPr/>
@@ -1761,7 +1761,7 @@
             <a:pPr>
               <a:defRPr/>
             </a:pPr>
-            <a:fld id="{CD82CDE6-85D2-4437-8B83-F18B8569559E}" type="slidenum">
+            <a:fld id="{D035676B-351E-4AB6-99A9-422DB34A96D6}" type="slidenum">
               <a:rPr lang="en-US" smtClean="0"/>
               <a:pPr>
                 <a:defRPr/>
@@ -1848,7 +1848,7 @@
             <a:pPr>
               <a:defRPr/>
             </a:pPr>
-            <a:fld id="{B7386310-0D91-4964-B30D-3B2CE4613252}" type="slidenum">
+            <a:fld id="{5FA95F0A-3D2C-49A4-97F6-571A6215AB1B}" type="slidenum">
               <a:rPr lang="en-US" smtClean="0"/>
               <a:pPr>
                 <a:defRPr/>
@@ -1935,7 +1935,7 @@
             <a:pPr>
               <a:defRPr/>
             </a:pPr>
-            <a:fld id="{B7386310-0D91-4964-B30D-3B2CE4613252}" type="slidenum">
+            <a:fld id="{5FA95F0A-3D2C-49A4-97F6-571A6215AB1B}" type="slidenum">
               <a:rPr lang="en-US" smtClean="0"/>
               <a:pPr>
                 <a:defRPr/>
@@ -2022,7 +2022,7 @@
             <a:pPr>
               <a:defRPr/>
             </a:pPr>
-            <a:fld id="{B7386310-0D91-4964-B30D-3B2CE4613252}" type="slidenum">
+            <a:fld id="{5FA95F0A-3D2C-49A4-97F6-571A6215AB1B}" type="slidenum">
               <a:rPr lang="en-US" smtClean="0"/>
               <a:pPr>
                 <a:defRPr/>
@@ -2109,7 +2109,7 @@
             <a:pPr>
               <a:defRPr/>
             </a:pPr>
-            <a:fld id="{B7386310-0D91-4964-B30D-3B2CE4613252}" type="slidenum">
+            <a:fld id="{5FA95F0A-3D2C-49A4-97F6-571A6215AB1B}" type="slidenum">
               <a:rPr lang="en-US" smtClean="0"/>
               <a:pPr>
                 <a:defRPr/>
@@ -2211,7 +2211,7 @@
             <a:pPr>
               <a:defRPr/>
             </a:pPr>
-            <a:fld id="{67E05162-B481-494F-9F79-C41736266140}" type="slidenum">
+            <a:fld id="{C91646CC-6F93-47CA-8330-AD86985BCA32}" type="slidenum">
               <a:rPr lang="en-US" smtClean="0"/>
               <a:pPr>
                 <a:defRPr/>
@@ -2298,7 +2298,7 @@
             <a:pPr>
               <a:defRPr/>
             </a:pPr>
-            <a:fld id="{B7386310-0D91-4964-B30D-3B2CE4613252}" type="slidenum">
+            <a:fld id="{5FA95F0A-3D2C-49A4-97F6-571A6215AB1B}" type="slidenum">
               <a:rPr lang="en-US" smtClean="0"/>
               <a:pPr>
                 <a:defRPr/>
@@ -2385,7 +2385,7 @@
             <a:pPr>
               <a:defRPr/>
             </a:pPr>
-            <a:fld id="{B7386310-0D91-4964-B30D-3B2CE4613252}" type="slidenum">
+            <a:fld id="{5FA95F0A-3D2C-49A4-97F6-571A6215AB1B}" type="slidenum">
               <a:rPr lang="en-US" smtClean="0"/>
               <a:pPr>
                 <a:defRPr/>
@@ -2472,7 +2472,7 @@
             <a:pPr>
               <a:defRPr/>
             </a:pPr>
-            <a:fld id="{B7386310-0D91-4964-B30D-3B2CE4613252}" type="slidenum">
+            <a:fld id="{5FA95F0A-3D2C-49A4-97F6-571A6215AB1B}" type="slidenum">
               <a:rPr lang="en-US" smtClean="0"/>
               <a:pPr>
                 <a:defRPr/>
@@ -2559,7 +2559,7 @@
             <a:pPr>
               <a:defRPr/>
             </a:pPr>
-            <a:fld id="{B7386310-0D91-4964-B30D-3B2CE4613252}" type="slidenum">
+            <a:fld id="{5FA95F0A-3D2C-49A4-97F6-571A6215AB1B}" type="slidenum">
               <a:rPr lang="en-US" smtClean="0"/>
               <a:pPr>
                 <a:defRPr/>
@@ -2646,7 +2646,7 @@
             <a:pPr>
               <a:defRPr/>
             </a:pPr>
-            <a:fld id="{B7386310-0D91-4964-B30D-3B2CE4613252}" type="slidenum">
+            <a:fld id="{5FA95F0A-3D2C-49A4-97F6-571A6215AB1B}" type="slidenum">
               <a:rPr lang="en-US" smtClean="0"/>
               <a:pPr>
                 <a:defRPr/>
@@ -2748,7 +2748,7 @@
             <a:pPr>
               <a:defRPr/>
             </a:pPr>
-            <a:fld id="{3005DF91-4865-4D40-8925-C25F5A56D1ED}" type="slidenum">
+            <a:fld id="{D9DFAEA3-6092-415A-AC2C-19BCA480F147}" type="slidenum">
               <a:rPr lang="en-US" smtClean="0"/>
               <a:pPr>
                 <a:defRPr/>
@@ -2835,7 +2835,7 @@
             <a:pPr>
               <a:defRPr/>
             </a:pPr>
-            <a:fld id="{B7386310-0D91-4964-B30D-3B2CE4613252}" type="slidenum">
+            <a:fld id="{5FA95F0A-3D2C-49A4-97F6-571A6215AB1B}" type="slidenum">
               <a:rPr lang="en-US" smtClean="0"/>
               <a:pPr>
                 <a:defRPr/>
@@ -2922,7 +2922,7 @@
             <a:pPr>
               <a:defRPr/>
             </a:pPr>
-            <a:fld id="{B7386310-0D91-4964-B30D-3B2CE4613252}" type="slidenum">
+            <a:fld id="{5FA95F0A-3D2C-49A4-97F6-571A6215AB1B}" type="slidenum">
               <a:rPr lang="en-US" smtClean="0"/>
               <a:pPr>
                 <a:defRPr/>
@@ -3024,7 +3024,7 @@
             <a:pPr>
               <a:defRPr/>
             </a:pPr>
-            <a:fld id="{332FF818-9C9F-47DB-A693-1F5221A8F105}" type="slidenum">
+            <a:fld id="{4F1D1F44-F56E-46FA-AE5C-C388D3023A4B}" type="slidenum">
               <a:rPr lang="en-US" smtClean="0"/>
               <a:pPr>
                 <a:defRPr/>
@@ -3111,7 +3111,7 @@
             <a:pPr>
               <a:defRPr/>
             </a:pPr>
-            <a:fld id="{B7386310-0D91-4964-B30D-3B2CE4613252}" type="slidenum">
+            <a:fld id="{5FA95F0A-3D2C-49A4-97F6-571A6215AB1B}" type="slidenum">
               <a:rPr lang="en-US" smtClean="0"/>
               <a:pPr>
                 <a:defRPr/>
@@ -3233,7 +3233,7 @@
               </a:spcAft>
               <a:defRPr/>
             </a:pPr>
-            <a:fld id="{1138E7C9-BEDD-4B45-B359-C3CBA4FE9EFD}" type="slidenum">
+            <a:fld id="{1A18395C-6614-4659-95DE-289CD7D37ECA}" type="slidenum">
               <a:rPr lang="en-US" smtClean="0">
                 <a:latin typeface="Arial" charset="0"/>
               </a:rPr>

--- a/trunk/slides/SRIO Demo Overview.pptx
+++ b/trunk/slides/SRIO Demo Overview.pptx
@@ -9,20 +9,20 @@
   </p:notesMasterIdLst>
   <p:sldIdLst>
     <p:sldId id="256" r:id="rId2"/>
-    <p:sldId id="257" r:id="rId3"/>
-    <p:sldId id="306" r:id="rId4"/>
-    <p:sldId id="308" r:id="rId5"/>
-    <p:sldId id="309" r:id="rId6"/>
-    <p:sldId id="310" r:id="rId7"/>
-    <p:sldId id="311" r:id="rId8"/>
-    <p:sldId id="312" r:id="rId9"/>
-    <p:sldId id="331" r:id="rId10"/>
-    <p:sldId id="330" r:id="rId11"/>
-    <p:sldId id="313" r:id="rId12"/>
-    <p:sldId id="314" r:id="rId13"/>
-    <p:sldId id="265" r:id="rId14"/>
-    <p:sldId id="315" r:id="rId15"/>
-    <p:sldId id="316" r:id="rId16"/>
+    <p:sldId id="332" r:id="rId3"/>
+    <p:sldId id="257" r:id="rId4"/>
+    <p:sldId id="306" r:id="rId5"/>
+    <p:sldId id="308" r:id="rId6"/>
+    <p:sldId id="309" r:id="rId7"/>
+    <p:sldId id="310" r:id="rId8"/>
+    <p:sldId id="311" r:id="rId9"/>
+    <p:sldId id="312" r:id="rId10"/>
+    <p:sldId id="331" r:id="rId11"/>
+    <p:sldId id="333" r:id="rId12"/>
+    <p:sldId id="334" r:id="rId13"/>
+    <p:sldId id="313" r:id="rId14"/>
+    <p:sldId id="314" r:id="rId15"/>
+    <p:sldId id="265" r:id="rId16"/>
     <p:sldId id="304" r:id="rId17"/>
     <p:sldId id="277" r:id="rId18"/>
     <p:sldId id="280" r:id="rId19"/>
@@ -280,7 +280,7 @@
               <a:pPr>
                 <a:defRPr/>
               </a:pPr>
-              <a:t>3/21/2012</a:t>
+              <a:t>3/6/2013</a:t>
             </a:fld>
             <a:endParaRPr lang="en-US" dirty="0"/>
           </a:p>
@@ -723,50 +723,63 @@
       </p:grpSpPr>
       <p:sp>
         <p:nvSpPr>
-          <p:cNvPr id="37890" name="Rectangle 2"/>
-          <p:cNvSpPr>
-            <a:spLocks noRot="1" noChangeArrowheads="1" noTextEdit="1"/>
+          <p:cNvPr id="2" name="Slide Image Placeholder 1"/>
+          <p:cNvSpPr>
+            <a:spLocks noGrp="1" noRot="1" noChangeAspect="1"/>
           </p:cNvSpPr>
           <p:nvPr>
             <p:ph type="sldImg"/>
           </p:nvPr>
         </p:nvSpPr>
-        <p:spPr bwMode="auto">
-          <a:noFill/>
-          <a:ln>
-            <a:solidFill>
-              <a:srgbClr val="000000"/>
-            </a:solidFill>
-            <a:miter lim="800000"/>
-            <a:headEnd/>
-            <a:tailEnd/>
-          </a:ln>
-        </p:spPr>
-      </p:sp>
-      <p:sp>
-        <p:nvSpPr>
-          <p:cNvPr id="37891" name="Rectangle 3"/>
-          <p:cNvSpPr>
-            <a:spLocks noGrp="1" noChangeArrowheads="1"/>
+        <p:spPr/>
+      </p:sp>
+      <p:sp>
+        <p:nvSpPr>
+          <p:cNvPr id="3" name="Notes Placeholder 2"/>
+          <p:cNvSpPr>
+            <a:spLocks noGrp="1"/>
           </p:cNvSpPr>
           <p:nvPr>
             <p:ph type="body" idx="1"/>
           </p:nvPr>
         </p:nvSpPr>
-        <p:spPr bwMode="auto">
-          <a:noFill/>
-        </p:spPr>
-        <p:txBody>
-          <a:bodyPr wrap="square" numCol="1" anchor="t" anchorCtr="0" compatLnSpc="1">
-            <a:prstTxWarp prst="textNoShape">
-              <a:avLst/>
-            </a:prstTxWarp>
+        <p:spPr/>
+        <p:txBody>
+          <a:bodyPr>
+            <a:normAutofit/>
           </a:bodyPr>
           <a:lstStyle/>
           <a:p>
-            <a:endParaRPr lang="en-US" smtClean="0">
-              <a:latin typeface="Arial" charset="0"/>
-            </a:endParaRPr>
+            <a:endParaRPr lang="en-US" dirty="0"/>
+          </a:p>
+        </p:txBody>
+      </p:sp>
+      <p:sp>
+        <p:nvSpPr>
+          <p:cNvPr id="4" name="Slide Number Placeholder 3"/>
+          <p:cNvSpPr>
+            <a:spLocks noGrp="1"/>
+          </p:cNvSpPr>
+          <p:nvPr>
+            <p:ph type="sldNum" sz="quarter" idx="10"/>
+          </p:nvPr>
+        </p:nvSpPr>
+        <p:spPr/>
+        <p:txBody>
+          <a:bodyPr/>
+          <a:lstStyle/>
+          <a:p>
+            <a:pPr>
+              <a:defRPr/>
+            </a:pPr>
+            <a:fld id="{0F7253B4-DFD1-460D-AF69-DA7B7EAABC0B}" type="slidenum">
+              <a:rPr lang="en-US" smtClean="0"/>
+              <a:pPr>
+                <a:defRPr/>
+              </a:pPr>
+              <a:t>11</a:t>
+            </a:fld>
+            <a:endParaRPr lang="en-US" dirty="0"/>
           </a:p>
         </p:txBody>
       </p:sp>
@@ -824,7 +837,7 @@
           </a:bodyPr>
           <a:lstStyle/>
           <a:p>
-            <a:endParaRPr lang="en-US"/>
+            <a:endParaRPr lang="en-US" dirty="0"/>
           </a:p>
         </p:txBody>
       </p:sp>
@@ -846,12 +859,12 @@
             <a:pPr>
               <a:defRPr/>
             </a:pPr>
-            <a:fld id="{5FA95F0A-3D2C-49A4-97F6-571A6215AB1B}" type="slidenum">
+            <a:fld id="{0F7253B4-DFD1-460D-AF69-DA7B7EAABC0B}" type="slidenum">
               <a:rPr lang="en-US" smtClean="0"/>
               <a:pPr>
                 <a:defRPr/>
               </a:pPr>
-              <a:t>11</a:t>
+              <a:t>12</a:t>
             </a:fld>
             <a:endParaRPr lang="en-US" dirty="0"/>
           </a:p>
@@ -938,7 +951,7 @@
               <a:pPr>
                 <a:defRPr/>
               </a:pPr>
-              <a:t>12</a:t>
+              <a:t>13</a:t>
             </a:fld>
             <a:endParaRPr lang="en-US" dirty="0"/>
           </a:p>
@@ -1025,7 +1038,7 @@
               <a:pPr>
                 <a:defRPr/>
               </a:pPr>
-              <a:t>13</a:t>
+              <a:t>14</a:t>
             </a:fld>
             <a:endParaRPr lang="en-US" dirty="0"/>
           </a:p>
@@ -1112,7 +1125,7 @@
               <a:pPr>
                 <a:defRPr/>
               </a:pPr>
-              <a:t>14</a:t>
+              <a:t>15</a:t>
             </a:fld>
             <a:endParaRPr lang="en-US" dirty="0"/>
           </a:p>
@@ -1145,19 +1158,29 @@
       </p:grpSpPr>
       <p:sp>
         <p:nvSpPr>
-          <p:cNvPr id="2" name="Slide Image Placeholder 1"/>
-          <p:cNvSpPr>
-            <a:spLocks noGrp="1" noRot="1" noChangeAspect="1"/>
+          <p:cNvPr id="38914" name="Slide Image Placeholder 1"/>
+          <p:cNvSpPr>
+            <a:spLocks noGrp="1" noRot="1" noChangeAspect="1" noTextEdit="1"/>
           </p:cNvSpPr>
           <p:nvPr>
             <p:ph type="sldImg"/>
           </p:nvPr>
         </p:nvSpPr>
-        <p:spPr/>
-      </p:sp>
-      <p:sp>
-        <p:nvSpPr>
-          <p:cNvPr id="3" name="Notes Placeholder 2"/>
+        <p:spPr bwMode="auto">
+          <a:noFill/>
+          <a:ln>
+            <a:solidFill>
+              <a:srgbClr val="000000"/>
+            </a:solidFill>
+            <a:miter lim="800000"/>
+            <a:headEnd/>
+            <a:tailEnd/>
+          </a:ln>
+        </p:spPr>
+      </p:sp>
+      <p:sp>
+        <p:nvSpPr>
+          <p:cNvPr id="38915" name="Notes Placeholder 2"/>
           <p:cNvSpPr>
             <a:spLocks noGrp="1"/>
           </p:cNvSpPr>
@@ -1165,14 +1188,19 @@
             <p:ph type="body" idx="1"/>
           </p:nvPr>
         </p:nvSpPr>
-        <p:spPr/>
-        <p:txBody>
-          <a:bodyPr>
-            <a:normAutofit/>
+        <p:spPr bwMode="auto">
+          <a:noFill/>
+        </p:spPr>
+        <p:txBody>
+          <a:bodyPr wrap="square" numCol="1" anchor="t" anchorCtr="0" compatLnSpc="1">
+            <a:prstTxWarp prst="textNoShape">
+              <a:avLst/>
+            </a:prstTxWarp>
           </a:bodyPr>
           <a:lstStyle/>
           <a:p>
-            <a:endParaRPr lang="en-US"/>
+            <a:pPr eaLnBrk="1" hangingPunct="1"/>
+            <a:endParaRPr lang="en-US" smtClean="0"/>
           </a:p>
         </p:txBody>
       </p:sp>
@@ -1183,7 +1211,7 @@
             <a:spLocks noGrp="1"/>
           </p:cNvSpPr>
           <p:nvPr>
-            <p:ph type="sldNum" sz="quarter" idx="10"/>
+            <p:ph type="sldNum" sz="quarter" idx="5"/>
           </p:nvPr>
         </p:nvSpPr>
         <p:spPr/>
@@ -1194,12 +1222,12 @@
             <a:pPr>
               <a:defRPr/>
             </a:pPr>
-            <a:fld id="{5FA95F0A-3D2C-49A4-97F6-571A6215AB1B}" type="slidenum">
+            <a:fld id="{73B841C2-5679-448A-A7CA-258D961172C3}" type="slidenum">
               <a:rPr lang="en-US" smtClean="0"/>
               <a:pPr>
                 <a:defRPr/>
               </a:pPr>
-              <a:t>15</a:t>
+              <a:t>16</a:t>
             </a:fld>
             <a:endParaRPr lang="en-US" dirty="0"/>
           </a:p>
@@ -1232,29 +1260,19 @@
       </p:grpSpPr>
       <p:sp>
         <p:nvSpPr>
-          <p:cNvPr id="38914" name="Slide Image Placeholder 1"/>
-          <p:cNvSpPr>
-            <a:spLocks noGrp="1" noRot="1" noChangeAspect="1" noTextEdit="1"/>
+          <p:cNvPr id="2" name="Slide Image Placeholder 1"/>
+          <p:cNvSpPr>
+            <a:spLocks noGrp="1" noRot="1" noChangeAspect="1"/>
           </p:cNvSpPr>
           <p:nvPr>
             <p:ph type="sldImg"/>
           </p:nvPr>
         </p:nvSpPr>
-        <p:spPr bwMode="auto">
-          <a:noFill/>
-          <a:ln>
-            <a:solidFill>
-              <a:srgbClr val="000000"/>
-            </a:solidFill>
-            <a:miter lim="800000"/>
-            <a:headEnd/>
-            <a:tailEnd/>
-          </a:ln>
-        </p:spPr>
-      </p:sp>
-      <p:sp>
-        <p:nvSpPr>
-          <p:cNvPr id="38915" name="Notes Placeholder 2"/>
+        <p:spPr/>
+      </p:sp>
+      <p:sp>
+        <p:nvSpPr>
+          <p:cNvPr id="3" name="Notes Placeholder 2"/>
           <p:cNvSpPr>
             <a:spLocks noGrp="1"/>
           </p:cNvSpPr>
@@ -1262,19 +1280,14 @@
             <p:ph type="body" idx="1"/>
           </p:nvPr>
         </p:nvSpPr>
-        <p:spPr bwMode="auto">
-          <a:noFill/>
-        </p:spPr>
-        <p:txBody>
-          <a:bodyPr wrap="square" numCol="1" anchor="t" anchorCtr="0" compatLnSpc="1">
-            <a:prstTxWarp prst="textNoShape">
-              <a:avLst/>
-            </a:prstTxWarp>
+        <p:spPr/>
+        <p:txBody>
+          <a:bodyPr>
+            <a:normAutofit/>
           </a:bodyPr>
           <a:lstStyle/>
           <a:p>
-            <a:pPr eaLnBrk="1" hangingPunct="1"/>
-            <a:endParaRPr lang="en-US" smtClean="0"/>
+            <a:endParaRPr lang="en-US"/>
           </a:p>
         </p:txBody>
       </p:sp>
@@ -1285,7 +1298,7 @@
             <a:spLocks noGrp="1"/>
           </p:cNvSpPr>
           <p:nvPr>
-            <p:ph type="sldNum" sz="quarter" idx="5"/>
+            <p:ph type="sldNum" sz="quarter" idx="10"/>
           </p:nvPr>
         </p:nvSpPr>
         <p:spPr/>
@@ -1296,12 +1309,12 @@
             <a:pPr>
               <a:defRPr/>
             </a:pPr>
-            <a:fld id="{73B841C2-5679-448A-A7CA-258D961172C3}" type="slidenum">
+            <a:fld id="{5FA95F0A-3D2C-49A4-97F6-571A6215AB1B}" type="slidenum">
               <a:rPr lang="en-US" smtClean="0"/>
               <a:pPr>
                 <a:defRPr/>
               </a:pPr>
-              <a:t>16</a:t>
+              <a:t>17</a:t>
             </a:fld>
             <a:endParaRPr lang="en-US" dirty="0"/>
           </a:p>
@@ -1388,7 +1401,7 @@
               <a:pPr>
                 <a:defRPr/>
               </a:pPr>
-              <a:t>17</a:t>
+              <a:t>18</a:t>
             </a:fld>
             <a:endParaRPr lang="en-US" dirty="0"/>
           </a:p>
@@ -1475,7 +1488,7 @@
               <a:pPr>
                 <a:defRPr/>
               </a:pPr>
-              <a:t>18</a:t>
+              <a:t>19</a:t>
             </a:fld>
             <a:endParaRPr lang="en-US" dirty="0"/>
           </a:p>
@@ -1508,19 +1521,29 @@
       </p:grpSpPr>
       <p:sp>
         <p:nvSpPr>
-          <p:cNvPr id="2" name="Slide Image Placeholder 1"/>
-          <p:cNvSpPr>
-            <a:spLocks noGrp="1" noRot="1" noChangeAspect="1"/>
+          <p:cNvPr id="39938" name="Slide Image Placeholder 1"/>
+          <p:cNvSpPr>
+            <a:spLocks noGrp="1" noRot="1" noChangeAspect="1" noTextEdit="1"/>
           </p:cNvSpPr>
           <p:nvPr>
             <p:ph type="sldImg"/>
           </p:nvPr>
         </p:nvSpPr>
-        <p:spPr/>
-      </p:sp>
-      <p:sp>
-        <p:nvSpPr>
-          <p:cNvPr id="3" name="Notes Placeholder 2"/>
+        <p:spPr bwMode="auto">
+          <a:noFill/>
+          <a:ln>
+            <a:solidFill>
+              <a:srgbClr val="000000"/>
+            </a:solidFill>
+            <a:miter lim="800000"/>
+            <a:headEnd/>
+            <a:tailEnd/>
+          </a:ln>
+        </p:spPr>
+      </p:sp>
+      <p:sp>
+        <p:nvSpPr>
+          <p:cNvPr id="39939" name="Notes Placeholder 2"/>
           <p:cNvSpPr>
             <a:spLocks noGrp="1"/>
           </p:cNvSpPr>
@@ -1528,14 +1551,19 @@
             <p:ph type="body" idx="1"/>
           </p:nvPr>
         </p:nvSpPr>
-        <p:spPr/>
-        <p:txBody>
-          <a:bodyPr>
-            <a:normAutofit/>
+        <p:spPr bwMode="auto">
+          <a:noFill/>
+        </p:spPr>
+        <p:txBody>
+          <a:bodyPr wrap="square" numCol="1" anchor="t" anchorCtr="0" compatLnSpc="1">
+            <a:prstTxWarp prst="textNoShape">
+              <a:avLst/>
+            </a:prstTxWarp>
           </a:bodyPr>
           <a:lstStyle/>
           <a:p>
-            <a:endParaRPr lang="en-US"/>
+            <a:pPr eaLnBrk="1" hangingPunct="1"/>
+            <a:endParaRPr lang="en-US" smtClean="0"/>
           </a:p>
         </p:txBody>
       </p:sp>
@@ -1546,7 +1574,7 @@
             <a:spLocks noGrp="1"/>
           </p:cNvSpPr>
           <p:nvPr>
-            <p:ph type="sldNum" sz="quarter" idx="10"/>
+            <p:ph type="sldNum" sz="quarter" idx="5"/>
           </p:nvPr>
         </p:nvSpPr>
         <p:spPr/>
@@ -1557,12 +1585,12 @@
             <a:pPr>
               <a:defRPr/>
             </a:pPr>
-            <a:fld id="{5FA95F0A-3D2C-49A4-97F6-571A6215AB1B}" type="slidenum">
+            <a:fld id="{D035676B-351E-4AB6-99A9-422DB34A96D6}" type="slidenum">
               <a:rPr lang="en-US" smtClean="0"/>
               <a:pPr>
                 <a:defRPr/>
               </a:pPr>
-              <a:t>19</a:t>
+              <a:t>20</a:t>
             </a:fld>
             <a:endParaRPr lang="en-US" dirty="0"/>
           </a:p>
@@ -1664,7 +1692,7 @@
               <a:pPr>
                 <a:defRPr/>
               </a:pPr>
-              <a:t>2</a:t>
+              <a:t>3</a:t>
             </a:fld>
             <a:endParaRPr lang="en-US" dirty="0"/>
           </a:p>
@@ -1697,29 +1725,19 @@
       </p:grpSpPr>
       <p:sp>
         <p:nvSpPr>
-          <p:cNvPr id="39938" name="Slide Image Placeholder 1"/>
-          <p:cNvSpPr>
-            <a:spLocks noGrp="1" noRot="1" noChangeAspect="1" noTextEdit="1"/>
+          <p:cNvPr id="2" name="Slide Image Placeholder 1"/>
+          <p:cNvSpPr>
+            <a:spLocks noGrp="1" noRot="1" noChangeAspect="1"/>
           </p:cNvSpPr>
           <p:nvPr>
             <p:ph type="sldImg"/>
           </p:nvPr>
         </p:nvSpPr>
-        <p:spPr bwMode="auto">
-          <a:noFill/>
-          <a:ln>
-            <a:solidFill>
-              <a:srgbClr val="000000"/>
-            </a:solidFill>
-            <a:miter lim="800000"/>
-            <a:headEnd/>
-            <a:tailEnd/>
-          </a:ln>
-        </p:spPr>
-      </p:sp>
-      <p:sp>
-        <p:nvSpPr>
-          <p:cNvPr id="39939" name="Notes Placeholder 2"/>
+        <p:spPr/>
+      </p:sp>
+      <p:sp>
+        <p:nvSpPr>
+          <p:cNvPr id="3" name="Notes Placeholder 2"/>
           <p:cNvSpPr>
             <a:spLocks noGrp="1"/>
           </p:cNvSpPr>
@@ -1727,19 +1745,14 @@
             <p:ph type="body" idx="1"/>
           </p:nvPr>
         </p:nvSpPr>
-        <p:spPr bwMode="auto">
-          <a:noFill/>
-        </p:spPr>
-        <p:txBody>
-          <a:bodyPr wrap="square" numCol="1" anchor="t" anchorCtr="0" compatLnSpc="1">
-            <a:prstTxWarp prst="textNoShape">
-              <a:avLst/>
-            </a:prstTxWarp>
+        <p:spPr/>
+        <p:txBody>
+          <a:bodyPr>
+            <a:normAutofit/>
           </a:bodyPr>
           <a:lstStyle/>
           <a:p>
-            <a:pPr eaLnBrk="1" hangingPunct="1"/>
-            <a:endParaRPr lang="en-US" smtClean="0"/>
+            <a:endParaRPr lang="en-US"/>
           </a:p>
         </p:txBody>
       </p:sp>
@@ -1750,7 +1763,7 @@
             <a:spLocks noGrp="1"/>
           </p:cNvSpPr>
           <p:nvPr>
-            <p:ph type="sldNum" sz="quarter" idx="5"/>
+            <p:ph type="sldNum" sz="quarter" idx="10"/>
           </p:nvPr>
         </p:nvSpPr>
         <p:spPr/>
@@ -1761,12 +1774,12 @@
             <a:pPr>
               <a:defRPr/>
             </a:pPr>
-            <a:fld id="{D035676B-351E-4AB6-99A9-422DB34A96D6}" type="slidenum">
+            <a:fld id="{5FA95F0A-3D2C-49A4-97F6-571A6215AB1B}" type="slidenum">
               <a:rPr lang="en-US" smtClean="0"/>
               <a:pPr>
                 <a:defRPr/>
               </a:pPr>
-              <a:t>20</a:t>
+              <a:t>21</a:t>
             </a:fld>
             <a:endParaRPr lang="en-US" dirty="0"/>
           </a:p>
@@ -1853,7 +1866,7 @@
               <a:pPr>
                 <a:defRPr/>
               </a:pPr>
-              <a:t>21</a:t>
+              <a:t>22</a:t>
             </a:fld>
             <a:endParaRPr lang="en-US" dirty="0"/>
           </a:p>
@@ -1940,7 +1953,7 @@
               <a:pPr>
                 <a:defRPr/>
               </a:pPr>
-              <a:t>22</a:t>
+              <a:t>23</a:t>
             </a:fld>
             <a:endParaRPr lang="en-US" dirty="0"/>
           </a:p>
@@ -2027,7 +2040,7 @@
               <a:pPr>
                 <a:defRPr/>
               </a:pPr>
-              <a:t>23</a:t>
+              <a:t>24</a:t>
             </a:fld>
             <a:endParaRPr lang="en-US" dirty="0"/>
           </a:p>
@@ -2060,19 +2073,29 @@
       </p:grpSpPr>
       <p:sp>
         <p:nvSpPr>
-          <p:cNvPr id="2" name="Slide Image Placeholder 1"/>
-          <p:cNvSpPr>
-            <a:spLocks noGrp="1" noRot="1" noChangeAspect="1"/>
+          <p:cNvPr id="40962" name="Slide Image Placeholder 1"/>
+          <p:cNvSpPr>
+            <a:spLocks noGrp="1" noRot="1" noChangeAspect="1" noTextEdit="1"/>
           </p:cNvSpPr>
           <p:nvPr>
             <p:ph type="sldImg"/>
           </p:nvPr>
         </p:nvSpPr>
-        <p:spPr/>
-      </p:sp>
-      <p:sp>
-        <p:nvSpPr>
-          <p:cNvPr id="3" name="Notes Placeholder 2"/>
+        <p:spPr bwMode="auto">
+          <a:noFill/>
+          <a:ln>
+            <a:solidFill>
+              <a:srgbClr val="000000"/>
+            </a:solidFill>
+            <a:miter lim="800000"/>
+            <a:headEnd/>
+            <a:tailEnd/>
+          </a:ln>
+        </p:spPr>
+      </p:sp>
+      <p:sp>
+        <p:nvSpPr>
+          <p:cNvPr id="40963" name="Notes Placeholder 2"/>
           <p:cNvSpPr>
             <a:spLocks noGrp="1"/>
           </p:cNvSpPr>
@@ -2080,14 +2103,19 @@
             <p:ph type="body" idx="1"/>
           </p:nvPr>
         </p:nvSpPr>
-        <p:spPr/>
-        <p:txBody>
-          <a:bodyPr>
-            <a:normAutofit/>
+        <p:spPr bwMode="auto">
+          <a:noFill/>
+        </p:spPr>
+        <p:txBody>
+          <a:bodyPr wrap="square" numCol="1" anchor="t" anchorCtr="0" compatLnSpc="1">
+            <a:prstTxWarp prst="textNoShape">
+              <a:avLst/>
+            </a:prstTxWarp>
           </a:bodyPr>
           <a:lstStyle/>
           <a:p>
-            <a:endParaRPr lang="en-US"/>
+            <a:pPr eaLnBrk="1" hangingPunct="1"/>
+            <a:endParaRPr lang="en-US" smtClean="0"/>
           </a:p>
         </p:txBody>
       </p:sp>
@@ -2098,7 +2126,7 @@
             <a:spLocks noGrp="1"/>
           </p:cNvSpPr>
           <p:nvPr>
-            <p:ph type="sldNum" sz="quarter" idx="10"/>
+            <p:ph type="sldNum" sz="quarter" idx="5"/>
           </p:nvPr>
         </p:nvSpPr>
         <p:spPr/>
@@ -2109,12 +2137,12 @@
             <a:pPr>
               <a:defRPr/>
             </a:pPr>
-            <a:fld id="{5FA95F0A-3D2C-49A4-97F6-571A6215AB1B}" type="slidenum">
+            <a:fld id="{C91646CC-6F93-47CA-8330-AD86985BCA32}" type="slidenum">
               <a:rPr lang="en-US" smtClean="0"/>
               <a:pPr>
                 <a:defRPr/>
               </a:pPr>
-              <a:t>24</a:t>
+              <a:t>25</a:t>
             </a:fld>
             <a:endParaRPr lang="en-US" dirty="0"/>
           </a:p>
@@ -2147,29 +2175,19 @@
       </p:grpSpPr>
       <p:sp>
         <p:nvSpPr>
-          <p:cNvPr id="40962" name="Slide Image Placeholder 1"/>
-          <p:cNvSpPr>
-            <a:spLocks noGrp="1" noRot="1" noChangeAspect="1" noTextEdit="1"/>
+          <p:cNvPr id="2" name="Slide Image Placeholder 1"/>
+          <p:cNvSpPr>
+            <a:spLocks noGrp="1" noRot="1" noChangeAspect="1"/>
           </p:cNvSpPr>
           <p:nvPr>
             <p:ph type="sldImg"/>
           </p:nvPr>
         </p:nvSpPr>
-        <p:spPr bwMode="auto">
-          <a:noFill/>
-          <a:ln>
-            <a:solidFill>
-              <a:srgbClr val="000000"/>
-            </a:solidFill>
-            <a:miter lim="800000"/>
-            <a:headEnd/>
-            <a:tailEnd/>
-          </a:ln>
-        </p:spPr>
-      </p:sp>
-      <p:sp>
-        <p:nvSpPr>
-          <p:cNvPr id="40963" name="Notes Placeholder 2"/>
+        <p:spPr/>
+      </p:sp>
+      <p:sp>
+        <p:nvSpPr>
+          <p:cNvPr id="3" name="Notes Placeholder 2"/>
           <p:cNvSpPr>
             <a:spLocks noGrp="1"/>
           </p:cNvSpPr>
@@ -2177,19 +2195,14 @@
             <p:ph type="body" idx="1"/>
           </p:nvPr>
         </p:nvSpPr>
-        <p:spPr bwMode="auto">
-          <a:noFill/>
-        </p:spPr>
-        <p:txBody>
-          <a:bodyPr wrap="square" numCol="1" anchor="t" anchorCtr="0" compatLnSpc="1">
-            <a:prstTxWarp prst="textNoShape">
-              <a:avLst/>
-            </a:prstTxWarp>
+        <p:spPr/>
+        <p:txBody>
+          <a:bodyPr>
+            <a:normAutofit/>
           </a:bodyPr>
           <a:lstStyle/>
           <a:p>
-            <a:pPr eaLnBrk="1" hangingPunct="1"/>
-            <a:endParaRPr lang="en-US" smtClean="0"/>
+            <a:endParaRPr lang="en-US"/>
           </a:p>
         </p:txBody>
       </p:sp>
@@ -2200,7 +2213,7 @@
             <a:spLocks noGrp="1"/>
           </p:cNvSpPr>
           <p:nvPr>
-            <p:ph type="sldNum" sz="quarter" idx="5"/>
+            <p:ph type="sldNum" sz="quarter" idx="10"/>
           </p:nvPr>
         </p:nvSpPr>
         <p:spPr/>
@@ -2211,12 +2224,12 @@
             <a:pPr>
               <a:defRPr/>
             </a:pPr>
-            <a:fld id="{C91646CC-6F93-47CA-8330-AD86985BCA32}" type="slidenum">
+            <a:fld id="{5FA95F0A-3D2C-49A4-97F6-571A6215AB1B}" type="slidenum">
               <a:rPr lang="en-US" smtClean="0"/>
               <a:pPr>
                 <a:defRPr/>
               </a:pPr>
-              <a:t>25</a:t>
+              <a:t>26</a:t>
             </a:fld>
             <a:endParaRPr lang="en-US" dirty="0"/>
           </a:p>
@@ -2303,7 +2316,7 @@
               <a:pPr>
                 <a:defRPr/>
               </a:pPr>
-              <a:t>26</a:t>
+              <a:t>27</a:t>
             </a:fld>
             <a:endParaRPr lang="en-US" dirty="0"/>
           </a:p>
@@ -2390,7 +2403,7 @@
               <a:pPr>
                 <a:defRPr/>
               </a:pPr>
-              <a:t>27</a:t>
+              <a:t>28</a:t>
             </a:fld>
             <a:endParaRPr lang="en-US" dirty="0"/>
           </a:p>
@@ -2477,93 +2490,6 @@
               <a:pPr>
                 <a:defRPr/>
               </a:pPr>
-              <a:t>28</a:t>
-            </a:fld>
-            <a:endParaRPr lang="en-US" dirty="0"/>
-          </a:p>
-        </p:txBody>
-      </p:sp>
-    </p:spTree>
-  </p:cSld>
-  <p:clrMapOvr>
-    <a:masterClrMapping/>
-  </p:clrMapOvr>
-</p:notes>
-</file>
-
-<file path=ppt/notesSlides/notesSlide29.xml><?xml version="1.0" encoding="utf-8"?>
-<p:notes xmlns:a="http://schemas.openxmlformats.org/drawingml/2006/main" xmlns:r="http://schemas.openxmlformats.org/officeDocument/2006/relationships" xmlns:p="http://schemas.openxmlformats.org/presentationml/2006/main">
-  <p:cSld>
-    <p:spTree>
-      <p:nvGrpSpPr>
-        <p:cNvPr id="1" name=""/>
-        <p:cNvGrpSpPr/>
-        <p:nvPr/>
-      </p:nvGrpSpPr>
-      <p:grpSpPr>
-        <a:xfrm>
-          <a:off x="0" y="0"/>
-          <a:ext cx="0" cy="0"/>
-          <a:chOff x="0" y="0"/>
-          <a:chExt cx="0" cy="0"/>
-        </a:xfrm>
-      </p:grpSpPr>
-      <p:sp>
-        <p:nvSpPr>
-          <p:cNvPr id="2" name="Slide Image Placeholder 1"/>
-          <p:cNvSpPr>
-            <a:spLocks noGrp="1" noRot="1" noChangeAspect="1"/>
-          </p:cNvSpPr>
-          <p:nvPr>
-            <p:ph type="sldImg"/>
-          </p:nvPr>
-        </p:nvSpPr>
-        <p:spPr/>
-      </p:sp>
-      <p:sp>
-        <p:nvSpPr>
-          <p:cNvPr id="3" name="Notes Placeholder 2"/>
-          <p:cNvSpPr>
-            <a:spLocks noGrp="1"/>
-          </p:cNvSpPr>
-          <p:nvPr>
-            <p:ph type="body" idx="1"/>
-          </p:nvPr>
-        </p:nvSpPr>
-        <p:spPr/>
-        <p:txBody>
-          <a:bodyPr>
-            <a:normAutofit/>
-          </a:bodyPr>
-          <a:lstStyle/>
-          <a:p>
-            <a:endParaRPr lang="en-US"/>
-          </a:p>
-        </p:txBody>
-      </p:sp>
-      <p:sp>
-        <p:nvSpPr>
-          <p:cNvPr id="4" name="Slide Number Placeholder 3"/>
-          <p:cNvSpPr>
-            <a:spLocks noGrp="1"/>
-          </p:cNvSpPr>
-          <p:nvPr>
-            <p:ph type="sldNum" sz="quarter" idx="10"/>
-          </p:nvPr>
-        </p:nvSpPr>
-        <p:spPr/>
-        <p:txBody>
-          <a:bodyPr/>
-          <a:lstStyle/>
-          <a:p>
-            <a:pPr>
-              <a:defRPr/>
-            </a:pPr>
-            <a:fld id="{5FA95F0A-3D2C-49A4-97F6-571A6215AB1B}" type="slidenum">
-              <a:rPr lang="en-US" smtClean="0"/>
-              <a:pPr>
-                <a:defRPr/>
-              </a:pPr>
               <a:t>29</a:t>
             </a:fld>
             <a:endParaRPr lang="en-US" dirty="0"/>
@@ -2651,7 +2577,7 @@
               <a:pPr>
                 <a:defRPr/>
               </a:pPr>
-              <a:t>3</a:t>
+              <a:t>4</a:t>
             </a:fld>
             <a:endParaRPr lang="en-US" dirty="0"/>
           </a:p>
@@ -2753,7 +2679,7 @@
               <a:pPr>
                 <a:defRPr/>
               </a:pPr>
-              <a:t>4</a:t>
+              <a:t>5</a:t>
             </a:fld>
             <a:endParaRPr lang="en-US" dirty="0"/>
           </a:p>
@@ -2840,7 +2766,7 @@
               <a:pPr>
                 <a:defRPr/>
               </a:pPr>
-              <a:t>5</a:t>
+              <a:t>6</a:t>
             </a:fld>
             <a:endParaRPr lang="en-US" dirty="0"/>
           </a:p>
@@ -2927,7 +2853,7 @@
               <a:pPr>
                 <a:defRPr/>
               </a:pPr>
-              <a:t>6</a:t>
+              <a:t>7</a:t>
             </a:fld>
             <a:endParaRPr lang="en-US" dirty="0"/>
           </a:p>
@@ -3029,7 +2955,7 @@
               <a:pPr>
                 <a:defRPr/>
               </a:pPr>
-              <a:t>7</a:t>
+              <a:t>8</a:t>
             </a:fld>
             <a:endParaRPr lang="en-US" dirty="0"/>
           </a:p>
@@ -3116,7 +3042,7 @@
               <a:pPr>
                 <a:defRPr/>
               </a:pPr>
-              <a:t>8</a:t>
+              <a:t>9</a:t>
             </a:fld>
             <a:endParaRPr lang="en-US" dirty="0"/>
           </a:p>
@@ -3246,7 +3172,7 @@
                 </a:spcAft>
                 <a:defRPr/>
               </a:pPr>
-              <a:t>9</a:t>
+              <a:t>10</a:t>
             </a:fld>
             <a:endParaRPr lang="en-US" smtClean="0">
               <a:latin typeface="Arial" charset="0"/>
@@ -5096,24 +5022,7 @@
                 <a:latin typeface="+mn-lt"/>
                 <a:cs typeface="+mn-cs"/>
               </a:rPr>
-              <a:t>Multicore </a:t>
-            </a:r>
-            <a:r>
-              <a:rPr lang="en-US" sz="1200" b="1" dirty="0">
-                <a:ln w="10541" cmpd="sng">
-                  <a:solidFill>
-                    <a:srgbClr val="7D7D7D">
-                      <a:tint val="100000"/>
-                      <a:shade val="100000"/>
-                      <a:satMod val="110000"/>
-                    </a:srgbClr>
-                  </a:solidFill>
-                  <a:prstDash val="solid"/>
-                </a:ln>
-                <a:latin typeface="+mn-lt"/>
-                <a:cs typeface="+mn-cs"/>
-              </a:rPr>
-              <a:t>Training</a:t>
+              <a:t>Multicore Training</a:t>
             </a:r>
           </a:p>
         </p:txBody>
@@ -5629,12 +5538,47 @@
       </p:grpSpPr>
       <p:sp>
         <p:nvSpPr>
-          <p:cNvPr id="5123" name="Rectangle 2"/>
+          <p:cNvPr id="16386" name="Rectangle 9"/>
+          <p:cNvSpPr>
+            <a:spLocks noChangeArrowheads="1"/>
+          </p:cNvSpPr>
+          <p:nvPr/>
+        </p:nvSpPr>
+        <p:spPr bwMode="auto">
+          <a:xfrm>
+            <a:off x="1050925" y="1114425"/>
+            <a:ext cx="1524000" cy="1295400"/>
+          </a:xfrm>
+          <a:prstGeom prst="rect">
+            <a:avLst/>
+          </a:prstGeom>
+          <a:noFill/>
+          <a:ln w="9525">
+            <a:solidFill>
+              <a:schemeClr val="tx1"/>
+            </a:solidFill>
+            <a:miter lim="800000"/>
+            <a:headEnd/>
+            <a:tailEnd/>
+          </a:ln>
+        </p:spPr>
+        <p:txBody>
+          <a:bodyPr wrap="none" anchor="ctr"/>
+          <a:lstStyle/>
+          <a:p>
+            <a:pPr algn="r"/>
+            <a:endParaRPr lang="en-US" sz="2400"/>
+          </a:p>
+        </p:txBody>
+      </p:sp>
+      <p:sp>
+        <p:nvSpPr>
+          <p:cNvPr id="16387" name="Rectangle 2"/>
           <p:cNvSpPr>
             <a:spLocks noGrp="1" noChangeArrowheads="1"/>
           </p:cNvSpPr>
           <p:nvPr>
-            <p:ph type="title"/>
+            <p:ph type="title" idx="4294967295"/>
           </p:nvPr>
         </p:nvSpPr>
         <p:spPr/>
@@ -5645,36 +5589,14 @@
             <a:pPr eaLnBrk="1" hangingPunct="1"/>
             <a:r>
               <a:rPr lang="en-US" smtClean="0"/>
-              <a:t>QMSS Descriptors Queuing</a:t>
-            </a:r>
-          </a:p>
-        </p:txBody>
-      </p:sp>
-      <p:graphicFrame>
-        <p:nvGraphicFramePr>
-          <p:cNvPr id="5122" name="Object 6"/>
-          <p:cNvGraphicFramePr>
-            <a:graphicFrameLocks noChangeAspect="1"/>
-          </p:cNvGraphicFramePr>
-          <p:nvPr>
-            <p:ph idx="1"/>
-          </p:nvPr>
-        </p:nvGraphicFramePr>
-        <p:xfrm>
-          <a:off x="838200" y="2133600"/>
-          <a:ext cx="7162800" cy="3400425"/>
-        </p:xfrm>
-        <a:graphic>
-          <a:graphicData uri="http://schemas.openxmlformats.org/presentationml/2006/ole">
-            <p:oleObj spid="_x0000_s5122" name="Visio" r:id="rId5" imgW="5792343" imgH="2749296" progId="Visio.Drawing.11">
-              <p:embed/>
-            </p:oleObj>
-          </a:graphicData>
-        </a:graphic>
-      </p:graphicFrame>
-      <p:sp>
-        <p:nvSpPr>
-          <p:cNvPr id="5124" name="Rectangle 5"/>
+              <a:t>Packet DMA Topology</a:t>
+            </a:r>
+          </a:p>
+        </p:txBody>
+      </p:sp>
+      <p:sp>
+        <p:nvSpPr>
+          <p:cNvPr id="16388" name="Rectangle 3"/>
           <p:cNvSpPr>
             <a:spLocks noChangeArrowheads="1"/>
           </p:cNvSpPr>
@@ -5682,8 +5604,364 @@
         </p:nvSpPr>
         <p:spPr bwMode="auto">
           <a:xfrm>
-            <a:off x="333375" y="1185863"/>
-            <a:ext cx="8201025" cy="795337"/>
+            <a:off x="3581400" y="1524000"/>
+            <a:ext cx="1752600" cy="3048000"/>
+          </a:xfrm>
+          <a:prstGeom prst="rect">
+            <a:avLst/>
+          </a:prstGeom>
+          <a:noFill/>
+          <a:ln w="9525">
+            <a:solidFill>
+              <a:schemeClr val="tx1"/>
+            </a:solidFill>
+            <a:miter lim="800000"/>
+            <a:headEnd/>
+            <a:tailEnd/>
+          </a:ln>
+        </p:spPr>
+        <p:txBody>
+          <a:bodyPr wrap="none" anchor="ctr"/>
+          <a:lstStyle/>
+          <a:p>
+            <a:pPr algn="r"/>
+            <a:endParaRPr lang="en-US" sz="2400"/>
+          </a:p>
+        </p:txBody>
+      </p:sp>
+      <p:sp>
+        <p:nvSpPr>
+          <p:cNvPr id="16389" name="Rectangle 4"/>
+          <p:cNvSpPr>
+            <a:spLocks noChangeArrowheads="1"/>
+          </p:cNvSpPr>
+          <p:nvPr/>
+        </p:nvSpPr>
+        <p:spPr bwMode="auto">
+          <a:xfrm>
+            <a:off x="3962400" y="3581400"/>
+            <a:ext cx="990600" cy="762000"/>
+          </a:xfrm>
+          <a:prstGeom prst="rect">
+            <a:avLst/>
+          </a:prstGeom>
+          <a:noFill/>
+          <a:ln w="9525">
+            <a:solidFill>
+              <a:schemeClr val="tx1"/>
+            </a:solidFill>
+            <a:miter lim="800000"/>
+            <a:headEnd/>
+            <a:tailEnd/>
+          </a:ln>
+        </p:spPr>
+        <p:txBody>
+          <a:bodyPr wrap="none" anchor="ctr"/>
+          <a:lstStyle/>
+          <a:p>
+            <a:pPr algn="r"/>
+            <a:endParaRPr lang="en-US" sz="2400"/>
+          </a:p>
+        </p:txBody>
+      </p:sp>
+      <p:sp>
+        <p:nvSpPr>
+          <p:cNvPr id="16390" name="Rectangle 6"/>
+          <p:cNvSpPr>
+            <a:spLocks noChangeArrowheads="1"/>
+          </p:cNvSpPr>
+          <p:nvPr/>
+        </p:nvSpPr>
+        <p:spPr bwMode="auto">
+          <a:xfrm>
+            <a:off x="1143000" y="4191000"/>
+            <a:ext cx="990600" cy="457200"/>
+          </a:xfrm>
+          <a:prstGeom prst="rect">
+            <a:avLst/>
+          </a:prstGeom>
+          <a:noFill/>
+          <a:ln w="9525">
+            <a:solidFill>
+              <a:schemeClr val="tx1"/>
+            </a:solidFill>
+            <a:miter lim="800000"/>
+            <a:headEnd/>
+            <a:tailEnd/>
+          </a:ln>
+        </p:spPr>
+        <p:txBody>
+          <a:bodyPr wrap="none" anchor="ctr"/>
+          <a:lstStyle/>
+          <a:p>
+            <a:pPr algn="r"/>
+            <a:endParaRPr lang="en-US" sz="2400"/>
+          </a:p>
+        </p:txBody>
+      </p:sp>
+      <p:sp>
+        <p:nvSpPr>
+          <p:cNvPr id="16391" name="Rectangle 7"/>
+          <p:cNvSpPr>
+            <a:spLocks noChangeArrowheads="1"/>
+          </p:cNvSpPr>
+          <p:nvPr/>
+        </p:nvSpPr>
+        <p:spPr bwMode="auto">
+          <a:xfrm>
+            <a:off x="6629400" y="2057400"/>
+            <a:ext cx="990600" cy="457200"/>
+          </a:xfrm>
+          <a:prstGeom prst="rect">
+            <a:avLst/>
+          </a:prstGeom>
+          <a:noFill/>
+          <a:ln w="9525">
+            <a:solidFill>
+              <a:schemeClr val="tx1"/>
+            </a:solidFill>
+            <a:miter lim="800000"/>
+            <a:headEnd/>
+            <a:tailEnd/>
+          </a:ln>
+        </p:spPr>
+        <p:txBody>
+          <a:bodyPr wrap="none" anchor="ctr"/>
+          <a:lstStyle/>
+          <a:p>
+            <a:pPr algn="r"/>
+            <a:endParaRPr lang="en-US" sz="2400"/>
+          </a:p>
+        </p:txBody>
+      </p:sp>
+      <p:sp>
+        <p:nvSpPr>
+          <p:cNvPr id="16392" name="Text Box 17"/>
+          <p:cNvSpPr txBox="1">
+            <a:spLocks noChangeArrowheads="1"/>
+          </p:cNvSpPr>
+          <p:nvPr/>
+        </p:nvSpPr>
+        <p:spPr bwMode="auto">
+          <a:xfrm>
+            <a:off x="1384300" y="1836738"/>
+            <a:ext cx="925513" cy="304800"/>
+          </a:xfrm>
+          <a:prstGeom prst="rect">
+            <a:avLst/>
+          </a:prstGeom>
+          <a:noFill/>
+          <a:ln w="9525">
+            <a:solidFill>
+              <a:schemeClr val="tx1"/>
+            </a:solidFill>
+            <a:miter lim="800000"/>
+            <a:headEnd/>
+            <a:tailEnd/>
+          </a:ln>
+        </p:spPr>
+        <p:txBody>
+          <a:bodyPr wrap="none">
+            <a:spAutoFit/>
+          </a:bodyPr>
+          <a:lstStyle/>
+          <a:p>
+            <a:r>
+              <a:rPr lang="en-US" sz="1400"/>
+              <a:t>PKTDMA</a:t>
+            </a:r>
+          </a:p>
+        </p:txBody>
+      </p:sp>
+      <p:sp>
+        <p:nvSpPr>
+          <p:cNvPr id="16393" name="Rectangle 8"/>
+          <p:cNvSpPr>
+            <a:spLocks noChangeArrowheads="1"/>
+          </p:cNvSpPr>
+          <p:nvPr/>
+        </p:nvSpPr>
+        <p:spPr bwMode="auto">
+          <a:xfrm>
+            <a:off x="6629400" y="4419600"/>
+            <a:ext cx="990600" cy="457200"/>
+          </a:xfrm>
+          <a:prstGeom prst="rect">
+            <a:avLst/>
+          </a:prstGeom>
+          <a:noFill/>
+          <a:ln w="9525">
+            <a:solidFill>
+              <a:schemeClr val="tx1"/>
+            </a:solidFill>
+            <a:miter lim="800000"/>
+            <a:headEnd/>
+            <a:tailEnd/>
+          </a:ln>
+        </p:spPr>
+        <p:txBody>
+          <a:bodyPr wrap="none" anchor="ctr"/>
+          <a:lstStyle/>
+          <a:p>
+            <a:pPr algn="r"/>
+            <a:endParaRPr lang="en-US" sz="2400"/>
+          </a:p>
+        </p:txBody>
+      </p:sp>
+      <p:sp>
+        <p:nvSpPr>
+          <p:cNvPr id="16394" name="Rectangle 9"/>
+          <p:cNvSpPr>
+            <a:spLocks noChangeArrowheads="1"/>
+          </p:cNvSpPr>
+          <p:nvPr/>
+        </p:nvSpPr>
+        <p:spPr bwMode="auto">
+          <a:xfrm>
+            <a:off x="533400" y="1524000"/>
+            <a:ext cx="1524000" cy="1295400"/>
+          </a:xfrm>
+          <a:prstGeom prst="rect">
+            <a:avLst/>
+          </a:prstGeom>
+          <a:solidFill>
+            <a:schemeClr val="bg1"/>
+          </a:solidFill>
+          <a:ln w="9525">
+            <a:solidFill>
+              <a:schemeClr val="tx1"/>
+            </a:solidFill>
+            <a:miter lim="800000"/>
+            <a:headEnd/>
+            <a:tailEnd/>
+          </a:ln>
+        </p:spPr>
+        <p:txBody>
+          <a:bodyPr wrap="none" anchor="ctr"/>
+          <a:lstStyle/>
+          <a:p>
+            <a:pPr algn="r"/>
+            <a:endParaRPr lang="en-US" sz="2400"/>
+          </a:p>
+        </p:txBody>
+      </p:sp>
+      <p:sp>
+        <p:nvSpPr>
+          <p:cNvPr id="16395" name="Rectangle 10"/>
+          <p:cNvSpPr>
+            <a:spLocks noChangeArrowheads="1"/>
+          </p:cNvSpPr>
+          <p:nvPr/>
+        </p:nvSpPr>
+        <p:spPr bwMode="auto">
+          <a:xfrm>
+            <a:off x="6400800" y="3733800"/>
+            <a:ext cx="1524000" cy="1295400"/>
+          </a:xfrm>
+          <a:prstGeom prst="rect">
+            <a:avLst/>
+          </a:prstGeom>
+          <a:noFill/>
+          <a:ln w="9525">
+            <a:solidFill>
+              <a:schemeClr val="tx1"/>
+            </a:solidFill>
+            <a:miter lim="800000"/>
+            <a:headEnd/>
+            <a:tailEnd/>
+          </a:ln>
+        </p:spPr>
+        <p:txBody>
+          <a:bodyPr wrap="none" anchor="ctr"/>
+          <a:lstStyle/>
+          <a:p>
+            <a:pPr algn="r"/>
+            <a:endParaRPr lang="en-US" sz="2400"/>
+          </a:p>
+        </p:txBody>
+      </p:sp>
+      <p:sp>
+        <p:nvSpPr>
+          <p:cNvPr id="16396" name="Rectangle 11"/>
+          <p:cNvSpPr>
+            <a:spLocks noChangeArrowheads="1"/>
+          </p:cNvSpPr>
+          <p:nvPr/>
+        </p:nvSpPr>
+        <p:spPr bwMode="auto">
+          <a:xfrm>
+            <a:off x="6400800" y="1371600"/>
+            <a:ext cx="1524000" cy="1295400"/>
+          </a:xfrm>
+          <a:prstGeom prst="rect">
+            <a:avLst/>
+          </a:prstGeom>
+          <a:noFill/>
+          <a:ln w="9525">
+            <a:solidFill>
+              <a:schemeClr val="tx1"/>
+            </a:solidFill>
+            <a:miter lim="800000"/>
+            <a:headEnd/>
+            <a:tailEnd/>
+          </a:ln>
+        </p:spPr>
+        <p:txBody>
+          <a:bodyPr wrap="none" anchor="ctr"/>
+          <a:lstStyle/>
+          <a:p>
+            <a:pPr algn="r"/>
+            <a:endParaRPr lang="en-US" sz="2400"/>
+          </a:p>
+        </p:txBody>
+      </p:sp>
+      <p:sp>
+        <p:nvSpPr>
+          <p:cNvPr id="16397" name="Rectangle 12"/>
+          <p:cNvSpPr>
+            <a:spLocks noChangeArrowheads="1"/>
+          </p:cNvSpPr>
+          <p:nvPr/>
+        </p:nvSpPr>
+        <p:spPr bwMode="auto">
+          <a:xfrm>
+            <a:off x="838200" y="3505200"/>
+            <a:ext cx="1524000" cy="1295400"/>
+          </a:xfrm>
+          <a:prstGeom prst="rect">
+            <a:avLst/>
+          </a:prstGeom>
+          <a:noFill/>
+          <a:ln w="9525">
+            <a:solidFill>
+              <a:schemeClr val="tx1"/>
+            </a:solidFill>
+            <a:miter lim="800000"/>
+            <a:headEnd/>
+            <a:tailEnd/>
+          </a:ln>
+        </p:spPr>
+        <p:txBody>
+          <a:bodyPr wrap="none" anchor="ctr"/>
+          <a:lstStyle/>
+          <a:p>
+            <a:pPr algn="r"/>
+            <a:endParaRPr lang="en-US" sz="2400"/>
+          </a:p>
+        </p:txBody>
+      </p:sp>
+      <p:sp>
+        <p:nvSpPr>
+          <p:cNvPr id="16398" name="Text Box 13"/>
+          <p:cNvSpPr txBox="1">
+            <a:spLocks noChangeArrowheads="1"/>
+          </p:cNvSpPr>
+          <p:nvPr/>
+        </p:nvSpPr>
+        <p:spPr bwMode="auto">
+          <a:xfrm>
+            <a:off x="1143000" y="4267200"/>
+            <a:ext cx="925513" cy="304800"/>
           </a:xfrm>
           <a:prstGeom prst="rect">
             <a:avLst/>
@@ -5697,119 +5975,1335 @@
           </a:ln>
         </p:spPr>
         <p:txBody>
+          <a:bodyPr wrap="none">
+            <a:spAutoFit/>
+          </a:bodyPr>
+          <a:lstStyle/>
+          <a:p>
+            <a:r>
+              <a:rPr lang="en-US" sz="1400"/>
+              <a:t>PKTDMA</a:t>
+            </a:r>
+          </a:p>
+        </p:txBody>
+      </p:sp>
+      <p:sp>
+        <p:nvSpPr>
+          <p:cNvPr id="16399" name="Text Box 14"/>
+          <p:cNvSpPr txBox="1">
+            <a:spLocks noChangeArrowheads="1"/>
+          </p:cNvSpPr>
+          <p:nvPr/>
+        </p:nvSpPr>
+        <p:spPr bwMode="auto">
+          <a:xfrm>
+            <a:off x="4006850" y="3800475"/>
+            <a:ext cx="925513" cy="304800"/>
+          </a:xfrm>
+          <a:prstGeom prst="rect">
+            <a:avLst/>
+          </a:prstGeom>
+          <a:noFill/>
+          <a:ln w="9525">
+            <a:noFill/>
+            <a:miter lim="800000"/>
+            <a:headEnd/>
+            <a:tailEnd/>
+          </a:ln>
+        </p:spPr>
+        <p:txBody>
+          <a:bodyPr lIns="45720" rIns="45720">
+            <a:spAutoFit/>
+          </a:bodyPr>
+          <a:lstStyle/>
+          <a:p>
+            <a:pPr algn="ctr"/>
+            <a:r>
+              <a:rPr lang="en-US" sz="1400"/>
+              <a:t>PKTDMA</a:t>
+            </a:r>
+          </a:p>
+        </p:txBody>
+      </p:sp>
+      <p:sp>
+        <p:nvSpPr>
+          <p:cNvPr id="16400" name="Text Box 15"/>
+          <p:cNvSpPr txBox="1">
+            <a:spLocks noChangeArrowheads="1"/>
+          </p:cNvSpPr>
+          <p:nvPr/>
+        </p:nvSpPr>
+        <p:spPr bwMode="auto">
+          <a:xfrm>
+            <a:off x="6705600" y="2133600"/>
+            <a:ext cx="925513" cy="304800"/>
+          </a:xfrm>
+          <a:prstGeom prst="rect">
+            <a:avLst/>
+          </a:prstGeom>
+          <a:noFill/>
+          <a:ln w="9525">
+            <a:noFill/>
+            <a:miter lim="800000"/>
+            <a:headEnd/>
+            <a:tailEnd/>
+          </a:ln>
+        </p:spPr>
+        <p:txBody>
+          <a:bodyPr wrap="none">
+            <a:spAutoFit/>
+          </a:bodyPr>
+          <a:lstStyle/>
+          <a:p>
+            <a:r>
+              <a:rPr lang="en-US" sz="1400"/>
+              <a:t>PKTDMA</a:t>
+            </a:r>
+          </a:p>
+        </p:txBody>
+      </p:sp>
+      <p:sp>
+        <p:nvSpPr>
+          <p:cNvPr id="16401" name="Text Box 16"/>
+          <p:cNvSpPr txBox="1">
+            <a:spLocks noChangeArrowheads="1"/>
+          </p:cNvSpPr>
+          <p:nvPr/>
+        </p:nvSpPr>
+        <p:spPr bwMode="auto">
+          <a:xfrm>
+            <a:off x="6705600" y="4495800"/>
+            <a:ext cx="925513" cy="304800"/>
+          </a:xfrm>
+          <a:prstGeom prst="rect">
+            <a:avLst/>
+          </a:prstGeom>
+          <a:noFill/>
+          <a:ln w="9525">
+            <a:noFill/>
+            <a:miter lim="800000"/>
+            <a:headEnd/>
+            <a:tailEnd/>
+          </a:ln>
+        </p:spPr>
+        <p:txBody>
+          <a:bodyPr wrap="none">
+            <a:spAutoFit/>
+          </a:bodyPr>
+          <a:lstStyle/>
+          <a:p>
+            <a:r>
+              <a:rPr lang="en-US" sz="1400"/>
+              <a:t>PKTDMA</a:t>
+            </a:r>
+          </a:p>
+        </p:txBody>
+      </p:sp>
+      <p:sp>
+        <p:nvSpPr>
+          <p:cNvPr id="16402" name="Text Box 17"/>
+          <p:cNvSpPr txBox="1">
+            <a:spLocks noChangeArrowheads="1"/>
+          </p:cNvSpPr>
+          <p:nvPr/>
+        </p:nvSpPr>
+        <p:spPr bwMode="auto">
+          <a:xfrm>
+            <a:off x="838200" y="2286000"/>
+            <a:ext cx="925513" cy="304800"/>
+          </a:xfrm>
+          <a:prstGeom prst="rect">
+            <a:avLst/>
+          </a:prstGeom>
+          <a:noFill/>
+          <a:ln w="9525">
+            <a:solidFill>
+              <a:schemeClr val="tx1"/>
+            </a:solidFill>
+            <a:miter lim="800000"/>
+            <a:headEnd/>
+            <a:tailEnd/>
+          </a:ln>
+        </p:spPr>
+        <p:txBody>
+          <a:bodyPr wrap="none">
+            <a:spAutoFit/>
+          </a:bodyPr>
+          <a:lstStyle/>
+          <a:p>
+            <a:r>
+              <a:rPr lang="en-US" sz="1400"/>
+              <a:t>PKTDMA</a:t>
+            </a:r>
+          </a:p>
+        </p:txBody>
+      </p:sp>
+      <p:sp>
+        <p:nvSpPr>
+          <p:cNvPr id="16403" name="Text Box 18"/>
+          <p:cNvSpPr txBox="1">
+            <a:spLocks noChangeArrowheads="1"/>
+          </p:cNvSpPr>
+          <p:nvPr/>
+        </p:nvSpPr>
+        <p:spPr bwMode="auto">
+          <a:xfrm>
+            <a:off x="3733800" y="1600200"/>
+            <a:ext cx="1463675" cy="304800"/>
+          </a:xfrm>
+          <a:prstGeom prst="rect">
+            <a:avLst/>
+          </a:prstGeom>
+          <a:noFill/>
+          <a:ln w="9525">
+            <a:noFill/>
+            <a:miter lim="800000"/>
+            <a:headEnd/>
+            <a:tailEnd/>
+          </a:ln>
+        </p:spPr>
+        <p:txBody>
+          <a:bodyPr wrap="none">
+            <a:spAutoFit/>
+          </a:bodyPr>
+          <a:lstStyle/>
+          <a:p>
+            <a:r>
+              <a:rPr lang="en-US" sz="1400"/>
+              <a:t>Queue Manager</a:t>
+            </a:r>
+          </a:p>
+        </p:txBody>
+      </p:sp>
+      <p:sp>
+        <p:nvSpPr>
+          <p:cNvPr id="16404" name="Text Box 19"/>
+          <p:cNvSpPr txBox="1">
+            <a:spLocks noChangeArrowheads="1"/>
+          </p:cNvSpPr>
+          <p:nvPr/>
+        </p:nvSpPr>
+        <p:spPr bwMode="auto">
+          <a:xfrm>
+            <a:off x="6467475" y="1447800"/>
+            <a:ext cx="619125" cy="304800"/>
+          </a:xfrm>
+          <a:prstGeom prst="rect">
+            <a:avLst/>
+          </a:prstGeom>
+          <a:noFill/>
+          <a:ln w="9525">
+            <a:noFill/>
+            <a:miter lim="800000"/>
+            <a:headEnd/>
+            <a:tailEnd/>
+          </a:ln>
+        </p:spPr>
+        <p:txBody>
+          <a:bodyPr wrap="none">
+            <a:spAutoFit/>
+          </a:bodyPr>
+          <a:lstStyle/>
+          <a:p>
+            <a:r>
+              <a:rPr lang="en-US" sz="1400"/>
+              <a:t>SRIO</a:t>
+            </a:r>
+          </a:p>
+        </p:txBody>
+      </p:sp>
+      <p:sp>
+        <p:nvSpPr>
+          <p:cNvPr id="16405" name="Text Box 20"/>
+          <p:cNvSpPr txBox="1">
+            <a:spLocks noChangeArrowheads="1"/>
+          </p:cNvSpPr>
+          <p:nvPr/>
+        </p:nvSpPr>
+        <p:spPr bwMode="auto">
+          <a:xfrm>
+            <a:off x="6400800" y="3749675"/>
+            <a:ext cx="1189038" cy="517525"/>
+          </a:xfrm>
+          <a:prstGeom prst="rect">
+            <a:avLst/>
+          </a:prstGeom>
+          <a:noFill/>
+          <a:ln w="9525">
+            <a:noFill/>
+            <a:miter lim="800000"/>
+            <a:headEnd/>
+            <a:tailEnd/>
+          </a:ln>
+        </p:spPr>
+        <p:txBody>
+          <a:bodyPr wrap="none">
+            <a:spAutoFit/>
+          </a:bodyPr>
+          <a:lstStyle/>
+          <a:p>
+            <a:r>
+              <a:rPr lang="en-US" sz="1400"/>
+              <a:t>Network </a:t>
+            </a:r>
+          </a:p>
+          <a:p>
+            <a:r>
+              <a:rPr lang="en-US" sz="1400"/>
+              <a:t>Coprocessor</a:t>
+            </a:r>
+          </a:p>
+        </p:txBody>
+      </p:sp>
+      <p:sp>
+        <p:nvSpPr>
+          <p:cNvPr id="16406" name="Text Box 21"/>
+          <p:cNvSpPr txBox="1">
+            <a:spLocks noChangeArrowheads="1"/>
+          </p:cNvSpPr>
+          <p:nvPr/>
+        </p:nvSpPr>
+        <p:spPr bwMode="auto">
+          <a:xfrm>
+            <a:off x="506413" y="1570038"/>
+            <a:ext cx="930275" cy="307975"/>
+          </a:xfrm>
+          <a:prstGeom prst="rect">
+            <a:avLst/>
+          </a:prstGeom>
+          <a:noFill/>
+          <a:ln w="9525">
+            <a:noFill/>
+            <a:miter lim="800000"/>
+            <a:headEnd/>
+            <a:tailEnd/>
+          </a:ln>
+        </p:spPr>
+        <p:txBody>
+          <a:bodyPr wrap="none">
+            <a:spAutoFit/>
+          </a:bodyPr>
+          <a:lstStyle/>
+          <a:p>
+            <a:r>
+              <a:rPr lang="en-US" sz="1400"/>
+              <a:t>FFTC (A)</a:t>
+            </a:r>
+          </a:p>
+        </p:txBody>
+      </p:sp>
+      <p:sp>
+        <p:nvSpPr>
+          <p:cNvPr id="16407" name="Text Box 22"/>
+          <p:cNvSpPr txBox="1">
+            <a:spLocks noChangeArrowheads="1"/>
+          </p:cNvSpPr>
+          <p:nvPr/>
+        </p:nvSpPr>
+        <p:spPr bwMode="auto">
+          <a:xfrm>
+            <a:off x="838200" y="3581400"/>
+            <a:ext cx="460375" cy="304800"/>
+          </a:xfrm>
+          <a:prstGeom prst="rect">
+            <a:avLst/>
+          </a:prstGeom>
+          <a:noFill/>
+          <a:ln w="9525">
+            <a:noFill/>
+            <a:miter lim="800000"/>
+            <a:headEnd/>
+            <a:tailEnd/>
+          </a:ln>
+        </p:spPr>
+        <p:txBody>
+          <a:bodyPr wrap="none">
+            <a:spAutoFit/>
+          </a:bodyPr>
+          <a:lstStyle/>
+          <a:p>
+            <a:r>
+              <a:rPr lang="en-US" sz="1400"/>
+              <a:t>AIF</a:t>
+            </a:r>
+          </a:p>
+        </p:txBody>
+      </p:sp>
+      <p:sp>
+        <p:nvSpPr>
+          <p:cNvPr id="16408" name="Rectangle 23"/>
+          <p:cNvSpPr>
+            <a:spLocks noChangeArrowheads="1"/>
+          </p:cNvSpPr>
+          <p:nvPr/>
+        </p:nvSpPr>
+        <p:spPr bwMode="auto">
+          <a:xfrm>
+            <a:off x="3962400" y="1905000"/>
+            <a:ext cx="990600" cy="1447800"/>
+          </a:xfrm>
+          <a:prstGeom prst="rect">
+            <a:avLst/>
+          </a:prstGeom>
+          <a:noFill/>
+          <a:ln w="9525">
+            <a:solidFill>
+              <a:schemeClr val="tx1"/>
+            </a:solidFill>
+            <a:miter lim="800000"/>
+            <a:headEnd/>
+            <a:tailEnd/>
+          </a:ln>
+        </p:spPr>
+        <p:txBody>
+          <a:bodyPr wrap="none" anchor="ctr"/>
+          <a:lstStyle/>
+          <a:p>
+            <a:pPr algn="r"/>
+            <a:endParaRPr lang="en-US" sz="2400"/>
+          </a:p>
+        </p:txBody>
+      </p:sp>
+      <p:sp>
+        <p:nvSpPr>
+          <p:cNvPr id="16409" name="Line 24"/>
+          <p:cNvSpPr>
+            <a:spLocks noChangeShapeType="1"/>
+          </p:cNvSpPr>
+          <p:nvPr/>
+        </p:nvSpPr>
+        <p:spPr bwMode="auto">
+          <a:xfrm>
+            <a:off x="3962400" y="2057400"/>
+            <a:ext cx="990600" cy="0"/>
+          </a:xfrm>
+          <a:prstGeom prst="line">
+            <a:avLst/>
+          </a:prstGeom>
+          <a:noFill/>
+          <a:ln w="9525">
+            <a:solidFill>
+              <a:schemeClr val="tx1"/>
+            </a:solidFill>
+            <a:round/>
+            <a:headEnd/>
+            <a:tailEnd/>
+          </a:ln>
+        </p:spPr>
+        <p:txBody>
           <a:bodyPr/>
           <a:lstStyle/>
           <a:p>
-            <a:pPr marL="342900" indent="-342900">
-              <a:spcBef>
-                <a:spcPct val="20000"/>
-              </a:spcBef>
-              <a:buFontTx/>
+            <a:endParaRPr lang="en-US"/>
+          </a:p>
+        </p:txBody>
+      </p:sp>
+      <p:sp>
+        <p:nvSpPr>
+          <p:cNvPr id="16410" name="Line 25"/>
+          <p:cNvSpPr>
+            <a:spLocks noChangeShapeType="1"/>
+          </p:cNvSpPr>
+          <p:nvPr/>
+        </p:nvSpPr>
+        <p:spPr bwMode="auto">
+          <a:xfrm>
+            <a:off x="3962400" y="2209800"/>
+            <a:ext cx="990600" cy="0"/>
+          </a:xfrm>
+          <a:prstGeom prst="line">
+            <a:avLst/>
+          </a:prstGeom>
+          <a:noFill/>
+          <a:ln w="9525">
+            <a:solidFill>
+              <a:schemeClr val="tx1"/>
+            </a:solidFill>
+            <a:round/>
+            <a:headEnd/>
+            <a:tailEnd/>
+          </a:ln>
+        </p:spPr>
+        <p:txBody>
+          <a:bodyPr/>
+          <a:lstStyle/>
+          <a:p>
+            <a:endParaRPr lang="en-US"/>
+          </a:p>
+        </p:txBody>
+      </p:sp>
+      <p:sp>
+        <p:nvSpPr>
+          <p:cNvPr id="16411" name="Line 26"/>
+          <p:cNvSpPr>
+            <a:spLocks noChangeShapeType="1"/>
+          </p:cNvSpPr>
+          <p:nvPr/>
+        </p:nvSpPr>
+        <p:spPr bwMode="auto">
+          <a:xfrm>
+            <a:off x="3962400" y="2362200"/>
+            <a:ext cx="990600" cy="0"/>
+          </a:xfrm>
+          <a:prstGeom prst="line">
+            <a:avLst/>
+          </a:prstGeom>
+          <a:noFill/>
+          <a:ln w="9525">
+            <a:solidFill>
+              <a:schemeClr val="tx1"/>
+            </a:solidFill>
+            <a:round/>
+            <a:headEnd/>
+            <a:tailEnd/>
+          </a:ln>
+        </p:spPr>
+        <p:txBody>
+          <a:bodyPr/>
+          <a:lstStyle/>
+          <a:p>
+            <a:endParaRPr lang="en-US"/>
+          </a:p>
+        </p:txBody>
+      </p:sp>
+      <p:sp>
+        <p:nvSpPr>
+          <p:cNvPr id="16412" name="Line 27"/>
+          <p:cNvSpPr>
+            <a:spLocks noChangeShapeType="1"/>
+          </p:cNvSpPr>
+          <p:nvPr/>
+        </p:nvSpPr>
+        <p:spPr bwMode="auto">
+          <a:xfrm>
+            <a:off x="3962400" y="2514600"/>
+            <a:ext cx="990600" cy="0"/>
+          </a:xfrm>
+          <a:prstGeom prst="line">
+            <a:avLst/>
+          </a:prstGeom>
+          <a:noFill/>
+          <a:ln w="9525">
+            <a:solidFill>
+              <a:schemeClr val="tx1"/>
+            </a:solidFill>
+            <a:round/>
+            <a:headEnd/>
+            <a:tailEnd/>
+          </a:ln>
+        </p:spPr>
+        <p:txBody>
+          <a:bodyPr/>
+          <a:lstStyle/>
+          <a:p>
+            <a:endParaRPr lang="en-US"/>
+          </a:p>
+        </p:txBody>
+      </p:sp>
+      <p:sp>
+        <p:nvSpPr>
+          <p:cNvPr id="16413" name="Line 28"/>
+          <p:cNvSpPr>
+            <a:spLocks noChangeShapeType="1"/>
+          </p:cNvSpPr>
+          <p:nvPr/>
+        </p:nvSpPr>
+        <p:spPr bwMode="auto">
+          <a:xfrm>
+            <a:off x="3962400" y="2667000"/>
+            <a:ext cx="990600" cy="0"/>
+          </a:xfrm>
+          <a:prstGeom prst="line">
+            <a:avLst/>
+          </a:prstGeom>
+          <a:noFill/>
+          <a:ln w="9525">
+            <a:solidFill>
+              <a:schemeClr val="tx1"/>
+            </a:solidFill>
+            <a:round/>
+            <a:headEnd/>
+            <a:tailEnd/>
+          </a:ln>
+        </p:spPr>
+        <p:txBody>
+          <a:bodyPr/>
+          <a:lstStyle/>
+          <a:p>
+            <a:endParaRPr lang="en-US"/>
+          </a:p>
+        </p:txBody>
+      </p:sp>
+      <p:sp>
+        <p:nvSpPr>
+          <p:cNvPr id="16414" name="Line 29"/>
+          <p:cNvSpPr>
+            <a:spLocks noChangeShapeType="1"/>
+          </p:cNvSpPr>
+          <p:nvPr/>
+        </p:nvSpPr>
+        <p:spPr bwMode="auto">
+          <a:xfrm>
+            <a:off x="3962400" y="2819400"/>
+            <a:ext cx="990600" cy="0"/>
+          </a:xfrm>
+          <a:prstGeom prst="line">
+            <a:avLst/>
+          </a:prstGeom>
+          <a:noFill/>
+          <a:ln w="9525">
+            <a:solidFill>
+              <a:schemeClr val="tx1"/>
+            </a:solidFill>
+            <a:round/>
+            <a:headEnd/>
+            <a:tailEnd/>
+          </a:ln>
+        </p:spPr>
+        <p:txBody>
+          <a:bodyPr/>
+          <a:lstStyle/>
+          <a:p>
+            <a:endParaRPr lang="en-US"/>
+          </a:p>
+        </p:txBody>
+      </p:sp>
+      <p:sp>
+        <p:nvSpPr>
+          <p:cNvPr id="16415" name="Line 30"/>
+          <p:cNvSpPr>
+            <a:spLocks noChangeShapeType="1"/>
+          </p:cNvSpPr>
+          <p:nvPr/>
+        </p:nvSpPr>
+        <p:spPr bwMode="auto">
+          <a:xfrm>
+            <a:off x="3962400" y="3200400"/>
+            <a:ext cx="990600" cy="0"/>
+          </a:xfrm>
+          <a:prstGeom prst="line">
+            <a:avLst/>
+          </a:prstGeom>
+          <a:noFill/>
+          <a:ln w="9525">
+            <a:solidFill>
+              <a:schemeClr val="tx1"/>
+            </a:solidFill>
+            <a:round/>
+            <a:headEnd/>
+            <a:tailEnd/>
+          </a:ln>
+        </p:spPr>
+        <p:txBody>
+          <a:bodyPr/>
+          <a:lstStyle/>
+          <a:p>
+            <a:endParaRPr lang="en-US"/>
+          </a:p>
+        </p:txBody>
+      </p:sp>
+      <p:sp>
+        <p:nvSpPr>
+          <p:cNvPr id="16416" name="Text Box 31"/>
+          <p:cNvSpPr txBox="1">
+            <a:spLocks noChangeArrowheads="1"/>
+          </p:cNvSpPr>
+          <p:nvPr/>
+        </p:nvSpPr>
+        <p:spPr bwMode="auto">
+          <a:xfrm>
+            <a:off x="4038600" y="3178175"/>
+            <a:ext cx="412750" cy="214313"/>
+          </a:xfrm>
+          <a:prstGeom prst="rect">
+            <a:avLst/>
+          </a:prstGeom>
+          <a:noFill/>
+          <a:ln w="9525">
+            <a:noFill/>
+            <a:miter lim="800000"/>
+            <a:headEnd/>
+            <a:tailEnd/>
+          </a:ln>
+        </p:spPr>
+        <p:txBody>
+          <a:bodyPr wrap="none">
+            <a:spAutoFit/>
+          </a:bodyPr>
+          <a:lstStyle/>
+          <a:p>
+            <a:r>
+              <a:rPr lang="en-US" sz="800"/>
+              <a:t>8192</a:t>
+            </a:r>
+          </a:p>
+        </p:txBody>
+      </p:sp>
+      <p:sp>
+        <p:nvSpPr>
+          <p:cNvPr id="16417" name="Text Box 32"/>
+          <p:cNvSpPr txBox="1">
+            <a:spLocks noChangeArrowheads="1"/>
+          </p:cNvSpPr>
+          <p:nvPr/>
+        </p:nvSpPr>
+        <p:spPr bwMode="auto">
+          <a:xfrm>
+            <a:off x="4038600" y="2667000"/>
+            <a:ext cx="241300" cy="214313"/>
+          </a:xfrm>
+          <a:prstGeom prst="rect">
+            <a:avLst/>
+          </a:prstGeom>
+          <a:noFill/>
+          <a:ln w="9525">
+            <a:noFill/>
+            <a:miter lim="800000"/>
+            <a:headEnd/>
+            <a:tailEnd/>
+          </a:ln>
+        </p:spPr>
+        <p:txBody>
+          <a:bodyPr wrap="none">
+            <a:spAutoFit/>
+          </a:bodyPr>
+          <a:lstStyle/>
+          <a:p>
+            <a:r>
+              <a:rPr lang="en-US" sz="800"/>
+              <a:t>5</a:t>
+            </a:r>
+          </a:p>
+        </p:txBody>
+      </p:sp>
+      <p:sp>
+        <p:nvSpPr>
+          <p:cNvPr id="16418" name="Text Box 33"/>
+          <p:cNvSpPr txBox="1">
+            <a:spLocks noChangeArrowheads="1"/>
+          </p:cNvSpPr>
+          <p:nvPr/>
+        </p:nvSpPr>
+        <p:spPr bwMode="auto">
+          <a:xfrm>
+            <a:off x="4038600" y="2514600"/>
+            <a:ext cx="241300" cy="214313"/>
+          </a:xfrm>
+          <a:prstGeom prst="rect">
+            <a:avLst/>
+          </a:prstGeom>
+          <a:noFill/>
+          <a:ln w="9525">
+            <a:noFill/>
+            <a:miter lim="800000"/>
+            <a:headEnd/>
+            <a:tailEnd/>
+          </a:ln>
+        </p:spPr>
+        <p:txBody>
+          <a:bodyPr wrap="none">
+            <a:spAutoFit/>
+          </a:bodyPr>
+          <a:lstStyle/>
+          <a:p>
+            <a:r>
+              <a:rPr lang="en-US" sz="800"/>
+              <a:t>4</a:t>
+            </a:r>
+          </a:p>
+        </p:txBody>
+      </p:sp>
+      <p:sp>
+        <p:nvSpPr>
+          <p:cNvPr id="16419" name="Text Box 34"/>
+          <p:cNvSpPr txBox="1">
+            <a:spLocks noChangeArrowheads="1"/>
+          </p:cNvSpPr>
+          <p:nvPr/>
+        </p:nvSpPr>
+        <p:spPr bwMode="auto">
+          <a:xfrm>
+            <a:off x="4038600" y="2362200"/>
+            <a:ext cx="241300" cy="214313"/>
+          </a:xfrm>
+          <a:prstGeom prst="rect">
+            <a:avLst/>
+          </a:prstGeom>
+          <a:noFill/>
+          <a:ln w="9525">
+            <a:noFill/>
+            <a:miter lim="800000"/>
+            <a:headEnd/>
+            <a:tailEnd/>
+          </a:ln>
+        </p:spPr>
+        <p:txBody>
+          <a:bodyPr wrap="none">
+            <a:spAutoFit/>
+          </a:bodyPr>
+          <a:lstStyle/>
+          <a:p>
+            <a:r>
+              <a:rPr lang="en-US" sz="800"/>
+              <a:t>3</a:t>
+            </a:r>
+          </a:p>
+        </p:txBody>
+      </p:sp>
+      <p:sp>
+        <p:nvSpPr>
+          <p:cNvPr id="16420" name="Text Box 35"/>
+          <p:cNvSpPr txBox="1">
+            <a:spLocks noChangeArrowheads="1"/>
+          </p:cNvSpPr>
+          <p:nvPr/>
+        </p:nvSpPr>
+        <p:spPr bwMode="auto">
+          <a:xfrm>
+            <a:off x="4038600" y="2209800"/>
+            <a:ext cx="241300" cy="214313"/>
+          </a:xfrm>
+          <a:prstGeom prst="rect">
+            <a:avLst/>
+          </a:prstGeom>
+          <a:noFill/>
+          <a:ln w="9525">
+            <a:noFill/>
+            <a:miter lim="800000"/>
+            <a:headEnd/>
+            <a:tailEnd/>
+          </a:ln>
+        </p:spPr>
+        <p:txBody>
+          <a:bodyPr wrap="none">
+            <a:spAutoFit/>
+          </a:bodyPr>
+          <a:lstStyle/>
+          <a:p>
+            <a:r>
+              <a:rPr lang="en-US" sz="800"/>
+              <a:t>2</a:t>
+            </a:r>
+          </a:p>
+        </p:txBody>
+      </p:sp>
+      <p:sp>
+        <p:nvSpPr>
+          <p:cNvPr id="16421" name="Text Box 36"/>
+          <p:cNvSpPr txBox="1">
+            <a:spLocks noChangeArrowheads="1"/>
+          </p:cNvSpPr>
+          <p:nvPr/>
+        </p:nvSpPr>
+        <p:spPr bwMode="auto">
+          <a:xfrm>
+            <a:off x="4038600" y="2057400"/>
+            <a:ext cx="241300" cy="214313"/>
+          </a:xfrm>
+          <a:prstGeom prst="rect">
+            <a:avLst/>
+          </a:prstGeom>
+          <a:noFill/>
+          <a:ln w="9525">
+            <a:noFill/>
+            <a:miter lim="800000"/>
+            <a:headEnd/>
+            <a:tailEnd/>
+          </a:ln>
+        </p:spPr>
+        <p:txBody>
+          <a:bodyPr wrap="none">
+            <a:spAutoFit/>
+          </a:bodyPr>
+          <a:lstStyle/>
+          <a:p>
+            <a:r>
+              <a:rPr lang="en-US" sz="800"/>
+              <a:t>1</a:t>
+            </a:r>
+          </a:p>
+        </p:txBody>
+      </p:sp>
+      <p:sp>
+        <p:nvSpPr>
+          <p:cNvPr id="16422" name="Text Box 37"/>
+          <p:cNvSpPr txBox="1">
+            <a:spLocks noChangeArrowheads="1"/>
+          </p:cNvSpPr>
+          <p:nvPr/>
+        </p:nvSpPr>
+        <p:spPr bwMode="auto">
+          <a:xfrm>
+            <a:off x="4038600" y="1905000"/>
+            <a:ext cx="241300" cy="214313"/>
+          </a:xfrm>
+          <a:prstGeom prst="rect">
+            <a:avLst/>
+          </a:prstGeom>
+          <a:noFill/>
+          <a:ln w="9525">
+            <a:noFill/>
+            <a:miter lim="800000"/>
+            <a:headEnd/>
+            <a:tailEnd/>
+          </a:ln>
+        </p:spPr>
+        <p:txBody>
+          <a:bodyPr wrap="none">
+            <a:spAutoFit/>
+          </a:bodyPr>
+          <a:lstStyle/>
+          <a:p>
+            <a:r>
+              <a:rPr lang="en-US" sz="800"/>
+              <a:t>0</a:t>
+            </a:r>
+          </a:p>
+        </p:txBody>
+      </p:sp>
+      <p:sp>
+        <p:nvSpPr>
+          <p:cNvPr id="16423" name="Text Box 38"/>
+          <p:cNvSpPr txBox="1">
+            <a:spLocks noChangeArrowheads="1"/>
+          </p:cNvSpPr>
+          <p:nvPr/>
+        </p:nvSpPr>
+        <p:spPr bwMode="auto">
+          <a:xfrm>
+            <a:off x="4038600" y="2681288"/>
+            <a:ext cx="247650" cy="366712"/>
+          </a:xfrm>
+          <a:prstGeom prst="rect">
+            <a:avLst/>
+          </a:prstGeom>
+          <a:noFill/>
+          <a:ln w="9525">
+            <a:noFill/>
+            <a:miter lim="800000"/>
+            <a:headEnd/>
+            <a:tailEnd/>
+          </a:ln>
+        </p:spPr>
+        <p:txBody>
+          <a:bodyPr wrap="none">
+            <a:spAutoFit/>
+          </a:bodyPr>
+          <a:lstStyle/>
+          <a:p>
+            <a:r>
+              <a:rPr lang="en-US"/>
+              <a:t>.</a:t>
+            </a:r>
+          </a:p>
+        </p:txBody>
+      </p:sp>
+      <p:sp>
+        <p:nvSpPr>
+          <p:cNvPr id="16424" name="Text Box 39"/>
+          <p:cNvSpPr txBox="1">
+            <a:spLocks noChangeArrowheads="1"/>
+          </p:cNvSpPr>
+          <p:nvPr/>
+        </p:nvSpPr>
+        <p:spPr bwMode="auto">
+          <a:xfrm>
+            <a:off x="4038600" y="2819400"/>
+            <a:ext cx="247650" cy="366713"/>
+          </a:xfrm>
+          <a:prstGeom prst="rect">
+            <a:avLst/>
+          </a:prstGeom>
+          <a:noFill/>
+          <a:ln w="9525">
+            <a:noFill/>
+            <a:miter lim="800000"/>
+            <a:headEnd/>
+            <a:tailEnd/>
+          </a:ln>
+        </p:spPr>
+        <p:txBody>
+          <a:bodyPr wrap="none">
+            <a:spAutoFit/>
+          </a:bodyPr>
+          <a:lstStyle/>
+          <a:p>
+            <a:r>
+              <a:rPr lang="en-US"/>
+              <a:t>.</a:t>
+            </a:r>
+          </a:p>
+        </p:txBody>
+      </p:sp>
+      <p:sp>
+        <p:nvSpPr>
+          <p:cNvPr id="16425" name="Text Box 40"/>
+          <p:cNvSpPr txBox="1">
+            <a:spLocks noChangeArrowheads="1"/>
+          </p:cNvSpPr>
+          <p:nvPr/>
+        </p:nvSpPr>
+        <p:spPr bwMode="auto">
+          <a:xfrm>
+            <a:off x="4038600" y="2743200"/>
+            <a:ext cx="247650" cy="366713"/>
+          </a:xfrm>
+          <a:prstGeom prst="rect">
+            <a:avLst/>
+          </a:prstGeom>
+          <a:noFill/>
+          <a:ln w="9525">
+            <a:noFill/>
+            <a:miter lim="800000"/>
+            <a:headEnd/>
+            <a:tailEnd/>
+          </a:ln>
+        </p:spPr>
+        <p:txBody>
+          <a:bodyPr wrap="none">
+            <a:spAutoFit/>
+          </a:bodyPr>
+          <a:lstStyle/>
+          <a:p>
+            <a:r>
+              <a:rPr lang="en-US"/>
+              <a:t>.</a:t>
+            </a:r>
+          </a:p>
+        </p:txBody>
+      </p:sp>
+      <p:sp>
+        <p:nvSpPr>
+          <p:cNvPr id="16426" name="Text Box 41"/>
+          <p:cNvSpPr txBox="1">
+            <a:spLocks noChangeArrowheads="1"/>
+          </p:cNvSpPr>
+          <p:nvPr/>
+        </p:nvSpPr>
+        <p:spPr bwMode="auto">
+          <a:xfrm>
+            <a:off x="3276600" y="1219200"/>
+            <a:ext cx="2413000" cy="307975"/>
+          </a:xfrm>
+          <a:prstGeom prst="rect">
+            <a:avLst/>
+          </a:prstGeom>
+          <a:noFill/>
+          <a:ln w="9525">
+            <a:noFill/>
+            <a:miter lim="800000"/>
+            <a:headEnd/>
+            <a:tailEnd/>
+          </a:ln>
+        </p:spPr>
+        <p:txBody>
+          <a:bodyPr wrap="none">
+            <a:spAutoFit/>
+          </a:bodyPr>
+          <a:lstStyle/>
+          <a:p>
+            <a:r>
+              <a:rPr lang="en-US" sz="1400"/>
+              <a:t>Queue Manager Subsystem</a:t>
+            </a:r>
+          </a:p>
+        </p:txBody>
+      </p:sp>
+      <p:sp>
+        <p:nvSpPr>
+          <p:cNvPr id="16427" name="Line 43"/>
+          <p:cNvSpPr>
+            <a:spLocks noChangeShapeType="1"/>
+          </p:cNvSpPr>
+          <p:nvPr/>
+        </p:nvSpPr>
+        <p:spPr bwMode="auto">
+          <a:xfrm>
+            <a:off x="1752600" y="2438400"/>
+            <a:ext cx="1828800" cy="228600"/>
+          </a:xfrm>
+          <a:prstGeom prst="line">
+            <a:avLst/>
+          </a:prstGeom>
+          <a:noFill/>
+          <a:ln w="9525">
+            <a:solidFill>
+              <a:schemeClr val="tx1"/>
+            </a:solidFill>
+            <a:round/>
+            <a:headEnd type="triangle" w="med" len="med"/>
+            <a:tailEnd/>
+          </a:ln>
+        </p:spPr>
+        <p:txBody>
+          <a:bodyPr/>
+          <a:lstStyle/>
+          <a:p>
+            <a:endParaRPr lang="en-US"/>
+          </a:p>
+        </p:txBody>
+      </p:sp>
+      <p:sp>
+        <p:nvSpPr>
+          <p:cNvPr id="16428" name="Line 44"/>
+          <p:cNvSpPr>
+            <a:spLocks noChangeShapeType="1"/>
+          </p:cNvSpPr>
+          <p:nvPr/>
+        </p:nvSpPr>
+        <p:spPr bwMode="auto">
+          <a:xfrm>
+            <a:off x="5334000" y="4114800"/>
+            <a:ext cx="1295400" cy="533400"/>
+          </a:xfrm>
+          <a:prstGeom prst="line">
+            <a:avLst/>
+          </a:prstGeom>
+          <a:noFill/>
+          <a:ln w="9525">
+            <a:solidFill>
+              <a:schemeClr val="tx1"/>
+            </a:solidFill>
+            <a:round/>
+            <a:headEnd/>
+            <a:tailEnd type="triangle" w="med" len="med"/>
+          </a:ln>
+        </p:spPr>
+        <p:txBody>
+          <a:bodyPr/>
+          <a:lstStyle/>
+          <a:p>
+            <a:endParaRPr lang="en-US"/>
+          </a:p>
+        </p:txBody>
+      </p:sp>
+      <p:sp>
+        <p:nvSpPr>
+          <p:cNvPr id="16429" name="Line 45"/>
+          <p:cNvSpPr>
+            <a:spLocks noChangeShapeType="1"/>
+          </p:cNvSpPr>
+          <p:nvPr/>
+        </p:nvSpPr>
+        <p:spPr bwMode="auto">
+          <a:xfrm flipV="1">
+            <a:off x="2133600" y="4038600"/>
+            <a:ext cx="1447800" cy="382588"/>
+          </a:xfrm>
+          <a:prstGeom prst="line">
+            <a:avLst/>
+          </a:prstGeom>
+          <a:noFill/>
+          <a:ln w="9525">
+            <a:solidFill>
+              <a:schemeClr val="tx1"/>
+            </a:solidFill>
+            <a:round/>
+            <a:headEnd type="triangle" w="med" len="med"/>
+            <a:tailEnd/>
+          </a:ln>
+        </p:spPr>
+        <p:txBody>
+          <a:bodyPr/>
+          <a:lstStyle/>
+          <a:p>
+            <a:endParaRPr lang="en-US"/>
+          </a:p>
+        </p:txBody>
+      </p:sp>
+      <p:sp>
+        <p:nvSpPr>
+          <p:cNvPr id="16430" name="Line 46"/>
+          <p:cNvSpPr>
+            <a:spLocks noChangeShapeType="1"/>
+          </p:cNvSpPr>
+          <p:nvPr/>
+        </p:nvSpPr>
+        <p:spPr bwMode="auto">
+          <a:xfrm flipV="1">
+            <a:off x="5334000" y="2286000"/>
+            <a:ext cx="1295400" cy="76200"/>
+          </a:xfrm>
+          <a:prstGeom prst="line">
+            <a:avLst/>
+          </a:prstGeom>
+          <a:noFill/>
+          <a:ln w="9525">
+            <a:solidFill>
+              <a:schemeClr val="tx1"/>
+            </a:solidFill>
+            <a:round/>
+            <a:headEnd/>
+            <a:tailEnd type="triangle" w="med" len="med"/>
+          </a:ln>
+        </p:spPr>
+        <p:txBody>
+          <a:bodyPr/>
+          <a:lstStyle/>
+          <a:p>
+            <a:endParaRPr lang="en-US"/>
+          </a:p>
+        </p:txBody>
+      </p:sp>
+      <p:sp>
+        <p:nvSpPr>
+          <p:cNvPr id="16431" name="TextBox 45"/>
+          <p:cNvSpPr txBox="1">
+            <a:spLocks noChangeArrowheads="1"/>
+          </p:cNvSpPr>
+          <p:nvPr/>
+        </p:nvSpPr>
+        <p:spPr bwMode="auto">
+          <a:xfrm>
+            <a:off x="327025" y="5334000"/>
+            <a:ext cx="8458200" cy="1111250"/>
+          </a:xfrm>
+          <a:prstGeom prst="rect">
+            <a:avLst/>
+          </a:prstGeom>
+          <a:noFill/>
+          <a:ln w="9525">
+            <a:noFill/>
+            <a:miter lim="800000"/>
+            <a:headEnd/>
+            <a:tailEnd/>
+          </a:ln>
+        </p:spPr>
+        <p:txBody>
+          <a:bodyPr>
+            <a:spAutoFit/>
+          </a:bodyPr>
+          <a:lstStyle/>
+          <a:p>
+            <a:pPr>
+              <a:lnSpc>
+                <a:spcPct val="90000"/>
+              </a:lnSpc>
+            </a:pPr>
+            <a:r>
+              <a:rPr lang="en-US" sz="1400"/>
+              <a:t>Multiple Packet DMA instances in KeyStone devices:</a:t>
+            </a:r>
+            <a:br>
+              <a:rPr lang="en-US" sz="1400"/>
+            </a:br>
+            <a:endParaRPr lang="en-US" sz="800"/>
+          </a:p>
+          <a:p>
+            <a:pPr lvl="1">
+              <a:lnSpc>
+                <a:spcPct val="90000"/>
+              </a:lnSpc>
+              <a:buFont typeface="Arial" charset="0"/>
               <a:buChar char="•"/>
             </a:pPr>
             <a:r>
-              <a:rPr lang="en-US" sz="2400"/>
-              <a:t>The Queue Manager maintains a head pointer for each queue, which are initialized to be empty.</a:t>
-            </a:r>
-          </a:p>
-          <a:p>
-            <a:pPr marL="342900" indent="-342900">
-              <a:spcBef>
-                <a:spcPct val="20000"/>
-              </a:spcBef>
-              <a:buFontTx/>
+              <a:rPr lang="en-US" sz="1400"/>
+              <a:t> PA and SRIO instances for all KeyStone devices.</a:t>
+            </a:r>
+          </a:p>
+          <a:p>
+            <a:pPr lvl="1">
+              <a:lnSpc>
+                <a:spcPct val="90000"/>
+              </a:lnSpc>
+              <a:buFont typeface="Arial" charset="0"/>
               <a:buChar char="•"/>
             </a:pPr>
-            <a:endParaRPr lang="en-US" sz="2400"/>
-          </a:p>
-          <a:p>
-            <a:pPr marL="342900" indent="-342900">
-              <a:spcBef>
-                <a:spcPct val="20000"/>
-              </a:spcBef>
-              <a:buFontTx/>
+            <a:endParaRPr lang="en-US" sz="800"/>
+          </a:p>
+          <a:p>
+            <a:pPr lvl="1">
+              <a:lnSpc>
+                <a:spcPct val="90000"/>
+              </a:lnSpc>
+              <a:buFont typeface="Arial" charset="0"/>
               <a:buChar char="•"/>
             </a:pPr>
-            <a:endParaRPr lang="en-US" sz="2400"/>
-          </a:p>
-          <a:p>
-            <a:pPr marL="342900" indent="-342900">
-              <a:spcBef>
-                <a:spcPct val="20000"/>
-              </a:spcBef>
-              <a:buFontTx/>
-              <a:buChar char="•"/>
-            </a:pPr>
-            <a:endParaRPr lang="en-US" sz="2400"/>
-          </a:p>
-          <a:p>
-            <a:pPr marL="342900" indent="-342900">
-              <a:spcBef>
-                <a:spcPct val="20000"/>
-              </a:spcBef>
-              <a:buFontTx/>
-              <a:buChar char="•"/>
-            </a:pPr>
-            <a:endParaRPr lang="en-US" sz="2400"/>
-          </a:p>
-          <a:p>
-            <a:pPr marL="342900" indent="-342900">
-              <a:spcBef>
-                <a:spcPct val="20000"/>
-              </a:spcBef>
-              <a:buFontTx/>
-              <a:buChar char="•"/>
-            </a:pPr>
-            <a:endParaRPr lang="en-US" sz="2400"/>
-          </a:p>
-          <a:p>
-            <a:pPr marL="342900" indent="-342900">
-              <a:spcBef>
-                <a:spcPct val="20000"/>
-              </a:spcBef>
-              <a:buFontTx/>
-              <a:buChar char="•"/>
-            </a:pPr>
-            <a:endParaRPr lang="en-US" sz="2400"/>
-          </a:p>
-          <a:p>
-            <a:pPr marL="342900" indent="-342900">
-              <a:spcBef>
-                <a:spcPct val="20000"/>
-              </a:spcBef>
-              <a:buFontTx/>
-              <a:buChar char="•"/>
-            </a:pPr>
-            <a:endParaRPr lang="en-US" sz="2400"/>
-          </a:p>
-          <a:p>
-            <a:pPr marL="342900" indent="-342900">
-              <a:spcBef>
-                <a:spcPct val="20000"/>
-              </a:spcBef>
-              <a:buFontTx/>
-              <a:buChar char="•"/>
-            </a:pPr>
-            <a:endParaRPr lang="en-US" sz="2400"/>
-          </a:p>
-          <a:p>
-            <a:pPr marL="342900" indent="-342900">
-              <a:spcBef>
-                <a:spcPct val="20000"/>
-              </a:spcBef>
-              <a:buFontTx/>
-              <a:buChar char="•"/>
-            </a:pPr>
-            <a:r>
-              <a:rPr lang="en-US" sz="2400"/>
-              <a:t>We actually do not push indexes; We push descriptor addresses. The QM converts addresses to indexes.</a:t>
-            </a:r>
+            <a:r>
+              <a:rPr lang="en-US" sz="1400"/>
+              <a:t> AIF2 and FFTC (A and B) instances are only in KeyStone devices for wireless applications.</a:t>
+            </a:r>
+          </a:p>
+          <a:p>
+            <a:endParaRPr lang="en-US" sz="1400"/>
+          </a:p>
+        </p:txBody>
+      </p:sp>
+      <p:sp>
+        <p:nvSpPr>
+          <p:cNvPr id="16432" name="Text Box 21"/>
+          <p:cNvSpPr txBox="1">
+            <a:spLocks noChangeArrowheads="1"/>
+          </p:cNvSpPr>
+          <p:nvPr/>
+        </p:nvSpPr>
+        <p:spPr bwMode="auto">
+          <a:xfrm>
+            <a:off x="1009650" y="1128713"/>
+            <a:ext cx="928688" cy="307975"/>
+          </a:xfrm>
+          <a:prstGeom prst="rect">
+            <a:avLst/>
+          </a:prstGeom>
+          <a:noFill/>
+          <a:ln w="9525">
+            <a:noFill/>
+            <a:miter lim="800000"/>
+            <a:headEnd/>
+            <a:tailEnd/>
+          </a:ln>
+        </p:spPr>
+        <p:txBody>
+          <a:bodyPr wrap="none">
+            <a:spAutoFit/>
+          </a:bodyPr>
+          <a:lstStyle/>
+          <a:p>
+            <a:r>
+              <a:rPr lang="en-US" sz="1400"/>
+              <a:t>FFTC (B)</a:t>
+            </a:r>
+          </a:p>
+        </p:txBody>
+      </p:sp>
+      <p:sp>
+        <p:nvSpPr>
+          <p:cNvPr id="16433" name="Line 43"/>
+          <p:cNvSpPr>
+            <a:spLocks noChangeShapeType="1"/>
+          </p:cNvSpPr>
+          <p:nvPr/>
+        </p:nvSpPr>
+        <p:spPr bwMode="auto">
+          <a:xfrm>
+            <a:off x="2286000" y="1981200"/>
+            <a:ext cx="1295400" cy="152400"/>
+          </a:xfrm>
+          <a:prstGeom prst="line">
+            <a:avLst/>
+          </a:prstGeom>
+          <a:noFill/>
+          <a:ln w="9525">
+            <a:solidFill>
+              <a:schemeClr val="tx1"/>
+            </a:solidFill>
+            <a:round/>
+            <a:headEnd type="triangle" w="med" len="med"/>
+            <a:tailEnd/>
+          </a:ln>
+        </p:spPr>
+        <p:txBody>
+          <a:bodyPr/>
+          <a:lstStyle/>
+          <a:p>
+            <a:endParaRPr lang="en-US"/>
           </a:p>
         </p:txBody>
       </p:sp>
     </p:spTree>
     <p:custDataLst>
-      <p:tags r:id="rId2"/>
+      <p:tags r:id="rId1"/>
     </p:custDataLst>
   </p:cSld>
   <p:clrMapOvr>
@@ -5844,311 +7338,206 @@
       </p:grpSpPr>
       <p:sp>
         <p:nvSpPr>
-          <p:cNvPr id="6147" name="Text Box 13"/>
-          <p:cNvSpPr txBox="1">
-            <a:spLocks noChangeArrowheads="1"/>
-          </p:cNvSpPr>
-          <p:nvPr/>
-        </p:nvSpPr>
-        <p:spPr bwMode="auto">
-          <a:xfrm>
-            <a:off x="228600" y="6448425"/>
-            <a:ext cx="8763000" cy="366713"/>
-          </a:xfrm>
-          <a:prstGeom prst="rect">
-            <a:avLst/>
-          </a:prstGeom>
-          <a:solidFill>
-            <a:schemeClr val="bg1"/>
-          </a:solidFill>
-          <a:ln w="9525">
-            <a:noFill/>
-            <a:miter lim="800000"/>
-            <a:headEnd/>
-            <a:tailEnd/>
-          </a:ln>
-        </p:spPr>
-        <p:txBody>
-          <a:bodyPr>
-            <a:spAutoFit/>
-          </a:bodyPr>
-          <a:lstStyle/>
-          <a:p>
-            <a:pPr>
-              <a:spcBef>
-                <a:spcPct val="50000"/>
-              </a:spcBef>
-            </a:pPr>
-            <a:endParaRPr lang="en-US"/>
-          </a:p>
-        </p:txBody>
-      </p:sp>
-      <p:sp>
-        <p:nvSpPr>
-          <p:cNvPr id="6148" name="Rectangle 2"/>
-          <p:cNvSpPr>
-            <a:spLocks noChangeArrowheads="1"/>
-          </p:cNvSpPr>
-          <p:nvPr/>
-        </p:nvSpPr>
-        <p:spPr bwMode="auto">
-          <a:xfrm>
-            <a:off x="0" y="0"/>
-            <a:ext cx="9144000" cy="0"/>
-          </a:xfrm>
-          <a:prstGeom prst="rect">
-            <a:avLst/>
-          </a:prstGeom>
-          <a:noFill/>
-          <a:ln w="9525">
-            <a:noFill/>
-            <a:miter lim="800000"/>
-            <a:headEnd/>
-            <a:tailEnd/>
-          </a:ln>
-        </p:spPr>
-        <p:txBody>
-          <a:bodyPr wrap="none" anchor="ctr">
-            <a:spAutoFit/>
-          </a:bodyPr>
-          <a:lstStyle/>
-          <a:p>
-            <a:endParaRPr lang="en-US"/>
-          </a:p>
-        </p:txBody>
-      </p:sp>
-      <p:sp>
-        <p:nvSpPr>
-          <p:cNvPr id="6149" name="Rectangle 4"/>
-          <p:cNvSpPr>
-            <a:spLocks noChangeArrowheads="1"/>
-          </p:cNvSpPr>
-          <p:nvPr/>
-        </p:nvSpPr>
-        <p:spPr bwMode="auto">
-          <a:xfrm>
-            <a:off x="0" y="0"/>
-            <a:ext cx="9144000" cy="0"/>
-          </a:xfrm>
-          <a:prstGeom prst="rect">
-            <a:avLst/>
-          </a:prstGeom>
-          <a:noFill/>
-          <a:ln w="9525">
-            <a:noFill/>
-            <a:miter lim="800000"/>
-            <a:headEnd/>
-            <a:tailEnd/>
-          </a:ln>
-        </p:spPr>
-        <p:txBody>
-          <a:bodyPr wrap="none" anchor="ctr">
-            <a:spAutoFit/>
-          </a:bodyPr>
-          <a:lstStyle/>
-          <a:p>
-            <a:endParaRPr lang="en-US"/>
-          </a:p>
-        </p:txBody>
-      </p:sp>
-      <p:sp>
-        <p:nvSpPr>
-          <p:cNvPr id="6150" name="Rectangle 4"/>
-          <p:cNvSpPr>
-            <a:spLocks noChangeArrowheads="1"/>
-          </p:cNvSpPr>
-          <p:nvPr/>
-        </p:nvSpPr>
-        <p:spPr bwMode="auto">
-          <a:xfrm>
-            <a:off x="0" y="0"/>
-            <a:ext cx="9144000" cy="0"/>
-          </a:xfrm>
-          <a:prstGeom prst="rect">
-            <a:avLst/>
-          </a:prstGeom>
-          <a:noFill/>
-          <a:ln w="9525">
-            <a:noFill/>
-            <a:miter lim="800000"/>
-            <a:headEnd/>
-            <a:tailEnd/>
-          </a:ln>
-        </p:spPr>
-        <p:txBody>
-          <a:bodyPr wrap="none" anchor="ctr">
-            <a:spAutoFit/>
-          </a:bodyPr>
-          <a:lstStyle/>
-          <a:p>
-            <a:endParaRPr lang="en-US"/>
-          </a:p>
-        </p:txBody>
-      </p:sp>
-      <p:graphicFrame>
-        <p:nvGraphicFramePr>
-          <p:cNvPr id="6146" name="Object 7"/>
-          <p:cNvGraphicFramePr>
-            <a:graphicFrameLocks noChangeAspect="1"/>
-          </p:cNvGraphicFramePr>
-          <p:nvPr/>
-        </p:nvGraphicFramePr>
-        <p:xfrm>
-          <a:off x="1066800" y="685800"/>
-          <a:ext cx="3994150" cy="5867400"/>
-        </p:xfrm>
-        <a:graphic>
-          <a:graphicData uri="http://schemas.openxmlformats.org/presentationml/2006/ole">
-            <p:oleObj spid="_x0000_s6146" name="Visio" r:id="rId4" imgW="6252497" imgH="8453336" progId="">
-              <p:embed/>
-            </p:oleObj>
-          </a:graphicData>
-        </a:graphic>
-      </p:graphicFrame>
-      <p:sp>
-        <p:nvSpPr>
-          <p:cNvPr id="6151" name="Title 1"/>
-          <p:cNvSpPr>
-            <a:spLocks noGrp="1"/>
-          </p:cNvSpPr>
-          <p:nvPr>
-            <p:ph type="title" idx="4294967295"/>
+          <p:cNvPr id="26626" name="Rectangle 2"/>
+          <p:cNvSpPr>
+            <a:spLocks noGrp="1" noChangeArrowheads="1"/>
+          </p:cNvSpPr>
+          <p:nvPr>
+            <p:ph type="title"/>
           </p:nvPr>
         </p:nvSpPr>
         <p:spPr>
           <a:xfrm>
-            <a:off x="457200" y="0"/>
-            <a:ext cx="8229600" cy="563563"/>
+            <a:off x="152400" y="152400"/>
+            <a:ext cx="8686800" cy="1447800"/>
           </a:xfrm>
         </p:spPr>
         <p:txBody>
           <a:bodyPr/>
           <a:lstStyle/>
           <a:p>
-            <a:r>
-              <a:rPr lang="en-US" smtClean="0"/>
-              <a:t>Configuration/Initialization Flow</a:t>
-            </a:r>
-          </a:p>
-        </p:txBody>
-      </p:sp>
-      <p:sp>
-        <p:nvSpPr>
-          <p:cNvPr id="8" name="TextBox 7"/>
-          <p:cNvSpPr txBox="1"/>
-          <p:nvPr/>
+            <a:pPr eaLnBrk="1" hangingPunct="1"/>
+            <a:r>
+              <a:rPr lang="en-US" dirty="0" smtClean="0"/>
+              <a:t>Navigator </a:t>
+            </a:r>
+            <a:r>
+              <a:rPr lang="en-US" dirty="0" smtClean="0"/>
+              <a:t>Configuration</a:t>
+            </a:r>
+            <a:endParaRPr lang="en-US" dirty="0" smtClean="0"/>
+          </a:p>
+        </p:txBody>
+      </p:sp>
+      <p:sp>
+        <p:nvSpPr>
+          <p:cNvPr id="26627" name="Rectangle 3"/>
+          <p:cNvSpPr>
+            <a:spLocks noGrp="1" noChangeArrowheads="1"/>
+          </p:cNvSpPr>
+          <p:nvPr>
+            <p:ph idx="1"/>
+          </p:nvPr>
         </p:nvSpPr>
         <p:spPr>
           <a:xfrm>
-            <a:off x="5791200" y="1676400"/>
-            <a:ext cx="2667000" cy="2308225"/>
-          </a:xfrm>
-          <a:prstGeom prst="rect">
-            <a:avLst/>
-          </a:prstGeom>
-          <a:noFill/>
-        </p:spPr>
-        <p:txBody>
-          <a:bodyPr>
-            <a:spAutoFit/>
-          </a:bodyPr>
-          <a:lstStyle/>
-          <a:p>
-            <a:pPr marL="342900" indent="-342900">
-              <a:defRPr/>
-            </a:pPr>
-            <a:endParaRPr lang="en-US" sz="1400" spc="300" dirty="0"/>
-          </a:p>
-          <a:p>
-            <a:pPr marL="342900" indent="-342900">
-              <a:defRPr/>
-            </a:pPr>
-            <a:r>
-              <a:rPr lang="en-US" sz="1400" spc="300" dirty="0"/>
-              <a:t>Configuration Steps:</a:t>
-            </a:r>
-          </a:p>
-          <a:p>
-            <a:pPr marL="342900" indent="-342900">
-              <a:defRPr/>
-            </a:pPr>
-            <a:endParaRPr lang="en-US" sz="1400" spc="300" dirty="0"/>
-          </a:p>
-          <a:p>
-            <a:pPr marL="342900" indent="-342900">
-              <a:buFont typeface="+mj-lt"/>
-              <a:buAutoNum type="arabicPeriod"/>
-              <a:defRPr/>
-            </a:pPr>
-            <a:r>
-              <a:rPr lang="en-US" sz="1400" spc="300" dirty="0"/>
-              <a:t>QMSS</a:t>
-            </a:r>
-          </a:p>
-          <a:p>
-            <a:pPr marL="342900" indent="-342900">
-              <a:buFont typeface="+mj-lt"/>
-              <a:buAutoNum type="arabicPeriod"/>
-              <a:defRPr/>
-            </a:pPr>
-            <a:r>
-              <a:rPr lang="en-US" sz="1400" spc="300" dirty="0"/>
-              <a:t>Generic PKTDMA</a:t>
-            </a:r>
-          </a:p>
-          <a:p>
-            <a:pPr marL="342900" indent="-342900">
-              <a:buFont typeface="+mj-lt"/>
-              <a:buAutoNum type="arabicPeriod"/>
-              <a:defRPr/>
-            </a:pPr>
-            <a:r>
-              <a:rPr lang="en-US" sz="1400" spc="300" dirty="0"/>
-              <a:t>QMSS PKTDMA</a:t>
-            </a:r>
-          </a:p>
-          <a:p>
-            <a:pPr marL="342900" indent="-342900">
-              <a:buFont typeface="+mj-lt"/>
-              <a:buAutoNum type="arabicPeriod"/>
-              <a:defRPr/>
-            </a:pPr>
-            <a:r>
-              <a:rPr lang="en-US" sz="1400" spc="300" dirty="0"/>
-              <a:t>SRIO</a:t>
-            </a:r>
-          </a:p>
-          <a:p>
-            <a:pPr marL="342900" indent="-342900">
-              <a:buFont typeface="+mj-lt"/>
-              <a:buAutoNum type="arabicPeriod"/>
-              <a:defRPr/>
-            </a:pPr>
-            <a:r>
-              <a:rPr lang="en-US" sz="1400" spc="300" dirty="0"/>
-              <a:t>SRIO PKTDMA</a:t>
-            </a:r>
-          </a:p>
-          <a:p>
-            <a:pPr marL="342900" indent="-342900">
-              <a:buFont typeface="+mj-lt"/>
-              <a:buAutoNum type="arabicPeriod"/>
-              <a:defRPr/>
-            </a:pPr>
-            <a:r>
-              <a:rPr lang="en-US" sz="1400" spc="300" dirty="0"/>
-              <a:t>Sockets</a:t>
-            </a:r>
-          </a:p>
-          <a:p>
-            <a:pPr>
-              <a:defRPr/>
-            </a:pPr>
-            <a:endParaRPr lang="en-US" dirty="0"/>
+            <a:off x="333375" y="1524000"/>
+            <a:ext cx="8467725" cy="4648200"/>
+          </a:xfrm>
+        </p:spPr>
+        <p:txBody>
+          <a:bodyPr/>
+          <a:lstStyle/>
+          <a:p>
+            <a:pPr algn="ctr" eaLnBrk="1" hangingPunct="1">
+              <a:lnSpc>
+                <a:spcPct val="90000"/>
+              </a:lnSpc>
+              <a:buFont typeface="Arial" charset="0"/>
+              <a:buNone/>
+            </a:pPr>
+            <a:endParaRPr lang="en-US" sz="2400" dirty="0" smtClean="0"/>
+          </a:p>
+          <a:p>
+            <a:pPr eaLnBrk="1" hangingPunct="1">
+              <a:lnSpc>
+                <a:spcPct val="90000"/>
+              </a:lnSpc>
+            </a:pPr>
+            <a:r>
+              <a:rPr lang="en-US" sz="2400" b="1" dirty="0" smtClean="0"/>
+              <a:t>Link Ram - </a:t>
+            </a:r>
+            <a:r>
+              <a:rPr lang="en-US" sz="2400" dirty="0" smtClean="0"/>
+              <a:t>Up to two LINK-RAM</a:t>
+            </a:r>
+            <a:endParaRPr lang="en-US" sz="2400" b="1" dirty="0" smtClean="0"/>
+          </a:p>
+          <a:p>
+            <a:pPr lvl="1" eaLnBrk="1" hangingPunct="1">
+              <a:lnSpc>
+                <a:spcPct val="90000"/>
+              </a:lnSpc>
+            </a:pPr>
+            <a:r>
+              <a:rPr lang="en-US" sz="2000" dirty="0" smtClean="0"/>
+              <a:t>One internal, Region 0, address 0x0008 0000, size up to 16K</a:t>
+            </a:r>
+          </a:p>
+          <a:p>
+            <a:pPr lvl="1" eaLnBrk="1" hangingPunct="1">
+              <a:lnSpc>
+                <a:spcPct val="90000"/>
+              </a:lnSpc>
+            </a:pPr>
+            <a:r>
+              <a:rPr lang="en-US" sz="2000" dirty="0" smtClean="0"/>
+              <a:t>One External, global memory, size up to 512K</a:t>
+            </a:r>
+          </a:p>
+          <a:p>
+            <a:pPr eaLnBrk="1" hangingPunct="1">
+              <a:lnSpc>
+                <a:spcPct val="90000"/>
+              </a:lnSpc>
+            </a:pPr>
+            <a:r>
+              <a:rPr lang="en-US" sz="2400" b="1" dirty="0" smtClean="0"/>
+              <a:t>Memory Regions </a:t>
+            </a:r>
+            <a:r>
+              <a:rPr lang="en-US" sz="2400" dirty="0" smtClean="0"/>
+              <a:t> - Where descriptors actually reside</a:t>
+            </a:r>
+          </a:p>
+          <a:p>
+            <a:pPr lvl="1" eaLnBrk="1" hangingPunct="1">
+              <a:lnSpc>
+                <a:spcPct val="90000"/>
+              </a:lnSpc>
+            </a:pPr>
+            <a:r>
+              <a:rPr lang="en-US" sz="2000" dirty="0" smtClean="0"/>
+              <a:t>Up to 20 regions, 16 byte alignment</a:t>
+            </a:r>
+          </a:p>
+          <a:p>
+            <a:pPr lvl="1" eaLnBrk="1" hangingPunct="1">
+              <a:lnSpc>
+                <a:spcPct val="90000"/>
+              </a:lnSpc>
+            </a:pPr>
+            <a:r>
+              <a:rPr lang="en-US" sz="2000" dirty="0" smtClean="0"/>
+              <a:t>Descriptor size is multiple of 16 bytes, minimum 32</a:t>
+            </a:r>
+          </a:p>
+          <a:p>
+            <a:pPr lvl="1" eaLnBrk="1" hangingPunct="1">
+              <a:lnSpc>
+                <a:spcPct val="90000"/>
+              </a:lnSpc>
+            </a:pPr>
+            <a:r>
+              <a:rPr lang="en-US" sz="2000" dirty="0" smtClean="0"/>
+              <a:t>Descriptor count (per region) is power of 2, minimum 32</a:t>
+            </a:r>
+          </a:p>
+          <a:p>
+            <a:pPr lvl="1" eaLnBrk="1" hangingPunct="1">
+              <a:lnSpc>
+                <a:spcPct val="90000"/>
+              </a:lnSpc>
+            </a:pPr>
+            <a:r>
+              <a:rPr lang="en-US" sz="2000" dirty="0" smtClean="0"/>
+              <a:t>Configuration – base address, start index in the LINK RAM, size and number of descriptors</a:t>
+            </a:r>
+          </a:p>
+          <a:p>
+            <a:pPr eaLnBrk="1" hangingPunct="1">
+              <a:lnSpc>
+                <a:spcPct val="90000"/>
+              </a:lnSpc>
+            </a:pPr>
+            <a:r>
+              <a:rPr lang="en-US" sz="2400" b="1" dirty="0" smtClean="0"/>
+              <a:t>Loading PDSP firmware </a:t>
+            </a:r>
+          </a:p>
+          <a:p>
+            <a:pPr lvl="1" eaLnBrk="1" hangingPunct="1">
+              <a:lnSpc>
+                <a:spcPct val="90000"/>
+              </a:lnSpc>
+              <a:buFont typeface="Arial" charset="0"/>
+              <a:buNone/>
+            </a:pPr>
+            <a:endParaRPr lang="en-US" sz="1600" dirty="0" smtClean="0"/>
+          </a:p>
+          <a:p>
+            <a:pPr eaLnBrk="1" hangingPunct="1">
+              <a:lnSpc>
+                <a:spcPct val="90000"/>
+              </a:lnSpc>
+            </a:pPr>
+            <a:endParaRPr lang="en-US" sz="2400" dirty="0" smtClean="0"/>
+          </a:p>
+          <a:p>
+            <a:pPr eaLnBrk="1" hangingPunct="1">
+              <a:lnSpc>
+                <a:spcPct val="90000"/>
+              </a:lnSpc>
+            </a:pPr>
+            <a:endParaRPr lang="en-US" sz="2400" dirty="0" smtClean="0"/>
           </a:p>
         </p:txBody>
       </p:sp>
     </p:spTree>
+    <p:custDataLst>
+      <p:tags r:id="rId1"/>
+    </p:custDataLst>
   </p:cSld>
   <p:clrMapOvr>
     <a:masterClrMapping/>
@@ -6182,18 +7571,18 @@
       </p:grpSpPr>
       <p:sp>
         <p:nvSpPr>
-          <p:cNvPr id="17410" name="Title 1"/>
-          <p:cNvSpPr>
-            <a:spLocks noGrp="1"/>
-          </p:cNvSpPr>
-          <p:nvPr>
-            <p:ph type="title" idx="4294967295"/>
+          <p:cNvPr id="27650" name="Rectangle 2"/>
+          <p:cNvSpPr>
+            <a:spLocks noGrp="1" noChangeArrowheads="1"/>
+          </p:cNvSpPr>
+          <p:nvPr>
+            <p:ph type="title"/>
           </p:nvPr>
         </p:nvSpPr>
         <p:spPr>
           <a:xfrm>
-            <a:off x="457200" y="76200"/>
-            <a:ext cx="8229600" cy="477838"/>
+            <a:off x="152400" y="152400"/>
+            <a:ext cx="8686800" cy="1447800"/>
           </a:xfrm>
         </p:spPr>
         <p:txBody>
@@ -6202,187 +7591,174 @@
           <a:p>
             <a:pPr eaLnBrk="1" hangingPunct="1"/>
             <a:r>
-              <a:rPr lang="en-US" smtClean="0"/>
-              <a:t>QMSS Initialization</a:t>
-            </a:r>
-          </a:p>
-        </p:txBody>
-      </p:sp>
-      <p:sp>
-        <p:nvSpPr>
-          <p:cNvPr id="17411" name="Content Placeholder 2"/>
-          <p:cNvSpPr>
-            <a:spLocks noGrp="1"/>
-          </p:cNvSpPr>
-          <p:nvPr>
-            <p:ph idx="4294967295"/>
-          </p:nvPr>
-        </p:nvSpPr>
-        <p:spPr/>
+              <a:rPr lang="en-US" dirty="0" smtClean="0"/>
+              <a:t>Navigator Configuration</a:t>
+            </a:r>
+            <a:endParaRPr lang="en-US" dirty="0" smtClean="0"/>
+          </a:p>
+        </p:txBody>
+      </p:sp>
+      <p:sp>
+        <p:nvSpPr>
+          <p:cNvPr id="27651" name="Rectangle 3"/>
+          <p:cNvSpPr>
+            <a:spLocks noGrp="1" noChangeArrowheads="1"/>
+          </p:cNvSpPr>
+          <p:nvPr>
+            <p:ph idx="1"/>
+          </p:nvPr>
+        </p:nvSpPr>
+        <p:spPr>
+          <a:xfrm>
+            <a:off x="381000" y="1524000"/>
+            <a:ext cx="8467725" cy="4648200"/>
+          </a:xfrm>
+        </p:spPr>
         <p:txBody>
           <a:bodyPr/>
           <a:lstStyle/>
+          <a:p>
+            <a:pPr algn="ctr" eaLnBrk="1" hangingPunct="1">
+              <a:lnSpc>
+                <a:spcPct val="90000"/>
+              </a:lnSpc>
+              <a:buFont typeface="Arial" charset="0"/>
+              <a:buNone/>
+            </a:pPr>
+            <a:endParaRPr lang="en-US" sz="2400" dirty="0" smtClean="0"/>
+          </a:p>
           <a:p>
             <a:pPr eaLnBrk="1" hangingPunct="1">
               <a:lnSpc>
-                <a:spcPct val="80000"/>
+                <a:spcPct val="90000"/>
               </a:lnSpc>
             </a:pPr>
             <a:r>
-              <a:rPr lang="en-US" sz="2400" b="1" smtClean="0"/>
-              <a:t>Qmss_init  (qmss_drv.c)</a:t>
-            </a:r>
-            <a:r>
-              <a:rPr lang="en-US" sz="2400" smtClean="0"/>
-              <a:t> </a:t>
+              <a:rPr lang="en-US" sz="2400" b="1" dirty="0" smtClean="0"/>
+              <a:t>Descriptors</a:t>
             </a:r>
           </a:p>
           <a:p>
             <a:pPr lvl="1" eaLnBrk="1" hangingPunct="1">
               <a:lnSpc>
-                <a:spcPct val="80000"/>
+                <a:spcPct val="90000"/>
               </a:lnSpc>
             </a:pPr>
             <a:r>
-              <a:rPr lang="en-US" sz="2000" smtClean="0"/>
-              <a:t>Number and location of the link RAM</a:t>
+              <a:rPr lang="en-US" sz="2000" dirty="0" smtClean="0"/>
+              <a:t>Create and initialize.</a:t>
             </a:r>
           </a:p>
           <a:p>
             <a:pPr lvl="1" eaLnBrk="1" hangingPunct="1">
               <a:lnSpc>
-                <a:spcPct val="80000"/>
+                <a:spcPct val="90000"/>
               </a:lnSpc>
             </a:pPr>
             <a:r>
-              <a:rPr lang="en-US" sz="2000" smtClean="0"/>
-              <a:t>Number of descriptors</a:t>
+              <a:rPr lang="en-US" sz="2000" dirty="0" smtClean="0"/>
+              <a:t>Allocate data buffers and associate them with descriptors.</a:t>
+            </a:r>
+          </a:p>
+          <a:p>
+            <a:pPr eaLnBrk="1" hangingPunct="1">
+              <a:lnSpc>
+                <a:spcPct val="90000"/>
+              </a:lnSpc>
+            </a:pPr>
+            <a:r>
+              <a:rPr lang="en-US" sz="2400" b="1" dirty="0" smtClean="0"/>
+              <a:t>Queues</a:t>
             </a:r>
           </a:p>
           <a:p>
             <a:pPr lvl="1" eaLnBrk="1" hangingPunct="1">
               <a:lnSpc>
-                <a:spcPct val="80000"/>
+                <a:spcPct val="90000"/>
               </a:lnSpc>
             </a:pPr>
             <a:r>
-              <a:rPr lang="en-US" sz="2000" smtClean="0"/>
-              <a:t>APDSP firmware </a:t>
+              <a:rPr lang="en-US" sz="2000" dirty="0" smtClean="0"/>
+              <a:t>Open transmit, receive, free, and error queues.</a:t>
             </a:r>
           </a:p>
           <a:p>
             <a:pPr lvl="1" eaLnBrk="1" hangingPunct="1">
               <a:lnSpc>
-                <a:spcPct val="80000"/>
+                <a:spcPct val="90000"/>
               </a:lnSpc>
             </a:pPr>
             <a:r>
-              <a:rPr lang="en-US" sz="2000" smtClean="0"/>
-              <a:t>Set global structure qmssLobj to be used later</a:t>
+              <a:rPr lang="en-US" sz="2000" dirty="0" smtClean="0"/>
+              <a:t>Define receive flows.</a:t>
+            </a:r>
+          </a:p>
+          <a:p>
+            <a:pPr lvl="1" eaLnBrk="1" hangingPunct="1">
+              <a:lnSpc>
+                <a:spcPct val="90000"/>
+              </a:lnSpc>
+            </a:pPr>
+            <a:r>
+              <a:rPr lang="en-US" sz="2000" dirty="0" smtClean="0"/>
+              <a:t>Configure transmit and receive queues.</a:t>
             </a:r>
           </a:p>
           <a:p>
             <a:pPr eaLnBrk="1" hangingPunct="1">
               <a:lnSpc>
-                <a:spcPct val="80000"/>
+                <a:spcPct val="90000"/>
               </a:lnSpc>
             </a:pPr>
             <a:r>
-              <a:rPr lang="en-US" sz="2400" b="1" smtClean="0"/>
-              <a:t>Qmss_start (qmss_drv.c)</a:t>
+              <a:rPr lang="en-US" sz="2400" b="1" dirty="0" smtClean="0"/>
+              <a:t>PKTDMA </a:t>
             </a:r>
           </a:p>
           <a:p>
             <a:pPr lvl="1" eaLnBrk="1" hangingPunct="1">
               <a:lnSpc>
-                <a:spcPct val="80000"/>
+                <a:spcPct val="90000"/>
               </a:lnSpc>
             </a:pPr>
             <a:r>
-              <a:rPr lang="en-US" sz="2000" smtClean="0"/>
-              <a:t>Load global structure into local memory of each core</a:t>
+              <a:rPr lang="en-US" sz="2000" dirty="0" smtClean="0"/>
+              <a:t>Configure all PKTDMA in the system.</a:t>
+            </a:r>
+          </a:p>
+          <a:p>
+            <a:pPr lvl="1" eaLnBrk="1" hangingPunct="1">
+              <a:lnSpc>
+                <a:spcPct val="90000"/>
+              </a:lnSpc>
+            </a:pPr>
+            <a:r>
+              <a:rPr lang="en-US" sz="2000" dirty="0" smtClean="0"/>
+              <a:t>Special configuration information used for PKTDMA.</a:t>
             </a:r>
           </a:p>
           <a:p>
             <a:pPr eaLnBrk="1" hangingPunct="1">
               <a:lnSpc>
-                <a:spcPct val="80000"/>
+                <a:spcPct val="90000"/>
               </a:lnSpc>
             </a:pPr>
-            <a:r>
-              <a:rPr lang="en-US" sz="2400" b="1" smtClean="0"/>
-              <a:t>Qmss_insertMemoryRegion (qmss_drv.c)</a:t>
-            </a:r>
-          </a:p>
-          <a:p>
-            <a:pPr lvl="1" eaLnBrk="1" hangingPunct="1">
+            <a:endParaRPr lang="en-US" sz="2400" dirty="0" smtClean="0"/>
+          </a:p>
+          <a:p>
+            <a:pPr eaLnBrk="1" hangingPunct="1">
               <a:lnSpc>
-                <a:spcPct val="80000"/>
+                <a:spcPct val="90000"/>
               </a:lnSpc>
             </a:pPr>
-            <a:r>
-              <a:rPr lang="en-US" sz="2000" smtClean="0"/>
-              <a:t>Base address of each region</a:t>
-            </a:r>
-          </a:p>
-          <a:p>
-            <a:pPr lvl="1" eaLnBrk="1" hangingPunct="1">
-              <a:lnSpc>
-                <a:spcPct val="80000"/>
-              </a:lnSpc>
-            </a:pPr>
-            <a:r>
-              <a:rPr lang="en-US" sz="2000" smtClean="0"/>
-              <a:t>Number of descriptors</a:t>
-            </a:r>
-          </a:p>
-          <a:p>
-            <a:pPr lvl="1" eaLnBrk="1" hangingPunct="1">
-              <a:lnSpc>
-                <a:spcPct val="80000"/>
-              </a:lnSpc>
-            </a:pPr>
-            <a:r>
-              <a:rPr lang="en-US" sz="2000" smtClean="0"/>
-              <a:t>Size of descriptors</a:t>
-            </a:r>
-          </a:p>
-          <a:p>
-            <a:pPr lvl="1" eaLnBrk="1" hangingPunct="1">
-              <a:lnSpc>
-                <a:spcPct val="80000"/>
-              </a:lnSpc>
-            </a:pPr>
-            <a:r>
-              <a:rPr lang="en-US" sz="2000" smtClean="0"/>
-              <a:t>Region type</a:t>
-            </a:r>
-          </a:p>
-          <a:p>
-            <a:pPr lvl="1" eaLnBrk="1" hangingPunct="1">
-              <a:lnSpc>
-                <a:spcPct val="80000"/>
-              </a:lnSpc>
-            </a:pPr>
-            <a:r>
-              <a:rPr lang="en-US" sz="2000" smtClean="0"/>
-              <a:t>How the region is managed (either by the LLD or the application)</a:t>
-            </a:r>
-          </a:p>
-          <a:p>
-            <a:pPr lvl="1" eaLnBrk="1" hangingPunct="1">
-              <a:lnSpc>
-                <a:spcPct val="80000"/>
-              </a:lnSpc>
-            </a:pPr>
-            <a:r>
-              <a:rPr lang="en-US" sz="2000" smtClean="0"/>
-              <a:t>Region number (or not specified)</a:t>
-            </a:r>
+            <a:endParaRPr lang="en-US" sz="2400" dirty="0" smtClean="0"/>
           </a:p>
         </p:txBody>
       </p:sp>
     </p:spTree>
+    <p:custDataLst>
+      <p:tags r:id="rId1"/>
+    </p:custDataLst>
   </p:cSld>
   <p:clrMapOvr>
     <a:masterClrMapping/>
@@ -6416,7 +7792,170 @@
       </p:grpSpPr>
       <p:sp>
         <p:nvSpPr>
-          <p:cNvPr id="18434" name="Title 1"/>
+          <p:cNvPr id="6147" name="Text Box 13"/>
+          <p:cNvSpPr txBox="1">
+            <a:spLocks noChangeArrowheads="1"/>
+          </p:cNvSpPr>
+          <p:nvPr/>
+        </p:nvSpPr>
+        <p:spPr bwMode="auto">
+          <a:xfrm>
+            <a:off x="228600" y="6448425"/>
+            <a:ext cx="8763000" cy="366713"/>
+          </a:xfrm>
+          <a:prstGeom prst="rect">
+            <a:avLst/>
+          </a:prstGeom>
+          <a:solidFill>
+            <a:schemeClr val="bg1"/>
+          </a:solidFill>
+          <a:ln w="9525">
+            <a:noFill/>
+            <a:miter lim="800000"/>
+            <a:headEnd/>
+            <a:tailEnd/>
+          </a:ln>
+        </p:spPr>
+        <p:txBody>
+          <a:bodyPr>
+            <a:spAutoFit/>
+          </a:bodyPr>
+          <a:lstStyle/>
+          <a:p>
+            <a:pPr>
+              <a:spcBef>
+                <a:spcPct val="50000"/>
+              </a:spcBef>
+            </a:pPr>
+            <a:endParaRPr lang="en-US"/>
+          </a:p>
+        </p:txBody>
+      </p:sp>
+      <p:sp>
+        <p:nvSpPr>
+          <p:cNvPr id="6148" name="Rectangle 2"/>
+          <p:cNvSpPr>
+            <a:spLocks noChangeArrowheads="1"/>
+          </p:cNvSpPr>
+          <p:nvPr/>
+        </p:nvSpPr>
+        <p:spPr bwMode="auto">
+          <a:xfrm>
+            <a:off x="0" y="0"/>
+            <a:ext cx="9144000" cy="0"/>
+          </a:xfrm>
+          <a:prstGeom prst="rect">
+            <a:avLst/>
+          </a:prstGeom>
+          <a:noFill/>
+          <a:ln w="9525">
+            <a:noFill/>
+            <a:miter lim="800000"/>
+            <a:headEnd/>
+            <a:tailEnd/>
+          </a:ln>
+        </p:spPr>
+        <p:txBody>
+          <a:bodyPr wrap="none" anchor="ctr">
+            <a:spAutoFit/>
+          </a:bodyPr>
+          <a:lstStyle/>
+          <a:p>
+            <a:endParaRPr lang="en-US"/>
+          </a:p>
+        </p:txBody>
+      </p:sp>
+      <p:sp>
+        <p:nvSpPr>
+          <p:cNvPr id="6149" name="Rectangle 4"/>
+          <p:cNvSpPr>
+            <a:spLocks noChangeArrowheads="1"/>
+          </p:cNvSpPr>
+          <p:nvPr/>
+        </p:nvSpPr>
+        <p:spPr bwMode="auto">
+          <a:xfrm>
+            <a:off x="0" y="0"/>
+            <a:ext cx="9144000" cy="0"/>
+          </a:xfrm>
+          <a:prstGeom prst="rect">
+            <a:avLst/>
+          </a:prstGeom>
+          <a:noFill/>
+          <a:ln w="9525">
+            <a:noFill/>
+            <a:miter lim="800000"/>
+            <a:headEnd/>
+            <a:tailEnd/>
+          </a:ln>
+        </p:spPr>
+        <p:txBody>
+          <a:bodyPr wrap="none" anchor="ctr">
+            <a:spAutoFit/>
+          </a:bodyPr>
+          <a:lstStyle/>
+          <a:p>
+            <a:endParaRPr lang="en-US"/>
+          </a:p>
+        </p:txBody>
+      </p:sp>
+      <p:sp>
+        <p:nvSpPr>
+          <p:cNvPr id="6150" name="Rectangle 4"/>
+          <p:cNvSpPr>
+            <a:spLocks noChangeArrowheads="1"/>
+          </p:cNvSpPr>
+          <p:nvPr/>
+        </p:nvSpPr>
+        <p:spPr bwMode="auto">
+          <a:xfrm>
+            <a:off x="0" y="0"/>
+            <a:ext cx="9144000" cy="0"/>
+          </a:xfrm>
+          <a:prstGeom prst="rect">
+            <a:avLst/>
+          </a:prstGeom>
+          <a:noFill/>
+          <a:ln w="9525">
+            <a:noFill/>
+            <a:miter lim="800000"/>
+            <a:headEnd/>
+            <a:tailEnd/>
+          </a:ln>
+        </p:spPr>
+        <p:txBody>
+          <a:bodyPr wrap="none" anchor="ctr">
+            <a:spAutoFit/>
+          </a:bodyPr>
+          <a:lstStyle/>
+          <a:p>
+            <a:endParaRPr lang="en-US"/>
+          </a:p>
+        </p:txBody>
+      </p:sp>
+      <p:graphicFrame>
+        <p:nvGraphicFramePr>
+          <p:cNvPr id="6146" name="Object 7"/>
+          <p:cNvGraphicFramePr>
+            <a:graphicFrameLocks noChangeAspect="1"/>
+          </p:cNvGraphicFramePr>
+          <p:nvPr/>
+        </p:nvGraphicFramePr>
+        <p:xfrm>
+          <a:off x="1066800" y="685800"/>
+          <a:ext cx="3994150" cy="5867400"/>
+        </p:xfrm>
+        <a:graphic>
+          <a:graphicData uri="http://schemas.openxmlformats.org/presentationml/2006/ole">
+            <p:oleObj spid="_x0000_s6146" name="Visio" r:id="rId4" imgW="6252497" imgH="8453336" progId="Visio.Drawing.11">
+              <p:embed/>
+            </p:oleObj>
+          </a:graphicData>
+        </a:graphic>
+      </p:graphicFrame>
+      <p:sp>
+        <p:nvSpPr>
+          <p:cNvPr id="6151" name="Title 1"/>
           <p:cNvSpPr>
             <a:spLocks noGrp="1"/>
           </p:cNvSpPr>
@@ -6426,100 +7965,134 @@
         </p:nvSpPr>
         <p:spPr>
           <a:xfrm>
-            <a:off x="457200" y="76200"/>
-            <a:ext cx="8229600" cy="477838"/>
+            <a:off x="457200" y="0"/>
+            <a:ext cx="8229600" cy="563563"/>
           </a:xfrm>
         </p:spPr>
         <p:txBody>
           <a:bodyPr/>
           <a:lstStyle/>
           <a:p>
-            <a:pPr eaLnBrk="1" hangingPunct="1"/>
             <a:r>
               <a:rPr lang="en-US" smtClean="0"/>
-              <a:t>Global PKTDMA (CPPI) Initialization</a:t>
-            </a:r>
-          </a:p>
-        </p:txBody>
-      </p:sp>
-      <p:sp>
-        <p:nvSpPr>
-          <p:cNvPr id="18435" name="Content Placeholder 2"/>
-          <p:cNvSpPr>
-            <a:spLocks noGrp="1"/>
-          </p:cNvSpPr>
-          <p:nvPr>
-            <p:ph idx="4294967295"/>
-          </p:nvPr>
-        </p:nvSpPr>
-        <p:spPr/>
-        <p:txBody>
-          <a:bodyPr/>
-          <a:lstStyle/>
-          <a:p>
-            <a:pPr eaLnBrk="1" hangingPunct="1"/>
-            <a:r>
-              <a:rPr lang="en-US" sz="2400" b="1" smtClean="0"/>
-              <a:t>cppi_init  (cppi_drv.c) </a:t>
-            </a:r>
-            <a:r>
-              <a:rPr lang="en-US" sz="2400" smtClean="0"/>
-              <a:t>loads all instances of PKTDMA from the global structure cppiGblCfgParas, which is defined in the file cppi_device.c </a:t>
-            </a:r>
-          </a:p>
-          <a:p>
-            <a:pPr lvl="1" eaLnBrk="1" hangingPunct="1"/>
-            <a:r>
-              <a:rPr lang="en-US" sz="2000" smtClean="0"/>
+              <a:t>Configuration/Initialization Flow</a:t>
+            </a:r>
+          </a:p>
+        </p:txBody>
+      </p:sp>
+      <p:sp>
+        <p:nvSpPr>
+          <p:cNvPr id="8" name="TextBox 7"/>
+          <p:cNvSpPr txBox="1"/>
+          <p:nvPr/>
+        </p:nvSpPr>
+        <p:spPr>
+          <a:xfrm>
+            <a:off x="5791200" y="1676400"/>
+            <a:ext cx="2667000" cy="2308225"/>
+          </a:xfrm>
+          <a:prstGeom prst="rect">
+            <a:avLst/>
+          </a:prstGeom>
+          <a:noFill/>
+        </p:spPr>
+        <p:txBody>
+          <a:bodyPr>
+            <a:spAutoFit/>
+          </a:bodyPr>
+          <a:lstStyle/>
+          <a:p>
+            <a:pPr marL="342900" indent="-342900">
+              <a:defRPr/>
+            </a:pPr>
+            <a:endParaRPr lang="en-US" sz="1400" spc="300" dirty="0"/>
+          </a:p>
+          <a:p>
+            <a:pPr marL="342900" indent="-342900">
+              <a:defRPr/>
+            </a:pPr>
+            <a:r>
+              <a:rPr lang="en-US" sz="1400" spc="300" dirty="0"/>
+              <a:t>Configuration Steps:</a:t>
+            </a:r>
+          </a:p>
+          <a:p>
+            <a:pPr marL="342900" indent="-342900">
+              <a:defRPr/>
+            </a:pPr>
+            <a:endParaRPr lang="en-US" sz="1400" spc="300" dirty="0"/>
+          </a:p>
+          <a:p>
+            <a:pPr marL="342900" indent="-342900">
+              <a:buFont typeface="+mj-lt"/>
+              <a:buAutoNum type="arabicPeriod"/>
+              <a:defRPr/>
+            </a:pPr>
+            <a:r>
+              <a:rPr lang="en-US" sz="1400" spc="300" dirty="0"/>
+              <a:t>QMSS</a:t>
+            </a:r>
+          </a:p>
+          <a:p>
+            <a:pPr marL="342900" indent="-342900">
+              <a:buFont typeface="+mj-lt"/>
+              <a:buAutoNum type="arabicPeriod"/>
+              <a:defRPr/>
+            </a:pPr>
+            <a:r>
+              <a:rPr lang="en-US" sz="1400" spc="300" dirty="0"/>
+              <a:t>Generic PKTDMA</a:t>
+            </a:r>
+          </a:p>
+          <a:p>
+            <a:pPr marL="342900" indent="-342900">
+              <a:buFont typeface="+mj-lt"/>
+              <a:buAutoNum type="arabicPeriod"/>
+              <a:defRPr/>
+            </a:pPr>
+            <a:r>
+              <a:rPr lang="en-US" sz="1400" spc="300" dirty="0"/>
+              <a:t>QMSS PKTDMA</a:t>
+            </a:r>
+          </a:p>
+          <a:p>
+            <a:pPr marL="342900" indent="-342900">
+              <a:buFont typeface="+mj-lt"/>
+              <a:buAutoNum type="arabicPeriod"/>
+              <a:defRPr/>
+            </a:pPr>
+            <a:r>
+              <a:rPr lang="en-US" sz="1400" spc="300" dirty="0"/>
               <a:t>SRIO</a:t>
             </a:r>
           </a:p>
           <a:p>
-            <a:pPr lvl="1" eaLnBrk="1" hangingPunct="1"/>
-            <a:r>
-              <a:rPr lang="en-US" sz="2000" smtClean="0"/>
-              <a:t>PA</a:t>
-            </a:r>
-          </a:p>
-          <a:p>
-            <a:pPr lvl="1" eaLnBrk="1" hangingPunct="1"/>
-            <a:r>
-              <a:rPr lang="en-US" sz="2000" smtClean="0"/>
-              <a:t>QMSS</a:t>
-            </a:r>
-          </a:p>
-          <a:p>
-            <a:pPr lvl="1" eaLnBrk="1" hangingPunct="1"/>
-            <a:r>
-              <a:rPr lang="en-US" sz="2000" smtClean="0"/>
-              <a:t>AIF (wireless applications only)</a:t>
-            </a:r>
-            <a:endParaRPr lang="en-US" sz="1600" smtClean="0"/>
-          </a:p>
-          <a:p>
-            <a:pPr lvl="1" eaLnBrk="1" hangingPunct="1"/>
-            <a:r>
-              <a:rPr lang="en-US" sz="2000" smtClean="0"/>
-              <a:t>FFTC (wireless applications only)</a:t>
-            </a:r>
-          </a:p>
-          <a:p>
-            <a:pPr lvl="1" eaLnBrk="1" hangingPunct="1"/>
-            <a:r>
-              <a:rPr lang="en-US" sz="2000" smtClean="0"/>
-              <a:t>BCP (wireless applications only)</a:t>
-            </a:r>
-          </a:p>
-          <a:p>
-            <a:pPr eaLnBrk="1" hangingPunct="1"/>
-            <a:r>
-              <a:rPr lang="en-US" sz="2400" smtClean="0"/>
-              <a:t>SRIO PKTDMA (CPPI) configuration after SRIO configuration</a:t>
-            </a:r>
-          </a:p>
-          <a:p>
-            <a:pPr eaLnBrk="1" hangingPunct="1"/>
-            <a:endParaRPr lang="en-US" sz="2400" smtClean="0"/>
+            <a:pPr marL="342900" indent="-342900">
+              <a:buFont typeface="+mj-lt"/>
+              <a:buAutoNum type="arabicPeriod"/>
+              <a:defRPr/>
+            </a:pPr>
+            <a:r>
+              <a:rPr lang="en-US" sz="1400" spc="300" dirty="0"/>
+              <a:t>SRIO PKTDMA</a:t>
+            </a:r>
+          </a:p>
+          <a:p>
+            <a:pPr marL="342900" indent="-342900">
+              <a:buFont typeface="+mj-lt"/>
+              <a:buAutoNum type="arabicPeriod"/>
+              <a:defRPr/>
+            </a:pPr>
+            <a:r>
+              <a:rPr lang="en-US" sz="1400" spc="300" dirty="0"/>
+              <a:t>Sockets</a:t>
+            </a:r>
+          </a:p>
+          <a:p>
+            <a:pPr>
+              <a:defRPr/>
+            </a:pPr>
+            <a:endParaRPr lang="en-US" dirty="0"/>
           </a:p>
         </p:txBody>
       </p:sp>
@@ -6557,7 +8130,7 @@
       </p:grpSpPr>
       <p:sp>
         <p:nvSpPr>
-          <p:cNvPr id="7171" name="Title 1"/>
+          <p:cNvPr id="17410" name="Title 1"/>
           <p:cNvSpPr>
             <a:spLocks noGrp="1"/>
           </p:cNvSpPr>
@@ -6575,67 +8148,188 @@
           <a:bodyPr/>
           <a:lstStyle/>
           <a:p>
+            <a:pPr eaLnBrk="1" hangingPunct="1"/>
             <a:r>
               <a:rPr lang="en-US" smtClean="0"/>
-              <a:t>SRIO Layers</a:t>
-            </a:r>
-          </a:p>
-        </p:txBody>
-      </p:sp>
-      <p:sp>
-        <p:nvSpPr>
-          <p:cNvPr id="7172" name="Rectangle 2"/>
-          <p:cNvSpPr>
-            <a:spLocks noChangeArrowheads="1"/>
-          </p:cNvSpPr>
-          <p:nvPr/>
-        </p:nvSpPr>
-        <p:spPr bwMode="auto">
-          <a:xfrm>
-            <a:off x="0" y="0"/>
-            <a:ext cx="9144000" cy="0"/>
-          </a:xfrm>
-          <a:prstGeom prst="rect">
-            <a:avLst/>
-          </a:prstGeom>
-          <a:noFill/>
-          <a:ln w="9525">
-            <a:noFill/>
-            <a:miter lim="800000"/>
-            <a:headEnd/>
-            <a:tailEnd/>
-          </a:ln>
-        </p:spPr>
-        <p:txBody>
-          <a:bodyPr wrap="none" anchor="ctr">
-            <a:spAutoFit/>
-          </a:bodyPr>
-          <a:lstStyle/>
-          <a:p>
-            <a:endParaRPr lang="en-US"/>
-          </a:p>
-        </p:txBody>
-      </p:sp>
-      <p:graphicFrame>
-        <p:nvGraphicFramePr>
-          <p:cNvPr id="7170" name="Object 1"/>
-          <p:cNvGraphicFramePr>
-            <a:graphicFrameLocks noChangeAspect="1"/>
-          </p:cNvGraphicFramePr>
-          <p:nvPr/>
-        </p:nvGraphicFramePr>
-        <p:xfrm>
-          <a:off x="762000" y="1084263"/>
-          <a:ext cx="7620000" cy="5562600"/>
-        </p:xfrm>
-        <a:graphic>
-          <a:graphicData uri="http://schemas.openxmlformats.org/presentationml/2006/ole">
-            <p:oleObj spid="_x0000_s7170" name="Visio" r:id="rId4" imgW="6095025" imgH="4447967" progId="">
-              <p:embed/>
-            </p:oleObj>
-          </a:graphicData>
-        </a:graphic>
-      </p:graphicFrame>
+              <a:t>QMSS Initialization</a:t>
+            </a:r>
+          </a:p>
+        </p:txBody>
+      </p:sp>
+      <p:sp>
+        <p:nvSpPr>
+          <p:cNvPr id="17411" name="Content Placeholder 2"/>
+          <p:cNvSpPr>
+            <a:spLocks noGrp="1"/>
+          </p:cNvSpPr>
+          <p:nvPr>
+            <p:ph idx="4294967295"/>
+          </p:nvPr>
+        </p:nvSpPr>
+        <p:spPr/>
+        <p:txBody>
+          <a:bodyPr/>
+          <a:lstStyle/>
+          <a:p>
+            <a:pPr eaLnBrk="1" hangingPunct="1">
+              <a:lnSpc>
+                <a:spcPct val="80000"/>
+              </a:lnSpc>
+            </a:pPr>
+            <a:r>
+              <a:rPr lang="en-US" sz="2400" b="1" smtClean="0"/>
+              <a:t>Qmss_init  (qmss_drv.c)</a:t>
+            </a:r>
+            <a:r>
+              <a:rPr lang="en-US" sz="2400" smtClean="0"/>
+              <a:t> </a:t>
+            </a:r>
+          </a:p>
+          <a:p>
+            <a:pPr lvl="1" eaLnBrk="1" hangingPunct="1">
+              <a:lnSpc>
+                <a:spcPct val="80000"/>
+              </a:lnSpc>
+            </a:pPr>
+            <a:r>
+              <a:rPr lang="en-US" sz="2000" smtClean="0"/>
+              <a:t>Number and location of the link RAM</a:t>
+            </a:r>
+          </a:p>
+          <a:p>
+            <a:pPr lvl="1" eaLnBrk="1" hangingPunct="1">
+              <a:lnSpc>
+                <a:spcPct val="80000"/>
+              </a:lnSpc>
+            </a:pPr>
+            <a:r>
+              <a:rPr lang="en-US" sz="2000" smtClean="0"/>
+              <a:t>Number of descriptors</a:t>
+            </a:r>
+          </a:p>
+          <a:p>
+            <a:pPr lvl="1" eaLnBrk="1" hangingPunct="1">
+              <a:lnSpc>
+                <a:spcPct val="80000"/>
+              </a:lnSpc>
+            </a:pPr>
+            <a:r>
+              <a:rPr lang="en-US" sz="2000" smtClean="0"/>
+              <a:t>APDSP firmware </a:t>
+            </a:r>
+          </a:p>
+          <a:p>
+            <a:pPr lvl="1" eaLnBrk="1" hangingPunct="1">
+              <a:lnSpc>
+                <a:spcPct val="80000"/>
+              </a:lnSpc>
+            </a:pPr>
+            <a:r>
+              <a:rPr lang="en-US" sz="2000" smtClean="0"/>
+              <a:t>Set global structure qmssLobj to be used later</a:t>
+            </a:r>
+          </a:p>
+          <a:p>
+            <a:pPr eaLnBrk="1" hangingPunct="1">
+              <a:lnSpc>
+                <a:spcPct val="80000"/>
+              </a:lnSpc>
+            </a:pPr>
+            <a:r>
+              <a:rPr lang="en-US" sz="2400" b="1" smtClean="0"/>
+              <a:t>Qmss_start (qmss_drv.c)</a:t>
+            </a:r>
+          </a:p>
+          <a:p>
+            <a:pPr lvl="1" eaLnBrk="1" hangingPunct="1">
+              <a:lnSpc>
+                <a:spcPct val="80000"/>
+              </a:lnSpc>
+            </a:pPr>
+            <a:r>
+              <a:rPr lang="en-US" sz="2000" smtClean="0"/>
+              <a:t>Load global structure into local memory of each core</a:t>
+            </a:r>
+          </a:p>
+          <a:p>
+            <a:pPr eaLnBrk="1" hangingPunct="1">
+              <a:lnSpc>
+                <a:spcPct val="80000"/>
+              </a:lnSpc>
+            </a:pPr>
+            <a:r>
+              <a:rPr lang="en-US" sz="2400" b="1" smtClean="0"/>
+              <a:t>Qmss_insertMemoryRegion (qmss_drv.c)</a:t>
+            </a:r>
+          </a:p>
+          <a:p>
+            <a:pPr lvl="1" eaLnBrk="1" hangingPunct="1">
+              <a:lnSpc>
+                <a:spcPct val="80000"/>
+              </a:lnSpc>
+            </a:pPr>
+            <a:r>
+              <a:rPr lang="en-US" sz="2000" smtClean="0"/>
+              <a:t>Base address of each region</a:t>
+            </a:r>
+          </a:p>
+          <a:p>
+            <a:pPr lvl="1" eaLnBrk="1" hangingPunct="1">
+              <a:lnSpc>
+                <a:spcPct val="80000"/>
+              </a:lnSpc>
+            </a:pPr>
+            <a:r>
+              <a:rPr lang="en-US" sz="2000" smtClean="0"/>
+              <a:t>Number of descriptors</a:t>
+            </a:r>
+          </a:p>
+          <a:p>
+            <a:pPr lvl="1" eaLnBrk="1" hangingPunct="1">
+              <a:lnSpc>
+                <a:spcPct val="80000"/>
+              </a:lnSpc>
+            </a:pPr>
+            <a:r>
+              <a:rPr lang="en-US" sz="2000" smtClean="0"/>
+              <a:t>Size of descriptors</a:t>
+            </a:r>
+          </a:p>
+          <a:p>
+            <a:pPr lvl="1" eaLnBrk="1" hangingPunct="1">
+              <a:lnSpc>
+                <a:spcPct val="80000"/>
+              </a:lnSpc>
+            </a:pPr>
+            <a:r>
+              <a:rPr lang="en-US" sz="2000" smtClean="0"/>
+              <a:t>Region type</a:t>
+            </a:r>
+          </a:p>
+          <a:p>
+            <a:pPr lvl="1" eaLnBrk="1" hangingPunct="1">
+              <a:lnSpc>
+                <a:spcPct val="80000"/>
+              </a:lnSpc>
+            </a:pPr>
+            <a:r>
+              <a:rPr lang="en-US" sz="2000" smtClean="0"/>
+              <a:t>How the region is managed (either by the LLD or the application)</a:t>
+            </a:r>
+          </a:p>
+          <a:p>
+            <a:pPr lvl="1" eaLnBrk="1" hangingPunct="1">
+              <a:lnSpc>
+                <a:spcPct val="80000"/>
+              </a:lnSpc>
+            </a:pPr>
+            <a:r>
+              <a:rPr lang="en-US" sz="2000" smtClean="0"/>
+              <a:t>Region number (or not specified)</a:t>
+            </a:r>
+          </a:p>
+        </p:txBody>
+      </p:sp>
     </p:spTree>
   </p:cSld>
   <p:clrMapOvr>
@@ -6670,7 +8364,7 @@
       </p:grpSpPr>
       <p:sp>
         <p:nvSpPr>
-          <p:cNvPr id="19458" name="Title 1"/>
+          <p:cNvPr id="18434" name="Title 1"/>
           <p:cNvSpPr>
             <a:spLocks noGrp="1"/>
           </p:cNvSpPr>
@@ -6688,79 +8382,95 @@
           <a:bodyPr/>
           <a:lstStyle/>
           <a:p>
+            <a:pPr eaLnBrk="1" hangingPunct="1"/>
             <a:r>
               <a:rPr lang="en-US" smtClean="0"/>
-              <a:t>SRIO Physical Layer</a:t>
-            </a:r>
-          </a:p>
-        </p:txBody>
-      </p:sp>
-      <p:sp>
-        <p:nvSpPr>
-          <p:cNvPr id="19459" name="Rectangle 2"/>
-          <p:cNvSpPr>
-            <a:spLocks noChangeArrowheads="1"/>
-          </p:cNvSpPr>
-          <p:nvPr/>
-        </p:nvSpPr>
-        <p:spPr bwMode="auto">
-          <a:xfrm>
-            <a:off x="0" y="0"/>
-            <a:ext cx="9144000" cy="0"/>
-          </a:xfrm>
-          <a:prstGeom prst="rect">
-            <a:avLst/>
-          </a:prstGeom>
-          <a:noFill/>
-          <a:ln w="9525">
-            <a:noFill/>
-            <a:miter lim="800000"/>
-            <a:headEnd/>
-            <a:tailEnd/>
-          </a:ln>
-        </p:spPr>
-        <p:txBody>
-          <a:bodyPr wrap="none" anchor="ctr">
-            <a:spAutoFit/>
-          </a:bodyPr>
-          <a:lstStyle/>
-          <a:p>
-            <a:endParaRPr lang="en-US"/>
-          </a:p>
-        </p:txBody>
-      </p:sp>
-      <p:pic>
-        <p:nvPicPr>
-          <p:cNvPr id="19460" name="Picture 3"/>
-          <p:cNvPicPr>
-            <a:picLocks noChangeAspect="1" noChangeArrowheads="1"/>
-          </p:cNvPicPr>
-          <p:nvPr/>
-        </p:nvPicPr>
-        <p:blipFill>
-          <a:blip r:embed="rId3" cstate="print"/>
-          <a:srcRect/>
-          <a:stretch>
-            <a:fillRect/>
-          </a:stretch>
-        </p:blipFill>
-        <p:spPr bwMode="auto">
-          <a:xfrm>
-            <a:off x="533400" y="1219200"/>
-            <a:ext cx="7969250" cy="5145088"/>
-          </a:xfrm>
-          <a:prstGeom prst="rect">
-            <a:avLst/>
-          </a:prstGeom>
-          <a:noFill/>
-          <a:ln w="9525">
-            <a:noFill/>
-            <a:miter lim="800000"/>
-            <a:headEnd/>
-            <a:tailEnd/>
-          </a:ln>
-        </p:spPr>
-      </p:pic>
+              <a:t>Global PKTDMA (CPPI) Initialization</a:t>
+            </a:r>
+          </a:p>
+        </p:txBody>
+      </p:sp>
+      <p:sp>
+        <p:nvSpPr>
+          <p:cNvPr id="18435" name="Content Placeholder 2"/>
+          <p:cNvSpPr>
+            <a:spLocks noGrp="1"/>
+          </p:cNvSpPr>
+          <p:nvPr>
+            <p:ph idx="4294967295"/>
+          </p:nvPr>
+        </p:nvSpPr>
+        <p:spPr/>
+        <p:txBody>
+          <a:bodyPr/>
+          <a:lstStyle/>
+          <a:p>
+            <a:pPr eaLnBrk="1" hangingPunct="1"/>
+            <a:r>
+              <a:rPr lang="en-US" sz="2400" b="1" smtClean="0"/>
+              <a:t>cppi_init  (cppi_drv.c) </a:t>
+            </a:r>
+            <a:r>
+              <a:rPr lang="en-US" sz="2400" smtClean="0"/>
+              <a:t>loads all instances of PKTDMA from the global structure cppiGblCfgParas, which is defined in the file cppi_device.c </a:t>
+            </a:r>
+          </a:p>
+          <a:p>
+            <a:pPr lvl="1" eaLnBrk="1" hangingPunct="1"/>
+            <a:r>
+              <a:rPr lang="en-US" sz="2000" smtClean="0"/>
+              <a:t>SRIO</a:t>
+            </a:r>
+          </a:p>
+          <a:p>
+            <a:pPr lvl="1" eaLnBrk="1" hangingPunct="1"/>
+            <a:r>
+              <a:rPr lang="en-US" sz="2000" smtClean="0"/>
+              <a:t>PA</a:t>
+            </a:r>
+          </a:p>
+          <a:p>
+            <a:pPr lvl="1" eaLnBrk="1" hangingPunct="1"/>
+            <a:r>
+              <a:rPr lang="en-US" sz="2000" smtClean="0"/>
+              <a:t>QMSS</a:t>
+            </a:r>
+          </a:p>
+          <a:p>
+            <a:pPr lvl="1" eaLnBrk="1" hangingPunct="1"/>
+            <a:r>
+              <a:rPr lang="en-US" sz="2000" smtClean="0"/>
+              <a:t>AIF (wireless applications only)</a:t>
+            </a:r>
+            <a:endParaRPr lang="en-US" sz="1600" smtClean="0"/>
+          </a:p>
+          <a:p>
+            <a:pPr lvl="1" eaLnBrk="1" hangingPunct="1"/>
+            <a:r>
+              <a:rPr lang="en-US" sz="2000" smtClean="0"/>
+              <a:t>FFTC (wireless applications only)</a:t>
+            </a:r>
+          </a:p>
+          <a:p>
+            <a:pPr lvl="1" eaLnBrk="1" hangingPunct="1"/>
+            <a:r>
+              <a:rPr lang="en-US" sz="2000" smtClean="0"/>
+              <a:t>BCP (wireless applications only)</a:t>
+            </a:r>
+          </a:p>
+          <a:p>
+            <a:pPr eaLnBrk="1" hangingPunct="1"/>
+            <a:r>
+              <a:rPr lang="en-US" sz="2400" smtClean="0"/>
+              <a:t>SRIO PKTDMA (CPPI) configuration after SRIO configuration</a:t>
+            </a:r>
+          </a:p>
+          <a:p>
+            <a:pPr eaLnBrk="1" hangingPunct="1"/>
+            <a:endParaRPr lang="en-US" sz="2400" smtClean="0"/>
+          </a:p>
+        </p:txBody>
+      </p:sp>
     </p:spTree>
   </p:cSld>
   <p:clrMapOvr>
@@ -8002,95 +9712,66 @@
           <a:chExt cx="0" cy="0"/>
         </a:xfrm>
       </p:grpSpPr>
-      <p:sp>
-        <p:nvSpPr>
-          <p:cNvPr id="13314" name="Title 1"/>
-          <p:cNvSpPr>
-            <a:spLocks noGrp="1"/>
-          </p:cNvSpPr>
-          <p:nvPr>
-            <p:ph type="title" idx="4294967295"/>
-          </p:nvPr>
+      <p:pic>
+        <p:nvPicPr>
+          <p:cNvPr id="72706" name="Picture 2"/>
+          <p:cNvPicPr>
+            <a:picLocks noChangeAspect="1" noChangeArrowheads="1"/>
+          </p:cNvPicPr>
+          <p:nvPr/>
+        </p:nvPicPr>
+        <p:blipFill>
+          <a:blip r:embed="rId2" cstate="print"/>
+          <a:srcRect/>
+          <a:stretch>
+            <a:fillRect/>
+          </a:stretch>
+        </p:blipFill>
+        <p:spPr bwMode="auto">
+          <a:xfrm>
+            <a:off x="1371600" y="704512"/>
+            <a:ext cx="6691313" cy="5696288"/>
+          </a:xfrm>
+          <a:prstGeom prst="rect">
+            <a:avLst/>
+          </a:prstGeom>
+          <a:noFill/>
+          <a:ln w="9525">
+            <a:noFill/>
+            <a:miter lim="800000"/>
+            <a:headEnd/>
+            <a:tailEnd/>
+          </a:ln>
+        </p:spPr>
+      </p:pic>
+      <p:sp>
+        <p:nvSpPr>
+          <p:cNvPr id="3" name="TextBox 2"/>
+          <p:cNvSpPr txBox="1"/>
+          <p:nvPr/>
         </p:nvSpPr>
         <p:spPr>
           <a:xfrm>
-            <a:off x="457200" y="76200"/>
-            <a:ext cx="8229600" cy="685800"/>
-          </a:xfrm>
-        </p:spPr>
-        <p:txBody>
-          <a:bodyPr/>
-          <a:lstStyle/>
-          <a:p>
-            <a:pPr eaLnBrk="1" hangingPunct="1"/>
-            <a:r>
-              <a:rPr lang="en-US" smtClean="0"/>
-              <a:t>Agenda</a:t>
-            </a:r>
-          </a:p>
-        </p:txBody>
-      </p:sp>
-      <p:sp>
-        <p:nvSpPr>
-          <p:cNvPr id="13315" name="Content Placeholder 2"/>
-          <p:cNvSpPr>
-            <a:spLocks noGrp="1"/>
-          </p:cNvSpPr>
-          <p:nvPr>
-            <p:ph idx="4294967295"/>
-          </p:nvPr>
-        </p:nvSpPr>
-        <p:spPr>
-          <a:xfrm>
-            <a:off x="457200" y="1066800"/>
-            <a:ext cx="8229600" cy="5059363"/>
-          </a:xfrm>
-        </p:spPr>
-        <p:txBody>
-          <a:bodyPr/>
-          <a:lstStyle/>
-          <a:p>
-            <a:pPr eaLnBrk="1" hangingPunct="1"/>
-            <a:r>
-              <a:rPr lang="en-US" sz="3600" smtClean="0">
-                <a:solidFill>
-                  <a:srgbClr val="FF0000"/>
-                </a:solidFill>
-              </a:rPr>
-              <a:t>Model</a:t>
-            </a:r>
-          </a:p>
-          <a:p>
-            <a:pPr eaLnBrk="1" hangingPunct="1"/>
-            <a:r>
-              <a:rPr lang="en-US" sz="3600" smtClean="0"/>
-              <a:t>Protocol</a:t>
-            </a:r>
-          </a:p>
-          <a:p>
-            <a:pPr eaLnBrk="1" hangingPunct="1"/>
-            <a:r>
-              <a:rPr lang="en-US" sz="3600" smtClean="0"/>
-              <a:t>Configuration</a:t>
-            </a:r>
-          </a:p>
-          <a:p>
-            <a:pPr eaLnBrk="1" hangingPunct="1"/>
-            <a:r>
-              <a:rPr lang="en-US" sz="3600" smtClean="0"/>
-              <a:t>Application Algorithm</a:t>
-            </a:r>
-          </a:p>
-          <a:p>
-            <a:pPr eaLnBrk="1" hangingPunct="1"/>
-            <a:r>
-              <a:rPr lang="en-US" sz="3600" smtClean="0"/>
-              <a:t>Build and Run</a:t>
-            </a:r>
-          </a:p>
-          <a:p>
-            <a:pPr eaLnBrk="1" hangingPunct="1"/>
-            <a:endParaRPr lang="en-US" sz="2400" smtClean="0"/>
+            <a:off x="685800" y="304800"/>
+            <a:ext cx="7315200" cy="584775"/>
+          </a:xfrm>
+          <a:prstGeom prst="rect">
+            <a:avLst/>
+          </a:prstGeom>
+          <a:noFill/>
+        </p:spPr>
+        <p:txBody>
+          <a:bodyPr wrap="square" rtlCol="0">
+            <a:spAutoFit/>
+          </a:bodyPr>
+          <a:lstStyle/>
+          <a:p>
+            <a:pPr algn="ctr"/>
+            <a:r>
+              <a:rPr lang="en-US" sz="3200" dirty="0" smtClean="0"/>
+              <a:t>SRIO High Level Block Diagram</a:t>
+            </a:r>
+            <a:endParaRPr lang="en-US" sz="3200" dirty="0"/>
           </a:p>
         </p:txBody>
       </p:sp>
@@ -8359,7 +10040,7 @@
         </p:xfrm>
         <a:graphic>
           <a:graphicData uri="http://schemas.openxmlformats.org/presentationml/2006/ole">
-            <p:oleObj spid="_x0000_s8194" name="Visio" r:id="rId4" imgW="5711961" imgH="6992296" progId="">
+            <p:oleObj spid="_x0000_s8194" name="Visio" r:id="rId4" imgW="5711961" imgH="6992296" progId="Visio.Drawing.11">
               <p:embed/>
             </p:oleObj>
           </a:graphicData>
@@ -8568,7 +10249,7 @@
         </p:xfrm>
         <a:graphic>
           <a:graphicData uri="http://schemas.openxmlformats.org/presentationml/2006/ole">
-            <p:oleObj spid="_x0000_s9218" name="Visio" r:id="rId4" imgW="7339512" imgH="6709923" progId="">
+            <p:oleObj spid="_x0000_s9218" name="Visio" r:id="rId4" imgW="7339512" imgH="6709923" progId="Visio.Drawing.11">
               <p:embed/>
             </p:oleObj>
           </a:graphicData>
@@ -9689,7 +11370,7 @@
       </p:grpSpPr>
       <p:sp>
         <p:nvSpPr>
-          <p:cNvPr id="1027" name="Title 1"/>
+          <p:cNvPr id="13314" name="Title 1"/>
           <p:cNvSpPr>
             <a:spLocks noGrp="1"/>
           </p:cNvSpPr>
@@ -9707,181 +11388,75 @@
           <a:bodyPr/>
           <a:lstStyle/>
           <a:p>
+            <a:pPr eaLnBrk="1" hangingPunct="1"/>
             <a:r>
               <a:rPr lang="en-US" smtClean="0"/>
-              <a:t>The Model</a:t>
-            </a:r>
-          </a:p>
-        </p:txBody>
-      </p:sp>
-      <p:graphicFrame>
-        <p:nvGraphicFramePr>
-          <p:cNvPr id="1026" name="Object 4"/>
-          <p:cNvGraphicFramePr>
-            <a:graphicFrameLocks noChangeAspect="1"/>
-          </p:cNvGraphicFramePr>
-          <p:nvPr/>
-        </p:nvGraphicFramePr>
-        <p:xfrm>
-          <a:off x="304800" y="1066800"/>
-          <a:ext cx="5521325" cy="4972050"/>
-        </p:xfrm>
-        <a:graphic>
-          <a:graphicData uri="http://schemas.openxmlformats.org/presentationml/2006/ole">
-            <p:oleObj spid="_x0000_s1026" name="Visio" r:id="rId4" imgW="5520977" imgH="4972455" progId="">
-              <p:embed/>
-            </p:oleObj>
-          </a:graphicData>
-        </a:graphic>
-      </p:graphicFrame>
-      <p:sp>
-        <p:nvSpPr>
-          <p:cNvPr id="1028" name="Content Placeholder 2"/>
-          <p:cNvSpPr>
-            <a:spLocks/>
-          </p:cNvSpPr>
-          <p:nvPr/>
-        </p:nvSpPr>
-        <p:spPr bwMode="auto">
-          <a:xfrm>
-            <a:off x="6019800" y="1295400"/>
-            <a:ext cx="2971800" cy="3429000"/>
-          </a:xfrm>
-          <a:prstGeom prst="rect">
-            <a:avLst/>
-          </a:prstGeom>
-          <a:noFill/>
-          <a:ln w="9525">
-            <a:noFill/>
-            <a:miter lim="800000"/>
-            <a:headEnd/>
-            <a:tailEnd/>
-          </a:ln>
+              <a:t>Agenda</a:t>
+            </a:r>
+          </a:p>
+        </p:txBody>
+      </p:sp>
+      <p:sp>
+        <p:nvSpPr>
+          <p:cNvPr id="13315" name="Content Placeholder 2"/>
+          <p:cNvSpPr>
+            <a:spLocks noGrp="1"/>
+          </p:cNvSpPr>
+          <p:nvPr>
+            <p:ph idx="4294967295"/>
+          </p:nvPr>
+        </p:nvSpPr>
+        <p:spPr>
+          <a:xfrm>
+            <a:off x="457200" y="1066800"/>
+            <a:ext cx="8229600" cy="5059363"/>
+          </a:xfrm>
         </p:spPr>
         <p:txBody>
           <a:bodyPr/>
           <a:lstStyle/>
           <a:p>
-            <a:pPr marL="342900" indent="-342900">
-              <a:spcBef>
-                <a:spcPct val="20000"/>
-              </a:spcBef>
-              <a:buFont typeface="Arial" charset="0"/>
-              <a:buNone/>
-            </a:pPr>
-            <a:r>
-              <a:rPr lang="en-US" sz="2800">
-                <a:latin typeface="Calibri" pitchFamily="34" charset="0"/>
+            <a:pPr eaLnBrk="1" hangingPunct="1"/>
+            <a:r>
+              <a:rPr lang="en-US" sz="3600" smtClean="0">
+                <a:solidFill>
+                  <a:srgbClr val="FF0000"/>
+                </a:solidFill>
               </a:rPr>
-              <a:t>Requirements:</a:t>
-            </a:r>
-          </a:p>
-          <a:p>
-            <a:pPr marL="342900" indent="-342900">
-              <a:spcBef>
-                <a:spcPct val="20000"/>
-              </a:spcBef>
-              <a:buFont typeface="Arial" charset="0"/>
-              <a:buChar char="•"/>
-            </a:pPr>
-            <a:r>
-              <a:rPr lang="en-US" sz="2400">
-                <a:latin typeface="Calibri" pitchFamily="34" charset="0"/>
-              </a:rPr>
-              <a:t>Efficiency – Not fairness</a:t>
-            </a:r>
-          </a:p>
-          <a:p>
-            <a:pPr marL="342900" indent="-342900">
-              <a:spcBef>
-                <a:spcPct val="20000"/>
-              </a:spcBef>
-              <a:buFont typeface="Arial" charset="0"/>
-              <a:buChar char="•"/>
-            </a:pPr>
-            <a:r>
-              <a:rPr lang="en-US" sz="2400">
-                <a:latin typeface="Calibri" pitchFamily="34" charset="0"/>
-              </a:rPr>
-              <a:t>Minimize master logic</a:t>
-            </a:r>
-          </a:p>
-          <a:p>
-            <a:pPr marL="342900" indent="-342900">
-              <a:spcBef>
-                <a:spcPct val="20000"/>
-              </a:spcBef>
-              <a:buFont typeface="Arial" charset="0"/>
-              <a:buChar char="•"/>
-            </a:pPr>
-            <a:r>
-              <a:rPr lang="en-US" sz="2400">
-                <a:latin typeface="Calibri" pitchFamily="34" charset="0"/>
-              </a:rPr>
-              <a:t>Master is not aware of structure of internal cores</a:t>
-            </a:r>
-          </a:p>
-        </p:txBody>
-      </p:sp>
-      <p:sp>
-        <p:nvSpPr>
-          <p:cNvPr id="11271" name="Text Box 8"/>
-          <p:cNvSpPr txBox="1">
-            <a:spLocks noChangeArrowheads="1"/>
-          </p:cNvSpPr>
-          <p:nvPr/>
-        </p:nvSpPr>
-        <p:spPr bwMode="auto">
-          <a:xfrm>
-            <a:off x="4456113" y="5938838"/>
-            <a:ext cx="1335087" cy="461962"/>
-          </a:xfrm>
-          <a:prstGeom prst="rect">
-            <a:avLst/>
-          </a:prstGeom>
-          <a:solidFill>
-            <a:schemeClr val="accent1">
-              <a:lumMod val="40000"/>
-              <a:lumOff val="60000"/>
-            </a:schemeClr>
-          </a:solidFill>
-          <a:ln w="9525">
-            <a:solidFill>
-              <a:schemeClr val="tx1"/>
-            </a:solidFill>
-            <a:miter lim="800000"/>
-            <a:headEnd/>
-            <a:tailEnd/>
-          </a:ln>
-        </p:spPr>
-        <p:txBody>
-          <a:bodyPr wrap="none">
-            <a:spAutoFit/>
-          </a:bodyPr>
-          <a:lstStyle/>
-          <a:p>
-            <a:pPr>
-              <a:defRPr/>
-            </a:pPr>
-            <a:r>
-              <a:rPr lang="en-US" sz="1200" i="1" dirty="0">
-                <a:latin typeface="Calibri" pitchFamily="34" charset="0"/>
-                <a:cs typeface="+mn-cs"/>
-              </a:rPr>
-              <a:t>Producer = Master</a:t>
-            </a:r>
-          </a:p>
-          <a:p>
-            <a:pPr>
-              <a:defRPr/>
-            </a:pPr>
-            <a:r>
-              <a:rPr lang="en-US" sz="1200" i="1" dirty="0">
-                <a:latin typeface="Calibri" pitchFamily="34" charset="0"/>
-                <a:cs typeface="+mn-cs"/>
-              </a:rPr>
-              <a:t>Consumer = Slave</a:t>
-            </a:r>
+              <a:t>Model</a:t>
+            </a:r>
+          </a:p>
+          <a:p>
+            <a:pPr eaLnBrk="1" hangingPunct="1"/>
+            <a:r>
+              <a:rPr lang="en-US" sz="3600" smtClean="0"/>
+              <a:t>Protocol</a:t>
+            </a:r>
+          </a:p>
+          <a:p>
+            <a:pPr eaLnBrk="1" hangingPunct="1"/>
+            <a:r>
+              <a:rPr lang="en-US" sz="3600" smtClean="0"/>
+              <a:t>Configuration</a:t>
+            </a:r>
+          </a:p>
+          <a:p>
+            <a:pPr eaLnBrk="1" hangingPunct="1"/>
+            <a:r>
+              <a:rPr lang="en-US" sz="3600" smtClean="0"/>
+              <a:t>Application Algorithm</a:t>
+            </a:r>
+          </a:p>
+          <a:p>
+            <a:pPr eaLnBrk="1" hangingPunct="1"/>
+            <a:r>
+              <a:rPr lang="en-US" sz="3600" smtClean="0"/>
+              <a:t>Build and Run</a:t>
+            </a:r>
+          </a:p>
+          <a:p>
+            <a:pPr eaLnBrk="1" hangingPunct="1"/>
+            <a:endParaRPr lang="en-US" sz="2400" smtClean="0"/>
           </a:p>
         </p:txBody>
       </p:sp>
@@ -9919,7 +11494,7 @@
       </p:grpSpPr>
       <p:sp>
         <p:nvSpPr>
-          <p:cNvPr id="14338" name="Title 1"/>
+          <p:cNvPr id="1027" name="Title 1"/>
           <p:cNvSpPr>
             <a:spLocks noGrp="1"/>
           </p:cNvSpPr>
@@ -9930,82 +11505,188 @@
         <p:spPr>
           <a:xfrm>
             <a:off x="457200" y="76200"/>
-            <a:ext cx="8229600" cy="477838"/>
+            <a:ext cx="8229600" cy="685800"/>
           </a:xfrm>
         </p:spPr>
         <p:txBody>
           <a:bodyPr/>
           <a:lstStyle/>
           <a:p>
-            <a:pPr eaLnBrk="1" hangingPunct="1"/>
             <a:r>
               <a:rPr lang="en-US" smtClean="0"/>
-              <a:t>Agenda</a:t>
-            </a:r>
-          </a:p>
-        </p:txBody>
-      </p:sp>
-      <p:sp>
-        <p:nvSpPr>
-          <p:cNvPr id="14339" name="Content Placeholder 2"/>
-          <p:cNvSpPr>
-            <a:spLocks noGrp="1"/>
-          </p:cNvSpPr>
-          <p:nvPr>
-            <p:ph idx="4294967295"/>
-          </p:nvPr>
-        </p:nvSpPr>
-        <p:spPr>
-          <a:xfrm>
-            <a:off x="457200" y="1066800"/>
-            <a:ext cx="8229600" cy="5059363"/>
-          </a:xfrm>
+              <a:t>The Model</a:t>
+            </a:r>
+          </a:p>
+        </p:txBody>
+      </p:sp>
+      <p:graphicFrame>
+        <p:nvGraphicFramePr>
+          <p:cNvPr id="1026" name="Object 4"/>
+          <p:cNvGraphicFramePr>
+            <a:graphicFrameLocks noChangeAspect="1"/>
+          </p:cNvGraphicFramePr>
+          <p:nvPr/>
+        </p:nvGraphicFramePr>
+        <p:xfrm>
+          <a:off x="304800" y="1066800"/>
+          <a:ext cx="5521325" cy="4972050"/>
+        </p:xfrm>
+        <a:graphic>
+          <a:graphicData uri="http://schemas.openxmlformats.org/presentationml/2006/ole">
+            <p:oleObj spid="_x0000_s1026" name="Visio" r:id="rId4" imgW="5520977" imgH="4972455" progId="Visio.Drawing.11">
+              <p:embed/>
+            </p:oleObj>
+          </a:graphicData>
+        </a:graphic>
+      </p:graphicFrame>
+      <p:sp>
+        <p:nvSpPr>
+          <p:cNvPr id="1028" name="Content Placeholder 2"/>
+          <p:cNvSpPr>
+            <a:spLocks/>
+          </p:cNvSpPr>
+          <p:nvPr/>
+        </p:nvSpPr>
+        <p:spPr bwMode="auto">
+          <a:xfrm>
+            <a:off x="6019800" y="1295400"/>
+            <a:ext cx="2971800" cy="3429000"/>
+          </a:xfrm>
+          <a:prstGeom prst="rect">
+            <a:avLst/>
+          </a:prstGeom>
+          <a:noFill/>
+          <a:ln w="9525">
+            <a:noFill/>
+            <a:miter lim="800000"/>
+            <a:headEnd/>
+            <a:tailEnd/>
+          </a:ln>
         </p:spPr>
         <p:txBody>
           <a:bodyPr/>
           <a:lstStyle/>
           <a:p>
-            <a:pPr eaLnBrk="1" hangingPunct="1"/>
-            <a:r>
-              <a:rPr lang="en-US" sz="3600" smtClean="0"/>
-              <a:t>Model</a:t>
-            </a:r>
-          </a:p>
-          <a:p>
-            <a:pPr eaLnBrk="1" hangingPunct="1"/>
-            <a:r>
-              <a:rPr lang="en-US" sz="3600" smtClean="0">
-                <a:solidFill>
-                  <a:srgbClr val="FF0000"/>
-                </a:solidFill>
+            <a:pPr marL="342900" indent="-342900">
+              <a:spcBef>
+                <a:spcPct val="20000"/>
+              </a:spcBef>
+              <a:buFont typeface="Arial" charset="0"/>
+              <a:buNone/>
+            </a:pPr>
+            <a:r>
+              <a:rPr lang="en-US" sz="2800">
+                <a:latin typeface="Calibri" pitchFamily="34" charset="0"/>
               </a:rPr>
-              <a:t>Protocol</a:t>
-            </a:r>
-          </a:p>
-          <a:p>
-            <a:pPr eaLnBrk="1" hangingPunct="1"/>
-            <a:r>
-              <a:rPr lang="en-US" sz="3600" smtClean="0"/>
-              <a:t>Configuration</a:t>
-            </a:r>
-          </a:p>
-          <a:p>
-            <a:pPr eaLnBrk="1" hangingPunct="1"/>
-            <a:r>
-              <a:rPr lang="en-US" sz="3600" smtClean="0"/>
-              <a:t>Application Algorithm</a:t>
-            </a:r>
-          </a:p>
-          <a:p>
-            <a:pPr eaLnBrk="1" hangingPunct="1"/>
-            <a:r>
-              <a:rPr lang="en-US" sz="3600" smtClean="0"/>
-              <a:t>Build and Run</a:t>
-            </a:r>
-          </a:p>
-          <a:p>
-            <a:pPr eaLnBrk="1" hangingPunct="1"/>
-            <a:endParaRPr lang="en-US" sz="2400" smtClean="0"/>
+              <a:t>Requirements:</a:t>
+            </a:r>
+          </a:p>
+          <a:p>
+            <a:pPr marL="342900" indent="-342900">
+              <a:spcBef>
+                <a:spcPct val="20000"/>
+              </a:spcBef>
+              <a:buFont typeface="Arial" charset="0"/>
+              <a:buChar char="•"/>
+            </a:pPr>
+            <a:r>
+              <a:rPr lang="en-US" sz="2400">
+                <a:latin typeface="Calibri" pitchFamily="34" charset="0"/>
+              </a:rPr>
+              <a:t>Efficiency – Not fairness</a:t>
+            </a:r>
+          </a:p>
+          <a:p>
+            <a:pPr marL="342900" indent="-342900">
+              <a:spcBef>
+                <a:spcPct val="20000"/>
+              </a:spcBef>
+              <a:buFont typeface="Arial" charset="0"/>
+              <a:buChar char="•"/>
+            </a:pPr>
+            <a:r>
+              <a:rPr lang="en-US" sz="2400">
+                <a:latin typeface="Calibri" pitchFamily="34" charset="0"/>
+              </a:rPr>
+              <a:t>Minimize master logic</a:t>
+            </a:r>
+          </a:p>
+          <a:p>
+            <a:pPr marL="342900" indent="-342900">
+              <a:spcBef>
+                <a:spcPct val="20000"/>
+              </a:spcBef>
+              <a:buFont typeface="Arial" charset="0"/>
+              <a:buChar char="•"/>
+            </a:pPr>
+            <a:r>
+              <a:rPr lang="en-US" sz="2400">
+                <a:latin typeface="Calibri" pitchFamily="34" charset="0"/>
+              </a:rPr>
+              <a:t>Master is not aware of structure of internal cores</a:t>
+            </a:r>
+          </a:p>
+        </p:txBody>
+      </p:sp>
+      <p:sp>
+        <p:nvSpPr>
+          <p:cNvPr id="11271" name="Text Box 8"/>
+          <p:cNvSpPr txBox="1">
+            <a:spLocks noChangeArrowheads="1"/>
+          </p:cNvSpPr>
+          <p:nvPr/>
+        </p:nvSpPr>
+        <p:spPr bwMode="auto">
+          <a:xfrm>
+            <a:off x="4456113" y="5938838"/>
+            <a:ext cx="1335087" cy="461962"/>
+          </a:xfrm>
+          <a:prstGeom prst="rect">
+            <a:avLst/>
+          </a:prstGeom>
+          <a:solidFill>
+            <a:schemeClr val="accent1">
+              <a:lumMod val="40000"/>
+              <a:lumOff val="60000"/>
+            </a:schemeClr>
+          </a:solidFill>
+          <a:ln w="9525">
+            <a:solidFill>
+              <a:schemeClr val="tx1"/>
+            </a:solidFill>
+            <a:miter lim="800000"/>
+            <a:headEnd/>
+            <a:tailEnd/>
+          </a:ln>
+        </p:spPr>
+        <p:txBody>
+          <a:bodyPr wrap="none">
+            <a:spAutoFit/>
+          </a:bodyPr>
+          <a:lstStyle/>
+          <a:p>
+            <a:pPr>
+              <a:defRPr/>
+            </a:pPr>
+            <a:r>
+              <a:rPr lang="en-US" sz="1200" i="1" dirty="0">
+                <a:latin typeface="Calibri" pitchFamily="34" charset="0"/>
+                <a:cs typeface="+mn-cs"/>
+              </a:rPr>
+              <a:t>Producer = Master</a:t>
+            </a:r>
+          </a:p>
+          <a:p>
+            <a:pPr>
+              <a:defRPr/>
+            </a:pPr>
+            <a:r>
+              <a:rPr lang="en-US" sz="1200" i="1" dirty="0">
+                <a:latin typeface="Calibri" pitchFamily="34" charset="0"/>
+                <a:cs typeface="+mn-cs"/>
+              </a:rPr>
+              <a:t>Consumer = Slave</a:t>
+            </a:r>
           </a:p>
         </p:txBody>
       </p:sp>
@@ -10043,7 +11724,7 @@
       </p:grpSpPr>
       <p:sp>
         <p:nvSpPr>
-          <p:cNvPr id="2051" name="Title 1"/>
+          <p:cNvPr id="14338" name="Title 1"/>
           <p:cNvSpPr>
             <a:spLocks noGrp="1"/>
           </p:cNvSpPr>
@@ -10054,133 +11735,82 @@
         <p:spPr>
           <a:xfrm>
             <a:off x="457200" y="76200"/>
-            <a:ext cx="8229600" cy="376238"/>
+            <a:ext cx="8229600" cy="477838"/>
           </a:xfrm>
         </p:spPr>
         <p:txBody>
           <a:bodyPr/>
           <a:lstStyle/>
           <a:p>
+            <a:pPr eaLnBrk="1" hangingPunct="1"/>
             <a:r>
               <a:rPr lang="en-US" smtClean="0"/>
-              <a:t>Producer (Master) Protocol</a:t>
-            </a:r>
-          </a:p>
-        </p:txBody>
-      </p:sp>
-      <p:sp>
-        <p:nvSpPr>
-          <p:cNvPr id="2052" name="Rectangle 2"/>
-          <p:cNvSpPr>
-            <a:spLocks noChangeArrowheads="1"/>
-          </p:cNvSpPr>
-          <p:nvPr/>
-        </p:nvSpPr>
-        <p:spPr bwMode="auto">
-          <a:xfrm>
-            <a:off x="0" y="0"/>
-            <a:ext cx="9144000" cy="0"/>
-          </a:xfrm>
-          <a:prstGeom prst="rect">
-            <a:avLst/>
-          </a:prstGeom>
-          <a:noFill/>
-          <a:ln w="9525">
-            <a:noFill/>
-            <a:miter lim="800000"/>
-            <a:headEnd/>
-            <a:tailEnd/>
-          </a:ln>
-        </p:spPr>
-        <p:txBody>
-          <a:bodyPr wrap="none" anchor="ctr">
-            <a:spAutoFit/>
-          </a:bodyPr>
-          <a:lstStyle/>
-          <a:p>
-            <a:endParaRPr lang="en-US"/>
-          </a:p>
-        </p:txBody>
-      </p:sp>
-      <p:graphicFrame>
-        <p:nvGraphicFramePr>
-          <p:cNvPr id="2050" name="Object 1"/>
-          <p:cNvGraphicFramePr>
-            <a:graphicFrameLocks noChangeAspect="1"/>
-          </p:cNvGraphicFramePr>
-          <p:nvPr/>
-        </p:nvGraphicFramePr>
-        <p:xfrm>
-          <a:off x="1952625" y="1057275"/>
-          <a:ext cx="5438775" cy="5343525"/>
-        </p:xfrm>
-        <a:graphic>
-          <a:graphicData uri="http://schemas.openxmlformats.org/presentationml/2006/ole">
-            <p:oleObj spid="_x0000_s2050" name="Visio" r:id="rId4" imgW="5614443" imgH="6071681" progId="">
-              <p:embed/>
-            </p:oleObj>
-          </a:graphicData>
-        </a:graphic>
-      </p:graphicFrame>
-      <p:sp>
-        <p:nvSpPr>
-          <p:cNvPr id="6" name="Text Box 8"/>
-          <p:cNvSpPr txBox="1">
-            <a:spLocks noChangeArrowheads="1"/>
-          </p:cNvSpPr>
-          <p:nvPr/>
-        </p:nvSpPr>
-        <p:spPr bwMode="auto">
-          <a:xfrm>
-            <a:off x="7467600" y="5943600"/>
-            <a:ext cx="1335088" cy="461963"/>
-          </a:xfrm>
-          <a:prstGeom prst="rect">
-            <a:avLst/>
-          </a:prstGeom>
-          <a:solidFill>
-            <a:schemeClr val="accent1">
-              <a:lumMod val="40000"/>
-              <a:lumOff val="60000"/>
-            </a:schemeClr>
-          </a:solidFill>
-          <a:ln w="9525">
-            <a:solidFill>
-              <a:schemeClr val="tx1"/>
-            </a:solidFill>
-            <a:miter lim="800000"/>
-            <a:headEnd/>
-            <a:tailEnd/>
-          </a:ln>
-        </p:spPr>
-        <p:txBody>
-          <a:bodyPr wrap="none">
-            <a:spAutoFit/>
-          </a:bodyPr>
-          <a:lstStyle/>
-          <a:p>
-            <a:pPr>
-              <a:defRPr/>
-            </a:pPr>
-            <a:r>
-              <a:rPr lang="en-US" sz="1200" i="1" dirty="0">
-                <a:latin typeface="Calibri" pitchFamily="34" charset="0"/>
-                <a:cs typeface="+mn-cs"/>
+              <a:t>Agenda</a:t>
+            </a:r>
+          </a:p>
+        </p:txBody>
+      </p:sp>
+      <p:sp>
+        <p:nvSpPr>
+          <p:cNvPr id="14339" name="Content Placeholder 2"/>
+          <p:cNvSpPr>
+            <a:spLocks noGrp="1"/>
+          </p:cNvSpPr>
+          <p:nvPr>
+            <p:ph idx="4294967295"/>
+          </p:nvPr>
+        </p:nvSpPr>
+        <p:spPr>
+          <a:xfrm>
+            <a:off x="457200" y="1066800"/>
+            <a:ext cx="8229600" cy="5059363"/>
+          </a:xfrm>
+        </p:spPr>
+        <p:txBody>
+          <a:bodyPr/>
+          <a:lstStyle/>
+          <a:p>
+            <a:pPr eaLnBrk="1" hangingPunct="1"/>
+            <a:r>
+              <a:rPr lang="en-US" sz="3600" smtClean="0"/>
+              <a:t>Model</a:t>
+            </a:r>
+          </a:p>
+          <a:p>
+            <a:pPr eaLnBrk="1" hangingPunct="1"/>
+            <a:r>
+              <a:rPr lang="en-US" sz="3600" smtClean="0">
+                <a:solidFill>
+                  <a:srgbClr val="FF0000"/>
+                </a:solidFill>
               </a:rPr>
-              <a:t>Producer = Master</a:t>
-            </a:r>
-          </a:p>
-          <a:p>
-            <a:pPr>
-              <a:defRPr/>
-            </a:pPr>
-            <a:r>
-              <a:rPr lang="en-US" sz="1200" i="1" dirty="0">
-                <a:latin typeface="Calibri" pitchFamily="34" charset="0"/>
-                <a:cs typeface="+mn-cs"/>
-              </a:rPr>
-              <a:t>Consumer = Slave</a:t>
-            </a:r>
+              <a:t>Protocol</a:t>
+            </a:r>
+          </a:p>
+          <a:p>
+            <a:pPr eaLnBrk="1" hangingPunct="1"/>
+            <a:r>
+              <a:rPr lang="en-US" sz="3600" smtClean="0"/>
+              <a:t>Configuration</a:t>
+            </a:r>
+          </a:p>
+          <a:p>
+            <a:pPr eaLnBrk="1" hangingPunct="1"/>
+            <a:r>
+              <a:rPr lang="en-US" sz="3600" smtClean="0"/>
+              <a:t>Application Algorithm</a:t>
+            </a:r>
+          </a:p>
+          <a:p>
+            <a:pPr eaLnBrk="1" hangingPunct="1"/>
+            <a:r>
+              <a:rPr lang="en-US" sz="3600" smtClean="0"/>
+              <a:t>Build and Run</a:t>
+            </a:r>
+          </a:p>
+          <a:p>
+            <a:pPr eaLnBrk="1" hangingPunct="1"/>
+            <a:endParaRPr lang="en-US" sz="2400" smtClean="0"/>
           </a:p>
         </p:txBody>
       </p:sp>
@@ -10218,7 +11848,7 @@
       </p:grpSpPr>
       <p:sp>
         <p:nvSpPr>
-          <p:cNvPr id="3075" name="Title 1"/>
+          <p:cNvPr id="2051" name="Title 1"/>
           <p:cNvSpPr>
             <a:spLocks noGrp="1"/>
           </p:cNvSpPr>
@@ -10238,14 +11868,14 @@
           <a:p>
             <a:r>
               <a:rPr lang="en-US" smtClean="0"/>
-              <a:t>Consumer (Slave) Protocol</a:t>
-            </a:r>
-          </a:p>
-        </p:txBody>
-      </p:sp>
-      <p:sp>
-        <p:nvSpPr>
-          <p:cNvPr id="3076" name="Rectangle 2"/>
+              <a:t>Producer (Master) Protocol</a:t>
+            </a:r>
+          </a:p>
+        </p:txBody>
+      </p:sp>
+      <p:sp>
+        <p:nvSpPr>
+          <p:cNvPr id="2052" name="Rectangle 2"/>
           <p:cNvSpPr>
             <a:spLocks noChangeArrowheads="1"/>
           </p:cNvSpPr>
@@ -10277,55 +11907,21 @@
           </a:p>
         </p:txBody>
       </p:sp>
-      <p:sp>
-        <p:nvSpPr>
-          <p:cNvPr id="3077" name="Rectangle 4"/>
-          <p:cNvSpPr>
-            <a:spLocks noChangeArrowheads="1"/>
-          </p:cNvSpPr>
-          <p:nvPr/>
-        </p:nvSpPr>
-        <p:spPr bwMode="auto">
-          <a:xfrm>
-            <a:off x="0" y="0"/>
-            <a:ext cx="9144000" cy="0"/>
-          </a:xfrm>
-          <a:prstGeom prst="rect">
-            <a:avLst/>
-          </a:prstGeom>
-          <a:noFill/>
-          <a:ln w="9525">
-            <a:noFill/>
-            <a:miter lim="800000"/>
-            <a:headEnd/>
-            <a:tailEnd/>
-          </a:ln>
-        </p:spPr>
-        <p:txBody>
-          <a:bodyPr wrap="none" anchor="ctr">
-            <a:spAutoFit/>
-          </a:bodyPr>
-          <a:lstStyle/>
-          <a:p>
-            <a:endParaRPr lang="en-US"/>
-          </a:p>
-        </p:txBody>
-      </p:sp>
       <p:graphicFrame>
         <p:nvGraphicFramePr>
-          <p:cNvPr id="3074" name="Object 3"/>
+          <p:cNvPr id="2050" name="Object 1"/>
           <p:cNvGraphicFramePr>
             <a:graphicFrameLocks noChangeAspect="1"/>
           </p:cNvGraphicFramePr>
           <p:nvPr/>
         </p:nvGraphicFramePr>
         <p:xfrm>
-          <a:off x="1524000" y="1066800"/>
-          <a:ext cx="5781675" cy="5314950"/>
+          <a:off x="1952625" y="1057275"/>
+          <a:ext cx="5438775" cy="5343525"/>
         </p:xfrm>
         <a:graphic>
           <a:graphicData uri="http://schemas.openxmlformats.org/presentationml/2006/ole">
-            <p:oleObj spid="_x0000_s3074" name="Visio" r:id="rId4" imgW="7339512" imgH="6709923" progId="">
+            <p:oleObj spid="_x0000_s2050" name="Visio" r:id="rId4" imgW="5614443" imgH="6071681" progId="Visio.Drawing.11">
               <p:embed/>
             </p:oleObj>
           </a:graphicData>
@@ -10333,7 +11929,7 @@
       </p:graphicFrame>
       <p:sp>
         <p:nvSpPr>
-          <p:cNvPr id="7" name="Text Box 8"/>
+          <p:cNvPr id="6" name="Text Box 8"/>
           <p:cNvSpPr txBox="1">
             <a:spLocks noChangeArrowheads="1"/>
           </p:cNvSpPr>
@@ -10427,7 +12023,7 @@
       </p:grpSpPr>
       <p:sp>
         <p:nvSpPr>
-          <p:cNvPr id="15362" name="Title 1"/>
+          <p:cNvPr id="3075" name="Title 1"/>
           <p:cNvSpPr>
             <a:spLocks noGrp="1"/>
           </p:cNvSpPr>
@@ -10438,82 +12034,167 @@
         <p:spPr>
           <a:xfrm>
             <a:off x="457200" y="76200"/>
-            <a:ext cx="8229600" cy="477838"/>
+            <a:ext cx="8229600" cy="376238"/>
           </a:xfrm>
         </p:spPr>
         <p:txBody>
           <a:bodyPr/>
           <a:lstStyle/>
           <a:p>
-            <a:pPr eaLnBrk="1" hangingPunct="1"/>
             <a:r>
               <a:rPr lang="en-US" smtClean="0"/>
-              <a:t>Agenda</a:t>
-            </a:r>
-          </a:p>
-        </p:txBody>
-      </p:sp>
-      <p:sp>
-        <p:nvSpPr>
-          <p:cNvPr id="15363" name="Content Placeholder 2"/>
-          <p:cNvSpPr>
-            <a:spLocks noGrp="1"/>
-          </p:cNvSpPr>
-          <p:nvPr>
-            <p:ph idx="4294967295"/>
-          </p:nvPr>
-        </p:nvSpPr>
-        <p:spPr>
-          <a:xfrm>
-            <a:off x="457200" y="1066800"/>
-            <a:ext cx="8229600" cy="5059363"/>
-          </a:xfrm>
-        </p:spPr>
-        <p:txBody>
-          <a:bodyPr/>
-          <a:lstStyle/>
-          <a:p>
-            <a:pPr eaLnBrk="1" hangingPunct="1"/>
-            <a:r>
-              <a:rPr lang="en-US" sz="3600" smtClean="0"/>
-              <a:t>Model</a:t>
-            </a:r>
-          </a:p>
-          <a:p>
-            <a:pPr eaLnBrk="1" hangingPunct="1"/>
-            <a:r>
-              <a:rPr lang="en-US" sz="3600" smtClean="0"/>
-              <a:t>Protocol</a:t>
-            </a:r>
-          </a:p>
-          <a:p>
-            <a:pPr eaLnBrk="1" hangingPunct="1"/>
-            <a:r>
-              <a:rPr lang="en-US" sz="3600" smtClean="0">
-                <a:solidFill>
-                  <a:srgbClr val="FF0000"/>
-                </a:solidFill>
+              <a:t>Consumer (Slave) Protocol</a:t>
+            </a:r>
+          </a:p>
+        </p:txBody>
+      </p:sp>
+      <p:sp>
+        <p:nvSpPr>
+          <p:cNvPr id="3076" name="Rectangle 2"/>
+          <p:cNvSpPr>
+            <a:spLocks noChangeArrowheads="1"/>
+          </p:cNvSpPr>
+          <p:nvPr/>
+        </p:nvSpPr>
+        <p:spPr bwMode="auto">
+          <a:xfrm>
+            <a:off x="0" y="0"/>
+            <a:ext cx="9144000" cy="0"/>
+          </a:xfrm>
+          <a:prstGeom prst="rect">
+            <a:avLst/>
+          </a:prstGeom>
+          <a:noFill/>
+          <a:ln w="9525">
+            <a:noFill/>
+            <a:miter lim="800000"/>
+            <a:headEnd/>
+            <a:tailEnd/>
+          </a:ln>
+        </p:spPr>
+        <p:txBody>
+          <a:bodyPr wrap="none" anchor="ctr">
+            <a:spAutoFit/>
+          </a:bodyPr>
+          <a:lstStyle/>
+          <a:p>
+            <a:endParaRPr lang="en-US"/>
+          </a:p>
+        </p:txBody>
+      </p:sp>
+      <p:sp>
+        <p:nvSpPr>
+          <p:cNvPr id="3077" name="Rectangle 4"/>
+          <p:cNvSpPr>
+            <a:spLocks noChangeArrowheads="1"/>
+          </p:cNvSpPr>
+          <p:nvPr/>
+        </p:nvSpPr>
+        <p:spPr bwMode="auto">
+          <a:xfrm>
+            <a:off x="0" y="0"/>
+            <a:ext cx="9144000" cy="0"/>
+          </a:xfrm>
+          <a:prstGeom prst="rect">
+            <a:avLst/>
+          </a:prstGeom>
+          <a:noFill/>
+          <a:ln w="9525">
+            <a:noFill/>
+            <a:miter lim="800000"/>
+            <a:headEnd/>
+            <a:tailEnd/>
+          </a:ln>
+        </p:spPr>
+        <p:txBody>
+          <a:bodyPr wrap="none" anchor="ctr">
+            <a:spAutoFit/>
+          </a:bodyPr>
+          <a:lstStyle/>
+          <a:p>
+            <a:endParaRPr lang="en-US"/>
+          </a:p>
+        </p:txBody>
+      </p:sp>
+      <p:graphicFrame>
+        <p:nvGraphicFramePr>
+          <p:cNvPr id="3074" name="Object 3"/>
+          <p:cNvGraphicFramePr>
+            <a:graphicFrameLocks noChangeAspect="1"/>
+          </p:cNvGraphicFramePr>
+          <p:nvPr/>
+        </p:nvGraphicFramePr>
+        <p:xfrm>
+          <a:off x="1524000" y="1066800"/>
+          <a:ext cx="5781675" cy="5314950"/>
+        </p:xfrm>
+        <a:graphic>
+          <a:graphicData uri="http://schemas.openxmlformats.org/presentationml/2006/ole">
+            <p:oleObj spid="_x0000_s3074" name="Visio" r:id="rId4" imgW="7339512" imgH="6709923" progId="Visio.Drawing.11">
+              <p:embed/>
+            </p:oleObj>
+          </a:graphicData>
+        </a:graphic>
+      </p:graphicFrame>
+      <p:sp>
+        <p:nvSpPr>
+          <p:cNvPr id="7" name="Text Box 8"/>
+          <p:cNvSpPr txBox="1">
+            <a:spLocks noChangeArrowheads="1"/>
+          </p:cNvSpPr>
+          <p:nvPr/>
+        </p:nvSpPr>
+        <p:spPr bwMode="auto">
+          <a:xfrm>
+            <a:off x="7467600" y="5943600"/>
+            <a:ext cx="1335088" cy="461963"/>
+          </a:xfrm>
+          <a:prstGeom prst="rect">
+            <a:avLst/>
+          </a:prstGeom>
+          <a:solidFill>
+            <a:schemeClr val="accent1">
+              <a:lumMod val="40000"/>
+              <a:lumOff val="60000"/>
+            </a:schemeClr>
+          </a:solidFill>
+          <a:ln w="9525">
+            <a:solidFill>
+              <a:schemeClr val="tx1"/>
+            </a:solidFill>
+            <a:miter lim="800000"/>
+            <a:headEnd/>
+            <a:tailEnd/>
+          </a:ln>
+        </p:spPr>
+        <p:txBody>
+          <a:bodyPr wrap="none">
+            <a:spAutoFit/>
+          </a:bodyPr>
+          <a:lstStyle/>
+          <a:p>
+            <a:pPr>
+              <a:defRPr/>
+            </a:pPr>
+            <a:r>
+              <a:rPr lang="en-US" sz="1200" i="1" dirty="0">
+                <a:latin typeface="Calibri" pitchFamily="34" charset="0"/>
+                <a:cs typeface="+mn-cs"/>
               </a:rPr>
-              <a:t>Configuration</a:t>
-            </a:r>
-          </a:p>
-          <a:p>
-            <a:pPr eaLnBrk="1" hangingPunct="1"/>
-            <a:r>
-              <a:rPr lang="en-US" sz="3600" smtClean="0"/>
-              <a:t>Application Algorithm</a:t>
-            </a:r>
-          </a:p>
-          <a:p>
-            <a:pPr eaLnBrk="1" hangingPunct="1"/>
-            <a:r>
-              <a:rPr lang="en-US" sz="3600" smtClean="0"/>
-              <a:t>Build and Run</a:t>
-            </a:r>
-          </a:p>
-          <a:p>
-            <a:pPr eaLnBrk="1" hangingPunct="1"/>
-            <a:endParaRPr lang="en-US" sz="2400" smtClean="0"/>
+              <a:t>Producer = Master</a:t>
+            </a:r>
+          </a:p>
+          <a:p>
+            <a:pPr>
+              <a:defRPr/>
+            </a:pPr>
+            <a:r>
+              <a:rPr lang="en-US" sz="1200" i="1" dirty="0">
+                <a:latin typeface="Calibri" pitchFamily="34" charset="0"/>
+                <a:cs typeface="+mn-cs"/>
+              </a:rPr>
+              <a:t>Consumer = Slave</a:t>
+            </a:r>
           </a:p>
         </p:txBody>
       </p:sp>
@@ -10551,7 +12232,7 @@
       </p:grpSpPr>
       <p:sp>
         <p:nvSpPr>
-          <p:cNvPr id="4099" name="Title 1"/>
+          <p:cNvPr id="15362" name="Title 1"/>
           <p:cNvSpPr>
             <a:spLocks noGrp="1"/>
           </p:cNvSpPr>
@@ -10562,142 +12243,85 @@
         <p:spPr>
           <a:xfrm>
             <a:off x="457200" y="76200"/>
-            <a:ext cx="8229600" cy="376238"/>
+            <a:ext cx="8229600" cy="477838"/>
           </a:xfrm>
         </p:spPr>
         <p:txBody>
           <a:bodyPr/>
           <a:lstStyle/>
           <a:p>
+            <a:pPr eaLnBrk="1" hangingPunct="1"/>
             <a:r>
               <a:rPr lang="en-US" smtClean="0"/>
-              <a:t>Hardware Components</a:t>
-            </a:r>
-          </a:p>
-        </p:txBody>
-      </p:sp>
-      <p:sp>
-        <p:nvSpPr>
-          <p:cNvPr id="4100" name="Rectangle 2"/>
-          <p:cNvSpPr>
-            <a:spLocks noChangeArrowheads="1"/>
-          </p:cNvSpPr>
-          <p:nvPr/>
-        </p:nvSpPr>
-        <p:spPr bwMode="auto">
-          <a:xfrm>
-            <a:off x="0" y="0"/>
-            <a:ext cx="9144000" cy="0"/>
-          </a:xfrm>
-          <a:prstGeom prst="rect">
-            <a:avLst/>
-          </a:prstGeom>
-          <a:noFill/>
-          <a:ln w="9525">
-            <a:noFill/>
-            <a:miter lim="800000"/>
-            <a:headEnd/>
-            <a:tailEnd/>
-          </a:ln>
-        </p:spPr>
-        <p:txBody>
-          <a:bodyPr wrap="none" anchor="ctr">
-            <a:spAutoFit/>
-          </a:bodyPr>
-          <a:lstStyle/>
-          <a:p>
-            <a:endParaRPr lang="en-US"/>
-          </a:p>
-        </p:txBody>
-      </p:sp>
-      <p:sp>
-        <p:nvSpPr>
-          <p:cNvPr id="4101" name="Rectangle 4"/>
-          <p:cNvSpPr>
-            <a:spLocks noChangeArrowheads="1"/>
-          </p:cNvSpPr>
-          <p:nvPr/>
-        </p:nvSpPr>
-        <p:spPr bwMode="auto">
-          <a:xfrm>
-            <a:off x="0" y="0"/>
-            <a:ext cx="9144000" cy="0"/>
-          </a:xfrm>
-          <a:prstGeom prst="rect">
-            <a:avLst/>
-          </a:prstGeom>
-          <a:noFill/>
-          <a:ln w="9525">
-            <a:noFill/>
-            <a:miter lim="800000"/>
-            <a:headEnd/>
-            <a:tailEnd/>
-          </a:ln>
-        </p:spPr>
-        <p:txBody>
-          <a:bodyPr wrap="none" anchor="ctr">
-            <a:spAutoFit/>
-          </a:bodyPr>
-          <a:lstStyle/>
-          <a:p>
-            <a:endParaRPr lang="en-US"/>
-          </a:p>
-        </p:txBody>
-      </p:sp>
-      <p:sp>
-        <p:nvSpPr>
-          <p:cNvPr id="4102" name="Rectangle 4"/>
-          <p:cNvSpPr>
-            <a:spLocks noChangeArrowheads="1"/>
-          </p:cNvSpPr>
-          <p:nvPr/>
-        </p:nvSpPr>
-        <p:spPr bwMode="auto">
-          <a:xfrm>
-            <a:off x="0" y="0"/>
-            <a:ext cx="9144000" cy="0"/>
-          </a:xfrm>
-          <a:prstGeom prst="rect">
-            <a:avLst/>
-          </a:prstGeom>
-          <a:noFill/>
-          <a:ln w="9525">
-            <a:noFill/>
-            <a:miter lim="800000"/>
-            <a:headEnd/>
-            <a:tailEnd/>
-          </a:ln>
-        </p:spPr>
-        <p:txBody>
-          <a:bodyPr wrap="none" anchor="ctr">
-            <a:spAutoFit/>
-          </a:bodyPr>
-          <a:lstStyle/>
-          <a:p>
-            <a:endParaRPr lang="en-US"/>
-          </a:p>
-        </p:txBody>
-      </p:sp>
-      <p:graphicFrame>
-        <p:nvGraphicFramePr>
-          <p:cNvPr id="4098" name="Object 3"/>
-          <p:cNvGraphicFramePr>
-            <a:graphicFrameLocks noChangeAspect="1"/>
-          </p:cNvGraphicFramePr>
-          <p:nvPr/>
-        </p:nvGraphicFramePr>
-        <p:xfrm>
-          <a:off x="1219200" y="990600"/>
-          <a:ext cx="6959600" cy="5129213"/>
-        </p:xfrm>
-        <a:graphic>
-          <a:graphicData uri="http://schemas.openxmlformats.org/presentationml/2006/ole">
-            <p:oleObj spid="_x0000_s4098" name="Visio" r:id="rId4" imgW="7077483" imgH="5202947" progId="">
-              <p:embed/>
-            </p:oleObj>
-          </a:graphicData>
-        </a:graphic>
-      </p:graphicFrame>
+              <a:t>Agenda</a:t>
+            </a:r>
+          </a:p>
+        </p:txBody>
+      </p:sp>
+      <p:sp>
+        <p:nvSpPr>
+          <p:cNvPr id="15363" name="Content Placeholder 2"/>
+          <p:cNvSpPr>
+            <a:spLocks noGrp="1"/>
+          </p:cNvSpPr>
+          <p:nvPr>
+            <p:ph idx="4294967295"/>
+          </p:nvPr>
+        </p:nvSpPr>
+        <p:spPr>
+          <a:xfrm>
+            <a:off x="457200" y="1066800"/>
+            <a:ext cx="8229600" cy="5059363"/>
+          </a:xfrm>
+        </p:spPr>
+        <p:txBody>
+          <a:bodyPr/>
+          <a:lstStyle/>
+          <a:p>
+            <a:pPr eaLnBrk="1" hangingPunct="1"/>
+            <a:r>
+              <a:rPr lang="en-US" sz="3600" smtClean="0"/>
+              <a:t>Model</a:t>
+            </a:r>
+          </a:p>
+          <a:p>
+            <a:pPr eaLnBrk="1" hangingPunct="1"/>
+            <a:r>
+              <a:rPr lang="en-US" sz="3600" smtClean="0"/>
+              <a:t>Protocol</a:t>
+            </a:r>
+          </a:p>
+          <a:p>
+            <a:pPr eaLnBrk="1" hangingPunct="1"/>
+            <a:r>
+              <a:rPr lang="en-US" sz="3600" smtClean="0">
+                <a:solidFill>
+                  <a:srgbClr val="FF0000"/>
+                </a:solidFill>
+              </a:rPr>
+              <a:t>Configuration</a:t>
+            </a:r>
+          </a:p>
+          <a:p>
+            <a:pPr eaLnBrk="1" hangingPunct="1"/>
+            <a:r>
+              <a:rPr lang="en-US" sz="3600" smtClean="0"/>
+              <a:t>Application Algorithm</a:t>
+            </a:r>
+          </a:p>
+          <a:p>
+            <a:pPr eaLnBrk="1" hangingPunct="1"/>
+            <a:r>
+              <a:rPr lang="en-US" sz="3600" smtClean="0"/>
+              <a:t>Build and Run</a:t>
+            </a:r>
+          </a:p>
+          <a:p>
+            <a:pPr eaLnBrk="1" hangingPunct="1"/>
+            <a:endParaRPr lang="en-US" sz="2400" smtClean="0"/>
+          </a:p>
+        </p:txBody>
+      </p:sp>
     </p:spTree>
   </p:cSld>
   <p:clrMapOvr>
@@ -10732,7 +12356,34 @@
       </p:grpSpPr>
       <p:sp>
         <p:nvSpPr>
-          <p:cNvPr id="16386" name="Rectangle 9"/>
+          <p:cNvPr id="4099" name="Title 1"/>
+          <p:cNvSpPr>
+            <a:spLocks noGrp="1"/>
+          </p:cNvSpPr>
+          <p:nvPr>
+            <p:ph type="title" idx="4294967295"/>
+          </p:nvPr>
+        </p:nvSpPr>
+        <p:spPr>
+          <a:xfrm>
+            <a:off x="457200" y="76200"/>
+            <a:ext cx="8229600" cy="376238"/>
+          </a:xfrm>
+        </p:spPr>
+        <p:txBody>
+          <a:bodyPr/>
+          <a:lstStyle/>
+          <a:p>
+            <a:r>
+              <a:rPr lang="en-US" smtClean="0"/>
+              <a:t>Hardware Components</a:t>
+            </a:r>
+          </a:p>
+        </p:txBody>
+      </p:sp>
+      <p:sp>
+        <p:nvSpPr>
+          <p:cNvPr id="4100" name="Rectangle 2"/>
           <p:cNvSpPr>
             <a:spLocks noChangeArrowheads="1"/>
           </p:cNvSpPr>
@@ -10740,422 +12391,8 @@
         </p:nvSpPr>
         <p:spPr bwMode="auto">
           <a:xfrm>
-            <a:off x="1050925" y="1114425"/>
-            <a:ext cx="1524000" cy="1295400"/>
-          </a:xfrm>
-          <a:prstGeom prst="rect">
-            <a:avLst/>
-          </a:prstGeom>
-          <a:noFill/>
-          <a:ln w="9525">
-            <a:solidFill>
-              <a:schemeClr val="tx1"/>
-            </a:solidFill>
-            <a:miter lim="800000"/>
-            <a:headEnd/>
-            <a:tailEnd/>
-          </a:ln>
-        </p:spPr>
-        <p:txBody>
-          <a:bodyPr wrap="none" anchor="ctr"/>
-          <a:lstStyle/>
-          <a:p>
-            <a:pPr algn="r"/>
-            <a:endParaRPr lang="en-US" sz="2400"/>
-          </a:p>
-        </p:txBody>
-      </p:sp>
-      <p:sp>
-        <p:nvSpPr>
-          <p:cNvPr id="16387" name="Rectangle 2"/>
-          <p:cNvSpPr>
-            <a:spLocks noGrp="1" noChangeArrowheads="1"/>
-          </p:cNvSpPr>
-          <p:nvPr>
-            <p:ph type="title" idx="4294967295"/>
-          </p:nvPr>
-        </p:nvSpPr>
-        <p:spPr/>
-        <p:txBody>
-          <a:bodyPr/>
-          <a:lstStyle/>
-          <a:p>
-            <a:pPr eaLnBrk="1" hangingPunct="1"/>
-            <a:r>
-              <a:rPr lang="en-US" smtClean="0"/>
-              <a:t>Packet DMA Topology</a:t>
-            </a:r>
-          </a:p>
-        </p:txBody>
-      </p:sp>
-      <p:sp>
-        <p:nvSpPr>
-          <p:cNvPr id="16388" name="Rectangle 3"/>
-          <p:cNvSpPr>
-            <a:spLocks noChangeArrowheads="1"/>
-          </p:cNvSpPr>
-          <p:nvPr/>
-        </p:nvSpPr>
-        <p:spPr bwMode="auto">
-          <a:xfrm>
-            <a:off x="3581400" y="1524000"/>
-            <a:ext cx="1752600" cy="3048000"/>
-          </a:xfrm>
-          <a:prstGeom prst="rect">
-            <a:avLst/>
-          </a:prstGeom>
-          <a:noFill/>
-          <a:ln w="9525">
-            <a:solidFill>
-              <a:schemeClr val="tx1"/>
-            </a:solidFill>
-            <a:miter lim="800000"/>
-            <a:headEnd/>
-            <a:tailEnd/>
-          </a:ln>
-        </p:spPr>
-        <p:txBody>
-          <a:bodyPr wrap="none" anchor="ctr"/>
-          <a:lstStyle/>
-          <a:p>
-            <a:pPr algn="r"/>
-            <a:endParaRPr lang="en-US" sz="2400"/>
-          </a:p>
-        </p:txBody>
-      </p:sp>
-      <p:sp>
-        <p:nvSpPr>
-          <p:cNvPr id="16389" name="Rectangle 4"/>
-          <p:cNvSpPr>
-            <a:spLocks noChangeArrowheads="1"/>
-          </p:cNvSpPr>
-          <p:nvPr/>
-        </p:nvSpPr>
-        <p:spPr bwMode="auto">
-          <a:xfrm>
-            <a:off x="3962400" y="3581400"/>
-            <a:ext cx="990600" cy="762000"/>
-          </a:xfrm>
-          <a:prstGeom prst="rect">
-            <a:avLst/>
-          </a:prstGeom>
-          <a:noFill/>
-          <a:ln w="9525">
-            <a:solidFill>
-              <a:schemeClr val="tx1"/>
-            </a:solidFill>
-            <a:miter lim="800000"/>
-            <a:headEnd/>
-            <a:tailEnd/>
-          </a:ln>
-        </p:spPr>
-        <p:txBody>
-          <a:bodyPr wrap="none" anchor="ctr"/>
-          <a:lstStyle/>
-          <a:p>
-            <a:pPr algn="r"/>
-            <a:endParaRPr lang="en-US" sz="2400"/>
-          </a:p>
-        </p:txBody>
-      </p:sp>
-      <p:sp>
-        <p:nvSpPr>
-          <p:cNvPr id="16390" name="Rectangle 6"/>
-          <p:cNvSpPr>
-            <a:spLocks noChangeArrowheads="1"/>
-          </p:cNvSpPr>
-          <p:nvPr/>
-        </p:nvSpPr>
-        <p:spPr bwMode="auto">
-          <a:xfrm>
-            <a:off x="1143000" y="4191000"/>
-            <a:ext cx="990600" cy="457200"/>
-          </a:xfrm>
-          <a:prstGeom prst="rect">
-            <a:avLst/>
-          </a:prstGeom>
-          <a:noFill/>
-          <a:ln w="9525">
-            <a:solidFill>
-              <a:schemeClr val="tx1"/>
-            </a:solidFill>
-            <a:miter lim="800000"/>
-            <a:headEnd/>
-            <a:tailEnd/>
-          </a:ln>
-        </p:spPr>
-        <p:txBody>
-          <a:bodyPr wrap="none" anchor="ctr"/>
-          <a:lstStyle/>
-          <a:p>
-            <a:pPr algn="r"/>
-            <a:endParaRPr lang="en-US" sz="2400"/>
-          </a:p>
-        </p:txBody>
-      </p:sp>
-      <p:sp>
-        <p:nvSpPr>
-          <p:cNvPr id="16391" name="Rectangle 7"/>
-          <p:cNvSpPr>
-            <a:spLocks noChangeArrowheads="1"/>
-          </p:cNvSpPr>
-          <p:nvPr/>
-        </p:nvSpPr>
-        <p:spPr bwMode="auto">
-          <a:xfrm>
-            <a:off x="6629400" y="2057400"/>
-            <a:ext cx="990600" cy="457200"/>
-          </a:xfrm>
-          <a:prstGeom prst="rect">
-            <a:avLst/>
-          </a:prstGeom>
-          <a:noFill/>
-          <a:ln w="9525">
-            <a:solidFill>
-              <a:schemeClr val="tx1"/>
-            </a:solidFill>
-            <a:miter lim="800000"/>
-            <a:headEnd/>
-            <a:tailEnd/>
-          </a:ln>
-        </p:spPr>
-        <p:txBody>
-          <a:bodyPr wrap="none" anchor="ctr"/>
-          <a:lstStyle/>
-          <a:p>
-            <a:pPr algn="r"/>
-            <a:endParaRPr lang="en-US" sz="2400"/>
-          </a:p>
-        </p:txBody>
-      </p:sp>
-      <p:sp>
-        <p:nvSpPr>
-          <p:cNvPr id="16392" name="Text Box 17"/>
-          <p:cNvSpPr txBox="1">
-            <a:spLocks noChangeArrowheads="1"/>
-          </p:cNvSpPr>
-          <p:nvPr/>
-        </p:nvSpPr>
-        <p:spPr bwMode="auto">
-          <a:xfrm>
-            <a:off x="1384300" y="1836738"/>
-            <a:ext cx="925513" cy="304800"/>
-          </a:xfrm>
-          <a:prstGeom prst="rect">
-            <a:avLst/>
-          </a:prstGeom>
-          <a:noFill/>
-          <a:ln w="9525">
-            <a:solidFill>
-              <a:schemeClr val="tx1"/>
-            </a:solidFill>
-            <a:miter lim="800000"/>
-            <a:headEnd/>
-            <a:tailEnd/>
-          </a:ln>
-        </p:spPr>
-        <p:txBody>
-          <a:bodyPr wrap="none">
-            <a:spAutoFit/>
-          </a:bodyPr>
-          <a:lstStyle/>
-          <a:p>
-            <a:r>
-              <a:rPr lang="en-US" sz="1400"/>
-              <a:t>PKTDMA</a:t>
-            </a:r>
-          </a:p>
-        </p:txBody>
-      </p:sp>
-      <p:sp>
-        <p:nvSpPr>
-          <p:cNvPr id="16393" name="Rectangle 8"/>
-          <p:cNvSpPr>
-            <a:spLocks noChangeArrowheads="1"/>
-          </p:cNvSpPr>
-          <p:nvPr/>
-        </p:nvSpPr>
-        <p:spPr bwMode="auto">
-          <a:xfrm>
-            <a:off x="6629400" y="4419600"/>
-            <a:ext cx="990600" cy="457200"/>
-          </a:xfrm>
-          <a:prstGeom prst="rect">
-            <a:avLst/>
-          </a:prstGeom>
-          <a:noFill/>
-          <a:ln w="9525">
-            <a:solidFill>
-              <a:schemeClr val="tx1"/>
-            </a:solidFill>
-            <a:miter lim="800000"/>
-            <a:headEnd/>
-            <a:tailEnd/>
-          </a:ln>
-        </p:spPr>
-        <p:txBody>
-          <a:bodyPr wrap="none" anchor="ctr"/>
-          <a:lstStyle/>
-          <a:p>
-            <a:pPr algn="r"/>
-            <a:endParaRPr lang="en-US" sz="2400"/>
-          </a:p>
-        </p:txBody>
-      </p:sp>
-      <p:sp>
-        <p:nvSpPr>
-          <p:cNvPr id="16394" name="Rectangle 9"/>
-          <p:cNvSpPr>
-            <a:spLocks noChangeArrowheads="1"/>
-          </p:cNvSpPr>
-          <p:nvPr/>
-        </p:nvSpPr>
-        <p:spPr bwMode="auto">
-          <a:xfrm>
-            <a:off x="533400" y="1524000"/>
-            <a:ext cx="1524000" cy="1295400"/>
-          </a:xfrm>
-          <a:prstGeom prst="rect">
-            <a:avLst/>
-          </a:prstGeom>
-          <a:solidFill>
-            <a:schemeClr val="bg1"/>
-          </a:solidFill>
-          <a:ln w="9525">
-            <a:solidFill>
-              <a:schemeClr val="tx1"/>
-            </a:solidFill>
-            <a:miter lim="800000"/>
-            <a:headEnd/>
-            <a:tailEnd/>
-          </a:ln>
-        </p:spPr>
-        <p:txBody>
-          <a:bodyPr wrap="none" anchor="ctr"/>
-          <a:lstStyle/>
-          <a:p>
-            <a:pPr algn="r"/>
-            <a:endParaRPr lang="en-US" sz="2400"/>
-          </a:p>
-        </p:txBody>
-      </p:sp>
-      <p:sp>
-        <p:nvSpPr>
-          <p:cNvPr id="16395" name="Rectangle 10"/>
-          <p:cNvSpPr>
-            <a:spLocks noChangeArrowheads="1"/>
-          </p:cNvSpPr>
-          <p:nvPr/>
-        </p:nvSpPr>
-        <p:spPr bwMode="auto">
-          <a:xfrm>
-            <a:off x="6400800" y="3733800"/>
-            <a:ext cx="1524000" cy="1295400"/>
-          </a:xfrm>
-          <a:prstGeom prst="rect">
-            <a:avLst/>
-          </a:prstGeom>
-          <a:noFill/>
-          <a:ln w="9525">
-            <a:solidFill>
-              <a:schemeClr val="tx1"/>
-            </a:solidFill>
-            <a:miter lim="800000"/>
-            <a:headEnd/>
-            <a:tailEnd/>
-          </a:ln>
-        </p:spPr>
-        <p:txBody>
-          <a:bodyPr wrap="none" anchor="ctr"/>
-          <a:lstStyle/>
-          <a:p>
-            <a:pPr algn="r"/>
-            <a:endParaRPr lang="en-US" sz="2400"/>
-          </a:p>
-        </p:txBody>
-      </p:sp>
-      <p:sp>
-        <p:nvSpPr>
-          <p:cNvPr id="16396" name="Rectangle 11"/>
-          <p:cNvSpPr>
-            <a:spLocks noChangeArrowheads="1"/>
-          </p:cNvSpPr>
-          <p:nvPr/>
-        </p:nvSpPr>
-        <p:spPr bwMode="auto">
-          <a:xfrm>
-            <a:off x="6400800" y="1371600"/>
-            <a:ext cx="1524000" cy="1295400"/>
-          </a:xfrm>
-          <a:prstGeom prst="rect">
-            <a:avLst/>
-          </a:prstGeom>
-          <a:noFill/>
-          <a:ln w="9525">
-            <a:solidFill>
-              <a:schemeClr val="tx1"/>
-            </a:solidFill>
-            <a:miter lim="800000"/>
-            <a:headEnd/>
-            <a:tailEnd/>
-          </a:ln>
-        </p:spPr>
-        <p:txBody>
-          <a:bodyPr wrap="none" anchor="ctr"/>
-          <a:lstStyle/>
-          <a:p>
-            <a:pPr algn="r"/>
-            <a:endParaRPr lang="en-US" sz="2400"/>
-          </a:p>
-        </p:txBody>
-      </p:sp>
-      <p:sp>
-        <p:nvSpPr>
-          <p:cNvPr id="16397" name="Rectangle 12"/>
-          <p:cNvSpPr>
-            <a:spLocks noChangeArrowheads="1"/>
-          </p:cNvSpPr>
-          <p:nvPr/>
-        </p:nvSpPr>
-        <p:spPr bwMode="auto">
-          <a:xfrm>
-            <a:off x="838200" y="3505200"/>
-            <a:ext cx="1524000" cy="1295400"/>
-          </a:xfrm>
-          <a:prstGeom prst="rect">
-            <a:avLst/>
-          </a:prstGeom>
-          <a:noFill/>
-          <a:ln w="9525">
-            <a:solidFill>
-              <a:schemeClr val="tx1"/>
-            </a:solidFill>
-            <a:miter lim="800000"/>
-            <a:headEnd/>
-            <a:tailEnd/>
-          </a:ln>
-        </p:spPr>
-        <p:txBody>
-          <a:bodyPr wrap="none" anchor="ctr"/>
-          <a:lstStyle/>
-          <a:p>
-            <a:pPr algn="r"/>
-            <a:endParaRPr lang="en-US" sz="2400"/>
-          </a:p>
-        </p:txBody>
-      </p:sp>
-      <p:sp>
-        <p:nvSpPr>
-          <p:cNvPr id="16398" name="Text Box 13"/>
-          <p:cNvSpPr txBox="1">
-            <a:spLocks noChangeArrowheads="1"/>
-          </p:cNvSpPr>
-          <p:nvPr/>
-        </p:nvSpPr>
-        <p:spPr bwMode="auto">
-          <a:xfrm>
-            <a:off x="1143000" y="4267200"/>
-            <a:ext cx="925513" cy="304800"/>
+            <a:off x="0" y="0"/>
+            <a:ext cx="9144000" cy="0"/>
           </a:xfrm>
           <a:prstGeom prst="rect">
             <a:avLst/>
@@ -11169,30 +12406,27 @@
           </a:ln>
         </p:spPr>
         <p:txBody>
-          <a:bodyPr wrap="none">
+          <a:bodyPr wrap="none" anchor="ctr">
             <a:spAutoFit/>
           </a:bodyPr>
           <a:lstStyle/>
           <a:p>
-            <a:r>
-              <a:rPr lang="en-US" sz="1400"/>
-              <a:t>PKTDMA</a:t>
-            </a:r>
-          </a:p>
-        </p:txBody>
-      </p:sp>
-      <p:sp>
-        <p:nvSpPr>
-          <p:cNvPr id="16399" name="Text Box 14"/>
-          <p:cNvSpPr txBox="1">
+            <a:endParaRPr lang="en-US"/>
+          </a:p>
+        </p:txBody>
+      </p:sp>
+      <p:sp>
+        <p:nvSpPr>
+          <p:cNvPr id="4101" name="Rectangle 4"/>
+          <p:cNvSpPr>
             <a:spLocks noChangeArrowheads="1"/>
           </p:cNvSpPr>
           <p:nvPr/>
         </p:nvSpPr>
         <p:spPr bwMode="auto">
           <a:xfrm>
-            <a:off x="4006850" y="3800475"/>
-            <a:ext cx="925513" cy="304800"/>
+            <a:off x="0" y="0"/>
+            <a:ext cx="9144000" cy="0"/>
           </a:xfrm>
           <a:prstGeom prst="rect">
             <a:avLst/>
@@ -11206,31 +12440,27 @@
           </a:ln>
         </p:spPr>
         <p:txBody>
-          <a:bodyPr lIns="45720" rIns="45720">
+          <a:bodyPr wrap="none" anchor="ctr">
             <a:spAutoFit/>
           </a:bodyPr>
           <a:lstStyle/>
           <a:p>
-            <a:pPr algn="ctr"/>
-            <a:r>
-              <a:rPr lang="en-US" sz="1400"/>
-              <a:t>PKTDMA</a:t>
-            </a:r>
-          </a:p>
-        </p:txBody>
-      </p:sp>
-      <p:sp>
-        <p:nvSpPr>
-          <p:cNvPr id="16400" name="Text Box 15"/>
-          <p:cNvSpPr txBox="1">
+            <a:endParaRPr lang="en-US"/>
+          </a:p>
+        </p:txBody>
+      </p:sp>
+      <p:sp>
+        <p:nvSpPr>
+          <p:cNvPr id="4102" name="Rectangle 4"/>
+          <p:cNvSpPr>
             <a:spLocks noChangeArrowheads="1"/>
           </p:cNvSpPr>
           <p:nvPr/>
         </p:nvSpPr>
         <p:spPr bwMode="auto">
           <a:xfrm>
-            <a:off x="6705600" y="2133600"/>
-            <a:ext cx="925513" cy="304800"/>
+            <a:off x="0" y="0"/>
+            <a:ext cx="9144000" cy="0"/>
           </a:xfrm>
           <a:prstGeom prst="rect">
             <a:avLst/>
@@ -11244,1261 +12474,36 @@
           </a:ln>
         </p:spPr>
         <p:txBody>
-          <a:bodyPr wrap="none">
+          <a:bodyPr wrap="none" anchor="ctr">
             <a:spAutoFit/>
           </a:bodyPr>
           <a:lstStyle/>
           <a:p>
-            <a:r>
-              <a:rPr lang="en-US" sz="1400"/>
-              <a:t>PKTDMA</a:t>
-            </a:r>
-          </a:p>
-        </p:txBody>
-      </p:sp>
-      <p:sp>
-        <p:nvSpPr>
-          <p:cNvPr id="16401" name="Text Box 16"/>
-          <p:cNvSpPr txBox="1">
-            <a:spLocks noChangeArrowheads="1"/>
-          </p:cNvSpPr>
+            <a:endParaRPr lang="en-US"/>
+          </a:p>
+        </p:txBody>
+      </p:sp>
+      <p:graphicFrame>
+        <p:nvGraphicFramePr>
+          <p:cNvPr id="4098" name="Object 3"/>
+          <p:cNvGraphicFramePr>
+            <a:graphicFrameLocks noChangeAspect="1"/>
+          </p:cNvGraphicFramePr>
           <p:nvPr/>
-        </p:nvSpPr>
-        <p:spPr bwMode="auto">
-          <a:xfrm>
-            <a:off x="6705600" y="4495800"/>
-            <a:ext cx="925513" cy="304800"/>
-          </a:xfrm>
-          <a:prstGeom prst="rect">
-            <a:avLst/>
-          </a:prstGeom>
-          <a:noFill/>
-          <a:ln w="9525">
-            <a:noFill/>
-            <a:miter lim="800000"/>
-            <a:headEnd/>
-            <a:tailEnd/>
-          </a:ln>
-        </p:spPr>
-        <p:txBody>
-          <a:bodyPr wrap="none">
-            <a:spAutoFit/>
-          </a:bodyPr>
-          <a:lstStyle/>
-          <a:p>
-            <a:r>
-              <a:rPr lang="en-US" sz="1400"/>
-              <a:t>PKTDMA</a:t>
-            </a:r>
-          </a:p>
-        </p:txBody>
-      </p:sp>
-      <p:sp>
-        <p:nvSpPr>
-          <p:cNvPr id="16402" name="Text Box 17"/>
-          <p:cNvSpPr txBox="1">
-            <a:spLocks noChangeArrowheads="1"/>
-          </p:cNvSpPr>
-          <p:nvPr/>
-        </p:nvSpPr>
-        <p:spPr bwMode="auto">
-          <a:xfrm>
-            <a:off x="838200" y="2286000"/>
-            <a:ext cx="925513" cy="304800"/>
-          </a:xfrm>
-          <a:prstGeom prst="rect">
-            <a:avLst/>
-          </a:prstGeom>
-          <a:noFill/>
-          <a:ln w="9525">
-            <a:solidFill>
-              <a:schemeClr val="tx1"/>
-            </a:solidFill>
-            <a:miter lim="800000"/>
-            <a:headEnd/>
-            <a:tailEnd/>
-          </a:ln>
-        </p:spPr>
-        <p:txBody>
-          <a:bodyPr wrap="none">
-            <a:spAutoFit/>
-          </a:bodyPr>
-          <a:lstStyle/>
-          <a:p>
-            <a:r>
-              <a:rPr lang="en-US" sz="1400"/>
-              <a:t>PKTDMA</a:t>
-            </a:r>
-          </a:p>
-        </p:txBody>
-      </p:sp>
-      <p:sp>
-        <p:nvSpPr>
-          <p:cNvPr id="16403" name="Text Box 18"/>
-          <p:cNvSpPr txBox="1">
-            <a:spLocks noChangeArrowheads="1"/>
-          </p:cNvSpPr>
-          <p:nvPr/>
-        </p:nvSpPr>
-        <p:spPr bwMode="auto">
-          <a:xfrm>
-            <a:off x="3733800" y="1600200"/>
-            <a:ext cx="1463675" cy="304800"/>
-          </a:xfrm>
-          <a:prstGeom prst="rect">
-            <a:avLst/>
-          </a:prstGeom>
-          <a:noFill/>
-          <a:ln w="9525">
-            <a:noFill/>
-            <a:miter lim="800000"/>
-            <a:headEnd/>
-            <a:tailEnd/>
-          </a:ln>
-        </p:spPr>
-        <p:txBody>
-          <a:bodyPr wrap="none">
-            <a:spAutoFit/>
-          </a:bodyPr>
-          <a:lstStyle/>
-          <a:p>
-            <a:r>
-              <a:rPr lang="en-US" sz="1400"/>
-              <a:t>Queue Manager</a:t>
-            </a:r>
-          </a:p>
-        </p:txBody>
-      </p:sp>
-      <p:sp>
-        <p:nvSpPr>
-          <p:cNvPr id="16404" name="Text Box 19"/>
-          <p:cNvSpPr txBox="1">
-            <a:spLocks noChangeArrowheads="1"/>
-          </p:cNvSpPr>
-          <p:nvPr/>
-        </p:nvSpPr>
-        <p:spPr bwMode="auto">
-          <a:xfrm>
-            <a:off x="6467475" y="1447800"/>
-            <a:ext cx="619125" cy="304800"/>
-          </a:xfrm>
-          <a:prstGeom prst="rect">
-            <a:avLst/>
-          </a:prstGeom>
-          <a:noFill/>
-          <a:ln w="9525">
-            <a:noFill/>
-            <a:miter lim="800000"/>
-            <a:headEnd/>
-            <a:tailEnd/>
-          </a:ln>
-        </p:spPr>
-        <p:txBody>
-          <a:bodyPr wrap="none">
-            <a:spAutoFit/>
-          </a:bodyPr>
-          <a:lstStyle/>
-          <a:p>
-            <a:r>
-              <a:rPr lang="en-US" sz="1400"/>
-              <a:t>SRIO</a:t>
-            </a:r>
-          </a:p>
-        </p:txBody>
-      </p:sp>
-      <p:sp>
-        <p:nvSpPr>
-          <p:cNvPr id="16405" name="Text Box 20"/>
-          <p:cNvSpPr txBox="1">
-            <a:spLocks noChangeArrowheads="1"/>
-          </p:cNvSpPr>
-          <p:nvPr/>
-        </p:nvSpPr>
-        <p:spPr bwMode="auto">
-          <a:xfrm>
-            <a:off x="6400800" y="3749675"/>
-            <a:ext cx="1189038" cy="517525"/>
-          </a:xfrm>
-          <a:prstGeom prst="rect">
-            <a:avLst/>
-          </a:prstGeom>
-          <a:noFill/>
-          <a:ln w="9525">
-            <a:noFill/>
-            <a:miter lim="800000"/>
-            <a:headEnd/>
-            <a:tailEnd/>
-          </a:ln>
-        </p:spPr>
-        <p:txBody>
-          <a:bodyPr wrap="none">
-            <a:spAutoFit/>
-          </a:bodyPr>
-          <a:lstStyle/>
-          <a:p>
-            <a:r>
-              <a:rPr lang="en-US" sz="1400"/>
-              <a:t>Network </a:t>
-            </a:r>
-          </a:p>
-          <a:p>
-            <a:r>
-              <a:rPr lang="en-US" sz="1400"/>
-              <a:t>Coprocessor</a:t>
-            </a:r>
-          </a:p>
-        </p:txBody>
-      </p:sp>
-      <p:sp>
-        <p:nvSpPr>
-          <p:cNvPr id="16406" name="Text Box 21"/>
-          <p:cNvSpPr txBox="1">
-            <a:spLocks noChangeArrowheads="1"/>
-          </p:cNvSpPr>
-          <p:nvPr/>
-        </p:nvSpPr>
-        <p:spPr bwMode="auto">
-          <a:xfrm>
-            <a:off x="506413" y="1570038"/>
-            <a:ext cx="930275" cy="307975"/>
-          </a:xfrm>
-          <a:prstGeom prst="rect">
-            <a:avLst/>
-          </a:prstGeom>
-          <a:noFill/>
-          <a:ln w="9525">
-            <a:noFill/>
-            <a:miter lim="800000"/>
-            <a:headEnd/>
-            <a:tailEnd/>
-          </a:ln>
-        </p:spPr>
-        <p:txBody>
-          <a:bodyPr wrap="none">
-            <a:spAutoFit/>
-          </a:bodyPr>
-          <a:lstStyle/>
-          <a:p>
-            <a:r>
-              <a:rPr lang="en-US" sz="1400"/>
-              <a:t>FFTC (A)</a:t>
-            </a:r>
-          </a:p>
-        </p:txBody>
-      </p:sp>
-      <p:sp>
-        <p:nvSpPr>
-          <p:cNvPr id="16407" name="Text Box 22"/>
-          <p:cNvSpPr txBox="1">
-            <a:spLocks noChangeArrowheads="1"/>
-          </p:cNvSpPr>
-          <p:nvPr/>
-        </p:nvSpPr>
-        <p:spPr bwMode="auto">
-          <a:xfrm>
-            <a:off x="838200" y="3581400"/>
-            <a:ext cx="460375" cy="304800"/>
-          </a:xfrm>
-          <a:prstGeom prst="rect">
-            <a:avLst/>
-          </a:prstGeom>
-          <a:noFill/>
-          <a:ln w="9525">
-            <a:noFill/>
-            <a:miter lim="800000"/>
-            <a:headEnd/>
-            <a:tailEnd/>
-          </a:ln>
-        </p:spPr>
-        <p:txBody>
-          <a:bodyPr wrap="none">
-            <a:spAutoFit/>
-          </a:bodyPr>
-          <a:lstStyle/>
-          <a:p>
-            <a:r>
-              <a:rPr lang="en-US" sz="1400"/>
-              <a:t>AIF</a:t>
-            </a:r>
-          </a:p>
-        </p:txBody>
-      </p:sp>
-      <p:sp>
-        <p:nvSpPr>
-          <p:cNvPr id="16408" name="Rectangle 23"/>
-          <p:cNvSpPr>
-            <a:spLocks noChangeArrowheads="1"/>
-          </p:cNvSpPr>
-          <p:nvPr/>
-        </p:nvSpPr>
-        <p:spPr bwMode="auto">
-          <a:xfrm>
-            <a:off x="3962400" y="1905000"/>
-            <a:ext cx="990600" cy="1447800"/>
-          </a:xfrm>
-          <a:prstGeom prst="rect">
-            <a:avLst/>
-          </a:prstGeom>
-          <a:noFill/>
-          <a:ln w="9525">
-            <a:solidFill>
-              <a:schemeClr val="tx1"/>
-            </a:solidFill>
-            <a:miter lim="800000"/>
-            <a:headEnd/>
-            <a:tailEnd/>
-          </a:ln>
-        </p:spPr>
-        <p:txBody>
-          <a:bodyPr wrap="none" anchor="ctr"/>
-          <a:lstStyle/>
-          <a:p>
-            <a:pPr algn="r"/>
-            <a:endParaRPr lang="en-US" sz="2400"/>
-          </a:p>
-        </p:txBody>
-      </p:sp>
-      <p:sp>
-        <p:nvSpPr>
-          <p:cNvPr id="16409" name="Line 24"/>
-          <p:cNvSpPr>
-            <a:spLocks noChangeShapeType="1"/>
-          </p:cNvSpPr>
-          <p:nvPr/>
-        </p:nvSpPr>
-        <p:spPr bwMode="auto">
-          <a:xfrm>
-            <a:off x="3962400" y="2057400"/>
-            <a:ext cx="990600" cy="0"/>
-          </a:xfrm>
-          <a:prstGeom prst="line">
-            <a:avLst/>
-          </a:prstGeom>
-          <a:noFill/>
-          <a:ln w="9525">
-            <a:solidFill>
-              <a:schemeClr val="tx1"/>
-            </a:solidFill>
-            <a:round/>
-            <a:headEnd/>
-            <a:tailEnd/>
-          </a:ln>
-        </p:spPr>
-        <p:txBody>
-          <a:bodyPr/>
-          <a:lstStyle/>
-          <a:p>
-            <a:endParaRPr lang="en-US"/>
-          </a:p>
-        </p:txBody>
-      </p:sp>
-      <p:sp>
-        <p:nvSpPr>
-          <p:cNvPr id="16410" name="Line 25"/>
-          <p:cNvSpPr>
-            <a:spLocks noChangeShapeType="1"/>
-          </p:cNvSpPr>
-          <p:nvPr/>
-        </p:nvSpPr>
-        <p:spPr bwMode="auto">
-          <a:xfrm>
-            <a:off x="3962400" y="2209800"/>
-            <a:ext cx="990600" cy="0"/>
-          </a:xfrm>
-          <a:prstGeom prst="line">
-            <a:avLst/>
-          </a:prstGeom>
-          <a:noFill/>
-          <a:ln w="9525">
-            <a:solidFill>
-              <a:schemeClr val="tx1"/>
-            </a:solidFill>
-            <a:round/>
-            <a:headEnd/>
-            <a:tailEnd/>
-          </a:ln>
-        </p:spPr>
-        <p:txBody>
-          <a:bodyPr/>
-          <a:lstStyle/>
-          <a:p>
-            <a:endParaRPr lang="en-US"/>
-          </a:p>
-        </p:txBody>
-      </p:sp>
-      <p:sp>
-        <p:nvSpPr>
-          <p:cNvPr id="16411" name="Line 26"/>
-          <p:cNvSpPr>
-            <a:spLocks noChangeShapeType="1"/>
-          </p:cNvSpPr>
-          <p:nvPr/>
-        </p:nvSpPr>
-        <p:spPr bwMode="auto">
-          <a:xfrm>
-            <a:off x="3962400" y="2362200"/>
-            <a:ext cx="990600" cy="0"/>
-          </a:xfrm>
-          <a:prstGeom prst="line">
-            <a:avLst/>
-          </a:prstGeom>
-          <a:noFill/>
-          <a:ln w="9525">
-            <a:solidFill>
-              <a:schemeClr val="tx1"/>
-            </a:solidFill>
-            <a:round/>
-            <a:headEnd/>
-            <a:tailEnd/>
-          </a:ln>
-        </p:spPr>
-        <p:txBody>
-          <a:bodyPr/>
-          <a:lstStyle/>
-          <a:p>
-            <a:endParaRPr lang="en-US"/>
-          </a:p>
-        </p:txBody>
-      </p:sp>
-      <p:sp>
-        <p:nvSpPr>
-          <p:cNvPr id="16412" name="Line 27"/>
-          <p:cNvSpPr>
-            <a:spLocks noChangeShapeType="1"/>
-          </p:cNvSpPr>
-          <p:nvPr/>
-        </p:nvSpPr>
-        <p:spPr bwMode="auto">
-          <a:xfrm>
-            <a:off x="3962400" y="2514600"/>
-            <a:ext cx="990600" cy="0"/>
-          </a:xfrm>
-          <a:prstGeom prst="line">
-            <a:avLst/>
-          </a:prstGeom>
-          <a:noFill/>
-          <a:ln w="9525">
-            <a:solidFill>
-              <a:schemeClr val="tx1"/>
-            </a:solidFill>
-            <a:round/>
-            <a:headEnd/>
-            <a:tailEnd/>
-          </a:ln>
-        </p:spPr>
-        <p:txBody>
-          <a:bodyPr/>
-          <a:lstStyle/>
-          <a:p>
-            <a:endParaRPr lang="en-US"/>
-          </a:p>
-        </p:txBody>
-      </p:sp>
-      <p:sp>
-        <p:nvSpPr>
-          <p:cNvPr id="16413" name="Line 28"/>
-          <p:cNvSpPr>
-            <a:spLocks noChangeShapeType="1"/>
-          </p:cNvSpPr>
-          <p:nvPr/>
-        </p:nvSpPr>
-        <p:spPr bwMode="auto">
-          <a:xfrm>
-            <a:off x="3962400" y="2667000"/>
-            <a:ext cx="990600" cy="0"/>
-          </a:xfrm>
-          <a:prstGeom prst="line">
-            <a:avLst/>
-          </a:prstGeom>
-          <a:noFill/>
-          <a:ln w="9525">
-            <a:solidFill>
-              <a:schemeClr val="tx1"/>
-            </a:solidFill>
-            <a:round/>
-            <a:headEnd/>
-            <a:tailEnd/>
-          </a:ln>
-        </p:spPr>
-        <p:txBody>
-          <a:bodyPr/>
-          <a:lstStyle/>
-          <a:p>
-            <a:endParaRPr lang="en-US"/>
-          </a:p>
-        </p:txBody>
-      </p:sp>
-      <p:sp>
-        <p:nvSpPr>
-          <p:cNvPr id="16414" name="Line 29"/>
-          <p:cNvSpPr>
-            <a:spLocks noChangeShapeType="1"/>
-          </p:cNvSpPr>
-          <p:nvPr/>
-        </p:nvSpPr>
-        <p:spPr bwMode="auto">
-          <a:xfrm>
-            <a:off x="3962400" y="2819400"/>
-            <a:ext cx="990600" cy="0"/>
-          </a:xfrm>
-          <a:prstGeom prst="line">
-            <a:avLst/>
-          </a:prstGeom>
-          <a:noFill/>
-          <a:ln w="9525">
-            <a:solidFill>
-              <a:schemeClr val="tx1"/>
-            </a:solidFill>
-            <a:round/>
-            <a:headEnd/>
-            <a:tailEnd/>
-          </a:ln>
-        </p:spPr>
-        <p:txBody>
-          <a:bodyPr/>
-          <a:lstStyle/>
-          <a:p>
-            <a:endParaRPr lang="en-US"/>
-          </a:p>
-        </p:txBody>
-      </p:sp>
-      <p:sp>
-        <p:nvSpPr>
-          <p:cNvPr id="16415" name="Line 30"/>
-          <p:cNvSpPr>
-            <a:spLocks noChangeShapeType="1"/>
-          </p:cNvSpPr>
-          <p:nvPr/>
-        </p:nvSpPr>
-        <p:spPr bwMode="auto">
-          <a:xfrm>
-            <a:off x="3962400" y="3200400"/>
-            <a:ext cx="990600" cy="0"/>
-          </a:xfrm>
-          <a:prstGeom prst="line">
-            <a:avLst/>
-          </a:prstGeom>
-          <a:noFill/>
-          <a:ln w="9525">
-            <a:solidFill>
-              <a:schemeClr val="tx1"/>
-            </a:solidFill>
-            <a:round/>
-            <a:headEnd/>
-            <a:tailEnd/>
-          </a:ln>
-        </p:spPr>
-        <p:txBody>
-          <a:bodyPr/>
-          <a:lstStyle/>
-          <a:p>
-            <a:endParaRPr lang="en-US"/>
-          </a:p>
-        </p:txBody>
-      </p:sp>
-      <p:sp>
-        <p:nvSpPr>
-          <p:cNvPr id="16416" name="Text Box 31"/>
-          <p:cNvSpPr txBox="1">
-            <a:spLocks noChangeArrowheads="1"/>
-          </p:cNvSpPr>
-          <p:nvPr/>
-        </p:nvSpPr>
-        <p:spPr bwMode="auto">
-          <a:xfrm>
-            <a:off x="4038600" y="3178175"/>
-            <a:ext cx="412750" cy="214313"/>
-          </a:xfrm>
-          <a:prstGeom prst="rect">
-            <a:avLst/>
-          </a:prstGeom>
-          <a:noFill/>
-          <a:ln w="9525">
-            <a:noFill/>
-            <a:miter lim="800000"/>
-            <a:headEnd/>
-            <a:tailEnd/>
-          </a:ln>
-        </p:spPr>
-        <p:txBody>
-          <a:bodyPr wrap="none">
-            <a:spAutoFit/>
-          </a:bodyPr>
-          <a:lstStyle/>
-          <a:p>
-            <a:r>
-              <a:rPr lang="en-US" sz="800"/>
-              <a:t>8192</a:t>
-            </a:r>
-          </a:p>
-        </p:txBody>
-      </p:sp>
-      <p:sp>
-        <p:nvSpPr>
-          <p:cNvPr id="16417" name="Text Box 32"/>
-          <p:cNvSpPr txBox="1">
-            <a:spLocks noChangeArrowheads="1"/>
-          </p:cNvSpPr>
-          <p:nvPr/>
-        </p:nvSpPr>
-        <p:spPr bwMode="auto">
-          <a:xfrm>
-            <a:off x="4038600" y="2667000"/>
-            <a:ext cx="241300" cy="214313"/>
-          </a:xfrm>
-          <a:prstGeom prst="rect">
-            <a:avLst/>
-          </a:prstGeom>
-          <a:noFill/>
-          <a:ln w="9525">
-            <a:noFill/>
-            <a:miter lim="800000"/>
-            <a:headEnd/>
-            <a:tailEnd/>
-          </a:ln>
-        </p:spPr>
-        <p:txBody>
-          <a:bodyPr wrap="none">
-            <a:spAutoFit/>
-          </a:bodyPr>
-          <a:lstStyle/>
-          <a:p>
-            <a:r>
-              <a:rPr lang="en-US" sz="800"/>
-              <a:t>5</a:t>
-            </a:r>
-          </a:p>
-        </p:txBody>
-      </p:sp>
-      <p:sp>
-        <p:nvSpPr>
-          <p:cNvPr id="16418" name="Text Box 33"/>
-          <p:cNvSpPr txBox="1">
-            <a:spLocks noChangeArrowheads="1"/>
-          </p:cNvSpPr>
-          <p:nvPr/>
-        </p:nvSpPr>
-        <p:spPr bwMode="auto">
-          <a:xfrm>
-            <a:off x="4038600" y="2514600"/>
-            <a:ext cx="241300" cy="214313"/>
-          </a:xfrm>
-          <a:prstGeom prst="rect">
-            <a:avLst/>
-          </a:prstGeom>
-          <a:noFill/>
-          <a:ln w="9525">
-            <a:noFill/>
-            <a:miter lim="800000"/>
-            <a:headEnd/>
-            <a:tailEnd/>
-          </a:ln>
-        </p:spPr>
-        <p:txBody>
-          <a:bodyPr wrap="none">
-            <a:spAutoFit/>
-          </a:bodyPr>
-          <a:lstStyle/>
-          <a:p>
-            <a:r>
-              <a:rPr lang="en-US" sz="800"/>
-              <a:t>4</a:t>
-            </a:r>
-          </a:p>
-        </p:txBody>
-      </p:sp>
-      <p:sp>
-        <p:nvSpPr>
-          <p:cNvPr id="16419" name="Text Box 34"/>
-          <p:cNvSpPr txBox="1">
-            <a:spLocks noChangeArrowheads="1"/>
-          </p:cNvSpPr>
-          <p:nvPr/>
-        </p:nvSpPr>
-        <p:spPr bwMode="auto">
-          <a:xfrm>
-            <a:off x="4038600" y="2362200"/>
-            <a:ext cx="241300" cy="214313"/>
-          </a:xfrm>
-          <a:prstGeom prst="rect">
-            <a:avLst/>
-          </a:prstGeom>
-          <a:noFill/>
-          <a:ln w="9525">
-            <a:noFill/>
-            <a:miter lim="800000"/>
-            <a:headEnd/>
-            <a:tailEnd/>
-          </a:ln>
-        </p:spPr>
-        <p:txBody>
-          <a:bodyPr wrap="none">
-            <a:spAutoFit/>
-          </a:bodyPr>
-          <a:lstStyle/>
-          <a:p>
-            <a:r>
-              <a:rPr lang="en-US" sz="800"/>
-              <a:t>3</a:t>
-            </a:r>
-          </a:p>
-        </p:txBody>
-      </p:sp>
-      <p:sp>
-        <p:nvSpPr>
-          <p:cNvPr id="16420" name="Text Box 35"/>
-          <p:cNvSpPr txBox="1">
-            <a:spLocks noChangeArrowheads="1"/>
-          </p:cNvSpPr>
-          <p:nvPr/>
-        </p:nvSpPr>
-        <p:spPr bwMode="auto">
-          <a:xfrm>
-            <a:off x="4038600" y="2209800"/>
-            <a:ext cx="241300" cy="214313"/>
-          </a:xfrm>
-          <a:prstGeom prst="rect">
-            <a:avLst/>
-          </a:prstGeom>
-          <a:noFill/>
-          <a:ln w="9525">
-            <a:noFill/>
-            <a:miter lim="800000"/>
-            <a:headEnd/>
-            <a:tailEnd/>
-          </a:ln>
-        </p:spPr>
-        <p:txBody>
-          <a:bodyPr wrap="none">
-            <a:spAutoFit/>
-          </a:bodyPr>
-          <a:lstStyle/>
-          <a:p>
-            <a:r>
-              <a:rPr lang="en-US" sz="800"/>
-              <a:t>2</a:t>
-            </a:r>
-          </a:p>
-        </p:txBody>
-      </p:sp>
-      <p:sp>
-        <p:nvSpPr>
-          <p:cNvPr id="16421" name="Text Box 36"/>
-          <p:cNvSpPr txBox="1">
-            <a:spLocks noChangeArrowheads="1"/>
-          </p:cNvSpPr>
-          <p:nvPr/>
-        </p:nvSpPr>
-        <p:spPr bwMode="auto">
-          <a:xfrm>
-            <a:off x="4038600" y="2057400"/>
-            <a:ext cx="241300" cy="214313"/>
-          </a:xfrm>
-          <a:prstGeom prst="rect">
-            <a:avLst/>
-          </a:prstGeom>
-          <a:noFill/>
-          <a:ln w="9525">
-            <a:noFill/>
-            <a:miter lim="800000"/>
-            <a:headEnd/>
-            <a:tailEnd/>
-          </a:ln>
-        </p:spPr>
-        <p:txBody>
-          <a:bodyPr wrap="none">
-            <a:spAutoFit/>
-          </a:bodyPr>
-          <a:lstStyle/>
-          <a:p>
-            <a:r>
-              <a:rPr lang="en-US" sz="800"/>
-              <a:t>1</a:t>
-            </a:r>
-          </a:p>
-        </p:txBody>
-      </p:sp>
-      <p:sp>
-        <p:nvSpPr>
-          <p:cNvPr id="16422" name="Text Box 37"/>
-          <p:cNvSpPr txBox="1">
-            <a:spLocks noChangeArrowheads="1"/>
-          </p:cNvSpPr>
-          <p:nvPr/>
-        </p:nvSpPr>
-        <p:spPr bwMode="auto">
-          <a:xfrm>
-            <a:off x="4038600" y="1905000"/>
-            <a:ext cx="241300" cy="214313"/>
-          </a:xfrm>
-          <a:prstGeom prst="rect">
-            <a:avLst/>
-          </a:prstGeom>
-          <a:noFill/>
-          <a:ln w="9525">
-            <a:noFill/>
-            <a:miter lim="800000"/>
-            <a:headEnd/>
-            <a:tailEnd/>
-          </a:ln>
-        </p:spPr>
-        <p:txBody>
-          <a:bodyPr wrap="none">
-            <a:spAutoFit/>
-          </a:bodyPr>
-          <a:lstStyle/>
-          <a:p>
-            <a:r>
-              <a:rPr lang="en-US" sz="800"/>
-              <a:t>0</a:t>
-            </a:r>
-          </a:p>
-        </p:txBody>
-      </p:sp>
-      <p:sp>
-        <p:nvSpPr>
-          <p:cNvPr id="16423" name="Text Box 38"/>
-          <p:cNvSpPr txBox="1">
-            <a:spLocks noChangeArrowheads="1"/>
-          </p:cNvSpPr>
-          <p:nvPr/>
-        </p:nvSpPr>
-        <p:spPr bwMode="auto">
-          <a:xfrm>
-            <a:off x="4038600" y="2681288"/>
-            <a:ext cx="247650" cy="366712"/>
-          </a:xfrm>
-          <a:prstGeom prst="rect">
-            <a:avLst/>
-          </a:prstGeom>
-          <a:noFill/>
-          <a:ln w="9525">
-            <a:noFill/>
-            <a:miter lim="800000"/>
-            <a:headEnd/>
-            <a:tailEnd/>
-          </a:ln>
-        </p:spPr>
-        <p:txBody>
-          <a:bodyPr wrap="none">
-            <a:spAutoFit/>
-          </a:bodyPr>
-          <a:lstStyle/>
-          <a:p>
-            <a:r>
-              <a:rPr lang="en-US"/>
-              <a:t>.</a:t>
-            </a:r>
-          </a:p>
-        </p:txBody>
-      </p:sp>
-      <p:sp>
-        <p:nvSpPr>
-          <p:cNvPr id="16424" name="Text Box 39"/>
-          <p:cNvSpPr txBox="1">
-            <a:spLocks noChangeArrowheads="1"/>
-          </p:cNvSpPr>
-          <p:nvPr/>
-        </p:nvSpPr>
-        <p:spPr bwMode="auto">
-          <a:xfrm>
-            <a:off x="4038600" y="2819400"/>
-            <a:ext cx="247650" cy="366713"/>
-          </a:xfrm>
-          <a:prstGeom prst="rect">
-            <a:avLst/>
-          </a:prstGeom>
-          <a:noFill/>
-          <a:ln w="9525">
-            <a:noFill/>
-            <a:miter lim="800000"/>
-            <a:headEnd/>
-            <a:tailEnd/>
-          </a:ln>
-        </p:spPr>
-        <p:txBody>
-          <a:bodyPr wrap="none">
-            <a:spAutoFit/>
-          </a:bodyPr>
-          <a:lstStyle/>
-          <a:p>
-            <a:r>
-              <a:rPr lang="en-US"/>
-              <a:t>.</a:t>
-            </a:r>
-          </a:p>
-        </p:txBody>
-      </p:sp>
-      <p:sp>
-        <p:nvSpPr>
-          <p:cNvPr id="16425" name="Text Box 40"/>
-          <p:cNvSpPr txBox="1">
-            <a:spLocks noChangeArrowheads="1"/>
-          </p:cNvSpPr>
-          <p:nvPr/>
-        </p:nvSpPr>
-        <p:spPr bwMode="auto">
-          <a:xfrm>
-            <a:off x="4038600" y="2743200"/>
-            <a:ext cx="247650" cy="366713"/>
-          </a:xfrm>
-          <a:prstGeom prst="rect">
-            <a:avLst/>
-          </a:prstGeom>
-          <a:noFill/>
-          <a:ln w="9525">
-            <a:noFill/>
-            <a:miter lim="800000"/>
-            <a:headEnd/>
-            <a:tailEnd/>
-          </a:ln>
-        </p:spPr>
-        <p:txBody>
-          <a:bodyPr wrap="none">
-            <a:spAutoFit/>
-          </a:bodyPr>
-          <a:lstStyle/>
-          <a:p>
-            <a:r>
-              <a:rPr lang="en-US"/>
-              <a:t>.</a:t>
-            </a:r>
-          </a:p>
-        </p:txBody>
-      </p:sp>
-      <p:sp>
-        <p:nvSpPr>
-          <p:cNvPr id="16426" name="Text Box 41"/>
-          <p:cNvSpPr txBox="1">
-            <a:spLocks noChangeArrowheads="1"/>
-          </p:cNvSpPr>
-          <p:nvPr/>
-        </p:nvSpPr>
-        <p:spPr bwMode="auto">
-          <a:xfrm>
-            <a:off x="3276600" y="1219200"/>
-            <a:ext cx="2413000" cy="307975"/>
-          </a:xfrm>
-          <a:prstGeom prst="rect">
-            <a:avLst/>
-          </a:prstGeom>
-          <a:noFill/>
-          <a:ln w="9525">
-            <a:noFill/>
-            <a:miter lim="800000"/>
-            <a:headEnd/>
-            <a:tailEnd/>
-          </a:ln>
-        </p:spPr>
-        <p:txBody>
-          <a:bodyPr wrap="none">
-            <a:spAutoFit/>
-          </a:bodyPr>
-          <a:lstStyle/>
-          <a:p>
-            <a:r>
-              <a:rPr lang="en-US" sz="1400"/>
-              <a:t>Queue Manager Subsystem</a:t>
-            </a:r>
-          </a:p>
-        </p:txBody>
-      </p:sp>
-      <p:sp>
-        <p:nvSpPr>
-          <p:cNvPr id="16427" name="Line 43"/>
-          <p:cNvSpPr>
-            <a:spLocks noChangeShapeType="1"/>
-          </p:cNvSpPr>
-          <p:nvPr/>
-        </p:nvSpPr>
-        <p:spPr bwMode="auto">
-          <a:xfrm>
-            <a:off x="1752600" y="2438400"/>
-            <a:ext cx="1828800" cy="228600"/>
-          </a:xfrm>
-          <a:prstGeom prst="line">
-            <a:avLst/>
-          </a:prstGeom>
-          <a:noFill/>
-          <a:ln w="9525">
-            <a:solidFill>
-              <a:schemeClr val="tx1"/>
-            </a:solidFill>
-            <a:round/>
-            <a:headEnd type="triangle" w="med" len="med"/>
-            <a:tailEnd/>
-          </a:ln>
-        </p:spPr>
-        <p:txBody>
-          <a:bodyPr/>
-          <a:lstStyle/>
-          <a:p>
-            <a:endParaRPr lang="en-US"/>
-          </a:p>
-        </p:txBody>
-      </p:sp>
-      <p:sp>
-        <p:nvSpPr>
-          <p:cNvPr id="16428" name="Line 44"/>
-          <p:cNvSpPr>
-            <a:spLocks noChangeShapeType="1"/>
-          </p:cNvSpPr>
-          <p:nvPr/>
-        </p:nvSpPr>
-        <p:spPr bwMode="auto">
-          <a:xfrm>
-            <a:off x="5334000" y="4114800"/>
-            <a:ext cx="1295400" cy="533400"/>
-          </a:xfrm>
-          <a:prstGeom prst="line">
-            <a:avLst/>
-          </a:prstGeom>
-          <a:noFill/>
-          <a:ln w="9525">
-            <a:solidFill>
-              <a:schemeClr val="tx1"/>
-            </a:solidFill>
-            <a:round/>
-            <a:headEnd/>
-            <a:tailEnd type="triangle" w="med" len="med"/>
-          </a:ln>
-        </p:spPr>
-        <p:txBody>
-          <a:bodyPr/>
-          <a:lstStyle/>
-          <a:p>
-            <a:endParaRPr lang="en-US"/>
-          </a:p>
-        </p:txBody>
-      </p:sp>
-      <p:sp>
-        <p:nvSpPr>
-          <p:cNvPr id="16429" name="Line 45"/>
-          <p:cNvSpPr>
-            <a:spLocks noChangeShapeType="1"/>
-          </p:cNvSpPr>
-          <p:nvPr/>
-        </p:nvSpPr>
-        <p:spPr bwMode="auto">
-          <a:xfrm flipV="1">
-            <a:off x="2133600" y="4038600"/>
-            <a:ext cx="1447800" cy="382588"/>
-          </a:xfrm>
-          <a:prstGeom prst="line">
-            <a:avLst/>
-          </a:prstGeom>
-          <a:noFill/>
-          <a:ln w="9525">
-            <a:solidFill>
-              <a:schemeClr val="tx1"/>
-            </a:solidFill>
-            <a:round/>
-            <a:headEnd type="triangle" w="med" len="med"/>
-            <a:tailEnd/>
-          </a:ln>
-        </p:spPr>
-        <p:txBody>
-          <a:bodyPr/>
-          <a:lstStyle/>
-          <a:p>
-            <a:endParaRPr lang="en-US"/>
-          </a:p>
-        </p:txBody>
-      </p:sp>
-      <p:sp>
-        <p:nvSpPr>
-          <p:cNvPr id="16430" name="Line 46"/>
-          <p:cNvSpPr>
-            <a:spLocks noChangeShapeType="1"/>
-          </p:cNvSpPr>
-          <p:nvPr/>
-        </p:nvSpPr>
-        <p:spPr bwMode="auto">
-          <a:xfrm flipV="1">
-            <a:off x="5334000" y="2286000"/>
-            <a:ext cx="1295400" cy="76200"/>
-          </a:xfrm>
-          <a:prstGeom prst="line">
-            <a:avLst/>
-          </a:prstGeom>
-          <a:noFill/>
-          <a:ln w="9525">
-            <a:solidFill>
-              <a:schemeClr val="tx1"/>
-            </a:solidFill>
-            <a:round/>
-            <a:headEnd/>
-            <a:tailEnd type="triangle" w="med" len="med"/>
-          </a:ln>
-        </p:spPr>
-        <p:txBody>
-          <a:bodyPr/>
-          <a:lstStyle/>
-          <a:p>
-            <a:endParaRPr lang="en-US"/>
-          </a:p>
-        </p:txBody>
-      </p:sp>
-      <p:sp>
-        <p:nvSpPr>
-          <p:cNvPr id="16431" name="TextBox 45"/>
-          <p:cNvSpPr txBox="1">
-            <a:spLocks noChangeArrowheads="1"/>
-          </p:cNvSpPr>
-          <p:nvPr/>
-        </p:nvSpPr>
-        <p:spPr bwMode="auto">
-          <a:xfrm>
-            <a:off x="327025" y="5334000"/>
-            <a:ext cx="8458200" cy="1111250"/>
-          </a:xfrm>
-          <a:prstGeom prst="rect">
-            <a:avLst/>
-          </a:prstGeom>
-          <a:noFill/>
-          <a:ln w="9525">
-            <a:noFill/>
-            <a:miter lim="800000"/>
-            <a:headEnd/>
-            <a:tailEnd/>
-          </a:ln>
-        </p:spPr>
-        <p:txBody>
-          <a:bodyPr>
-            <a:spAutoFit/>
-          </a:bodyPr>
-          <a:lstStyle/>
-          <a:p>
-            <a:pPr>
-              <a:lnSpc>
-                <a:spcPct val="90000"/>
-              </a:lnSpc>
-            </a:pPr>
-            <a:r>
-              <a:rPr lang="en-US" sz="1400"/>
-              <a:t>Multiple Packet DMA instances in KeyStone devices:</a:t>
-            </a:r>
-            <a:br>
-              <a:rPr lang="en-US" sz="1400"/>
-            </a:br>
-            <a:endParaRPr lang="en-US" sz="800"/>
-          </a:p>
-          <a:p>
-            <a:pPr lvl="1">
-              <a:lnSpc>
-                <a:spcPct val="90000"/>
-              </a:lnSpc>
-              <a:buFont typeface="Arial" charset="0"/>
-              <a:buChar char="•"/>
-            </a:pPr>
-            <a:r>
-              <a:rPr lang="en-US" sz="1400"/>
-              <a:t> PA and SRIO instances for all KeyStone devices.</a:t>
-            </a:r>
-          </a:p>
-          <a:p>
-            <a:pPr lvl="1">
-              <a:lnSpc>
-                <a:spcPct val="90000"/>
-              </a:lnSpc>
-              <a:buFont typeface="Arial" charset="0"/>
-              <a:buChar char="•"/>
-            </a:pPr>
-            <a:endParaRPr lang="en-US" sz="800"/>
-          </a:p>
-          <a:p>
-            <a:pPr lvl="1">
-              <a:lnSpc>
-                <a:spcPct val="90000"/>
-              </a:lnSpc>
-              <a:buFont typeface="Arial" charset="0"/>
-              <a:buChar char="•"/>
-            </a:pPr>
-            <a:r>
-              <a:rPr lang="en-US" sz="1400"/>
-              <a:t> AIF2 and FFTC (A and B) instances are only in KeyStone devices for wireless applications.</a:t>
-            </a:r>
-          </a:p>
-          <a:p>
-            <a:endParaRPr lang="en-US" sz="1400"/>
-          </a:p>
-        </p:txBody>
-      </p:sp>
-      <p:sp>
-        <p:nvSpPr>
-          <p:cNvPr id="16432" name="Text Box 21"/>
-          <p:cNvSpPr txBox="1">
-            <a:spLocks noChangeArrowheads="1"/>
-          </p:cNvSpPr>
-          <p:nvPr/>
-        </p:nvSpPr>
-        <p:spPr bwMode="auto">
-          <a:xfrm>
-            <a:off x="1009650" y="1128713"/>
-            <a:ext cx="928688" cy="307975"/>
-          </a:xfrm>
-          <a:prstGeom prst="rect">
-            <a:avLst/>
-          </a:prstGeom>
-          <a:noFill/>
-          <a:ln w="9525">
-            <a:noFill/>
-            <a:miter lim="800000"/>
-            <a:headEnd/>
-            <a:tailEnd/>
-          </a:ln>
-        </p:spPr>
-        <p:txBody>
-          <a:bodyPr wrap="none">
-            <a:spAutoFit/>
-          </a:bodyPr>
-          <a:lstStyle/>
-          <a:p>
-            <a:r>
-              <a:rPr lang="en-US" sz="1400"/>
-              <a:t>FFTC (B)</a:t>
-            </a:r>
-          </a:p>
-        </p:txBody>
-      </p:sp>
-      <p:sp>
-        <p:nvSpPr>
-          <p:cNvPr id="16433" name="Line 43"/>
-          <p:cNvSpPr>
-            <a:spLocks noChangeShapeType="1"/>
-          </p:cNvSpPr>
-          <p:nvPr/>
-        </p:nvSpPr>
-        <p:spPr bwMode="auto">
-          <a:xfrm>
-            <a:off x="2286000" y="1981200"/>
-            <a:ext cx="1295400" cy="152400"/>
-          </a:xfrm>
-          <a:prstGeom prst="line">
-            <a:avLst/>
-          </a:prstGeom>
-          <a:noFill/>
-          <a:ln w="9525">
-            <a:solidFill>
-              <a:schemeClr val="tx1"/>
-            </a:solidFill>
-            <a:round/>
-            <a:headEnd type="triangle" w="med" len="med"/>
-            <a:tailEnd/>
-          </a:ln>
-        </p:spPr>
-        <p:txBody>
-          <a:bodyPr/>
-          <a:lstStyle/>
-          <a:p>
-            <a:endParaRPr lang="en-US"/>
-          </a:p>
-        </p:txBody>
-      </p:sp>
+        </p:nvGraphicFramePr>
+        <p:xfrm>
+          <a:off x="1219200" y="990600"/>
+          <a:ext cx="6959600" cy="5129213"/>
+        </p:xfrm>
+        <a:graphic>
+          <a:graphicData uri="http://schemas.openxmlformats.org/presentationml/2006/ole">
+            <p:oleObj spid="_x0000_s4098" name="Visio" r:id="rId4" imgW="7077483" imgH="5202947" progId="Visio.Drawing.11">
+              <p:embed/>
+            </p:oleObj>
+          </a:graphicData>
+        </a:graphic>
+      </p:graphicFrame>
     </p:spTree>
-    <p:custDataLst>
-      <p:tags r:id="rId1"/>
-    </p:custDataLst>
   </p:cSld>
   <p:clrMapOvr>
     <a:masterClrMapping/>
@@ -12527,13 +12532,13 @@
 
 <file path=ppt/tags/tag3.xml><?xml version="1.0" encoding="utf-8"?>
 <p:tagLst xmlns:a="http://schemas.openxmlformats.org/drawingml/2006/main" xmlns:r="http://schemas.openxmlformats.org/officeDocument/2006/relationships" xmlns:p="http://schemas.openxmlformats.org/presentationml/2006/main">
-  <p:tag name="ELAPSEDTIME" val="57.885"/>
-  <p:tag name="ARTICULATE_SLIDE_GUID" val="986e56aa-4fa2-4543-9136-2b522ac21fe1"/>
-  <p:tag name="ARTICULATE_SLIDE_PAUSE" val="0"/>
-  <p:tag name="ARTICULATE_NAV_LEVEL" val="2"/>
-  <p:tag name="ARTICULATE_PLAYLIST_ID" val="-1"/>
-  <p:tag name="ARTICULATE_LOCK_SLIDE" val="0"/>
-  <p:tag name="ARTICULATE_SLIDE_NAV" val="7"/>
+  <p:tag name="ELAPSEDTIME" val="131.208"/>
+</p:tagLst>
+</file>
+
+<file path=ppt/tags/tag4.xml><?xml version="1.0" encoding="utf-8"?>
+<p:tagLst xmlns:a="http://schemas.openxmlformats.org/drawingml/2006/main" xmlns:r="http://schemas.openxmlformats.org/officeDocument/2006/relationships" xmlns:p="http://schemas.openxmlformats.org/presentationml/2006/main">
+  <p:tag name="ELAPSEDTIME" val="131.208"/>
 </p:tagLst>
 </file>
 
